--- a/design/wireframe/wireframe.pptx
+++ b/design/wireframe/wireframe.pptx
@@ -199,7 +199,7 @@
           <a:p>
             <a:fld id="{235E44E7-B9BB-47A4-9D1A-268690B34B29}" type="datetimeFigureOut">
               <a:rPr lang="fr-FR" smtClean="0"/>
-              <a:t>10/02/2021</a:t>
+              <a:t>11/02/2021</a:t>
             </a:fld>
             <a:endParaRPr lang="fr-FR"/>
           </a:p>
@@ -681,7 +681,7 @@
           <a:p>
             <a:fld id="{EEC62B93-04E9-4E9E-9535-BF6213439B41}" type="datetimeFigureOut">
               <a:rPr lang="fr-FR" smtClean="0"/>
-              <a:t>10/02/2021</a:t>
+              <a:t>11/02/2021</a:t>
             </a:fld>
             <a:endParaRPr lang="fr-FR"/>
           </a:p>
@@ -851,7 +851,7 @@
           <a:p>
             <a:fld id="{EEC62B93-04E9-4E9E-9535-BF6213439B41}" type="datetimeFigureOut">
               <a:rPr lang="fr-FR" smtClean="0"/>
-              <a:t>10/02/2021</a:t>
+              <a:t>11/02/2021</a:t>
             </a:fld>
             <a:endParaRPr lang="fr-FR"/>
           </a:p>
@@ -1031,7 +1031,7 @@
           <a:p>
             <a:fld id="{EEC62B93-04E9-4E9E-9535-BF6213439B41}" type="datetimeFigureOut">
               <a:rPr lang="fr-FR" smtClean="0"/>
-              <a:t>10/02/2021</a:t>
+              <a:t>11/02/2021</a:t>
             </a:fld>
             <a:endParaRPr lang="fr-FR"/>
           </a:p>
@@ -1201,7 +1201,7 @@
           <a:p>
             <a:fld id="{EEC62B93-04E9-4E9E-9535-BF6213439B41}" type="datetimeFigureOut">
               <a:rPr lang="fr-FR" smtClean="0"/>
-              <a:t>10/02/2021</a:t>
+              <a:t>11/02/2021</a:t>
             </a:fld>
             <a:endParaRPr lang="fr-FR"/>
           </a:p>
@@ -1445,7 +1445,7 @@
           <a:p>
             <a:fld id="{EEC62B93-04E9-4E9E-9535-BF6213439B41}" type="datetimeFigureOut">
               <a:rPr lang="fr-FR" smtClean="0"/>
-              <a:t>10/02/2021</a:t>
+              <a:t>11/02/2021</a:t>
             </a:fld>
             <a:endParaRPr lang="fr-FR"/>
           </a:p>
@@ -1677,7 +1677,7 @@
           <a:p>
             <a:fld id="{EEC62B93-04E9-4E9E-9535-BF6213439B41}" type="datetimeFigureOut">
               <a:rPr lang="fr-FR" smtClean="0"/>
-              <a:t>10/02/2021</a:t>
+              <a:t>11/02/2021</a:t>
             </a:fld>
             <a:endParaRPr lang="fr-FR"/>
           </a:p>
@@ -2044,7 +2044,7 @@
           <a:p>
             <a:fld id="{EEC62B93-04E9-4E9E-9535-BF6213439B41}" type="datetimeFigureOut">
               <a:rPr lang="fr-FR" smtClean="0"/>
-              <a:t>10/02/2021</a:t>
+              <a:t>11/02/2021</a:t>
             </a:fld>
             <a:endParaRPr lang="fr-FR"/>
           </a:p>
@@ -2162,7 +2162,7 @@
           <a:p>
             <a:fld id="{EEC62B93-04E9-4E9E-9535-BF6213439B41}" type="datetimeFigureOut">
               <a:rPr lang="fr-FR" smtClean="0"/>
-              <a:t>10/02/2021</a:t>
+              <a:t>11/02/2021</a:t>
             </a:fld>
             <a:endParaRPr lang="fr-FR"/>
           </a:p>
@@ -2257,7 +2257,7 @@
           <a:p>
             <a:fld id="{EEC62B93-04E9-4E9E-9535-BF6213439B41}" type="datetimeFigureOut">
               <a:rPr lang="fr-FR" smtClean="0"/>
-              <a:t>10/02/2021</a:t>
+              <a:t>11/02/2021</a:t>
             </a:fld>
             <a:endParaRPr lang="fr-FR"/>
           </a:p>
@@ -2534,7 +2534,7 @@
           <a:p>
             <a:fld id="{EEC62B93-04E9-4E9E-9535-BF6213439B41}" type="datetimeFigureOut">
               <a:rPr lang="fr-FR" smtClean="0"/>
-              <a:t>10/02/2021</a:t>
+              <a:t>11/02/2021</a:t>
             </a:fld>
             <a:endParaRPr lang="fr-FR"/>
           </a:p>
@@ -2791,7 +2791,7 @@
           <a:p>
             <a:fld id="{EEC62B93-04E9-4E9E-9535-BF6213439B41}" type="datetimeFigureOut">
               <a:rPr lang="fr-FR" smtClean="0"/>
-              <a:t>10/02/2021</a:t>
+              <a:t>11/02/2021</a:t>
             </a:fld>
             <a:endParaRPr lang="fr-FR"/>
           </a:p>
@@ -3004,7 +3004,7 @@
           <a:p>
             <a:fld id="{EEC62B93-04E9-4E9E-9535-BF6213439B41}" type="datetimeFigureOut">
               <a:rPr lang="fr-FR" smtClean="0"/>
-              <a:t>10/02/2021</a:t>
+              <a:t>11/02/2021</a:t>
             </a:fld>
             <a:endParaRPr lang="fr-FR"/>
           </a:p>
@@ -3454,7 +3454,7 @@
           <a:lstStyle/>
           <a:p>
             <a:pPr algn="ctr"/>
-            <a:endParaRPr lang="fr-FR" sz="1400" u="sng" dirty="0">
+            <a:endParaRPr lang="fr-FR" sz="1200" u="sng" dirty="0">
               <a:solidFill>
                 <a:schemeClr val="tx1"/>
               </a:solidFill>
@@ -4478,183 +4478,6 @@
       </p:sp>
       <p:sp>
         <p:nvSpPr>
-          <p:cNvPr id="59" name="Rectangle 58">
-            <a:extLst>
-              <a:ext uri="{FF2B5EF4-FFF2-40B4-BE49-F238E27FC236}">
-                <a16:creationId xmlns:a16="http://schemas.microsoft.com/office/drawing/2014/main" id="{571DC89F-80F3-45C2-A99E-AA702125105C}"/>
-              </a:ext>
-            </a:extLst>
-          </p:cNvPr>
-          <p:cNvSpPr/>
-          <p:nvPr/>
-        </p:nvSpPr>
-        <p:spPr>
-          <a:xfrm>
-            <a:off x="1653306" y="4568944"/>
-            <a:ext cx="1392860" cy="209715"/>
-          </a:xfrm>
-          <a:prstGeom prst="rect">
-            <a:avLst/>
-          </a:prstGeom>
-          <a:noFill/>
-          <a:ln>
-            <a:solidFill>
-              <a:schemeClr val="tx1"/>
-            </a:solidFill>
-          </a:ln>
-        </p:spPr>
-        <p:style>
-          <a:lnRef idx="2">
-            <a:schemeClr val="accent1">
-              <a:shade val="50000"/>
-            </a:schemeClr>
-          </a:lnRef>
-          <a:fillRef idx="1">
-            <a:schemeClr val="accent1"/>
-          </a:fillRef>
-          <a:effectRef idx="0">
-            <a:schemeClr val="accent1"/>
-          </a:effectRef>
-          <a:fontRef idx="minor">
-            <a:schemeClr val="lt1"/>
-          </a:fontRef>
-        </p:style>
-        <p:txBody>
-          <a:bodyPr rtlCol="0" anchor="ctr"/>
-          <a:lstStyle/>
-          <a:p>
-            <a:pPr algn="ctr"/>
-            <a:r>
-              <a:rPr lang="fr-FR" sz="800" dirty="0">
-                <a:solidFill>
-                  <a:schemeClr val="tx1"/>
-                </a:solidFill>
-              </a:rPr>
-              <a:t>H2 titre de page</a:t>
-            </a:r>
-          </a:p>
-        </p:txBody>
-      </p:sp>
-      <p:sp>
-        <p:nvSpPr>
-          <p:cNvPr id="60" name="Rectangle 59">
-            <a:extLst>
-              <a:ext uri="{FF2B5EF4-FFF2-40B4-BE49-F238E27FC236}">
-                <a16:creationId xmlns:a16="http://schemas.microsoft.com/office/drawing/2014/main" id="{40B42E99-6E86-468B-9A89-037231612909}"/>
-              </a:ext>
-            </a:extLst>
-          </p:cNvPr>
-          <p:cNvSpPr/>
-          <p:nvPr/>
-        </p:nvSpPr>
-        <p:spPr>
-          <a:xfrm>
-            <a:off x="1653306" y="5129158"/>
-            <a:ext cx="1392048" cy="220105"/>
-          </a:xfrm>
-          <a:prstGeom prst="rect">
-            <a:avLst/>
-          </a:prstGeom>
-          <a:noFill/>
-          <a:ln>
-            <a:solidFill>
-              <a:schemeClr val="tx1"/>
-            </a:solidFill>
-          </a:ln>
-        </p:spPr>
-        <p:style>
-          <a:lnRef idx="2">
-            <a:schemeClr val="accent1">
-              <a:shade val="50000"/>
-            </a:schemeClr>
-          </a:lnRef>
-          <a:fillRef idx="1">
-            <a:schemeClr val="accent1"/>
-          </a:fillRef>
-          <a:effectRef idx="0">
-            <a:schemeClr val="accent1"/>
-          </a:effectRef>
-          <a:fontRef idx="minor">
-            <a:schemeClr val="lt1"/>
-          </a:fontRef>
-        </p:style>
-        <p:txBody>
-          <a:bodyPr rtlCol="0" anchor="ctr"/>
-          <a:lstStyle/>
-          <a:p>
-            <a:pPr algn="ctr"/>
-            <a:r>
-              <a:rPr lang="fr-FR" sz="800" dirty="0">
-                <a:solidFill>
-                  <a:schemeClr val="tx1"/>
-                </a:solidFill>
-              </a:rPr>
-              <a:t>Sous navigation (catégories)</a:t>
-            </a:r>
-          </a:p>
-        </p:txBody>
-      </p:sp>
-      <p:sp>
-        <p:nvSpPr>
-          <p:cNvPr id="61" name="Rectangle 60">
-            <a:extLst>
-              <a:ext uri="{FF2B5EF4-FFF2-40B4-BE49-F238E27FC236}">
-                <a16:creationId xmlns:a16="http://schemas.microsoft.com/office/drawing/2014/main" id="{A5CD048C-ED2F-473B-95D8-DD4F7EB01D2E}"/>
-              </a:ext>
-            </a:extLst>
-          </p:cNvPr>
-          <p:cNvSpPr/>
-          <p:nvPr/>
-        </p:nvSpPr>
-        <p:spPr>
-          <a:xfrm>
-            <a:off x="1653306" y="4829241"/>
-            <a:ext cx="1392048" cy="220105"/>
-          </a:xfrm>
-          <a:prstGeom prst="rect">
-            <a:avLst/>
-          </a:prstGeom>
-          <a:noFill/>
-          <a:ln>
-            <a:solidFill>
-              <a:schemeClr val="tx1"/>
-            </a:solidFill>
-          </a:ln>
-        </p:spPr>
-        <p:style>
-          <a:lnRef idx="2">
-            <a:schemeClr val="accent1">
-              <a:shade val="50000"/>
-            </a:schemeClr>
-          </a:lnRef>
-          <a:fillRef idx="1">
-            <a:schemeClr val="accent1"/>
-          </a:fillRef>
-          <a:effectRef idx="0">
-            <a:schemeClr val="accent1"/>
-          </a:effectRef>
-          <a:fontRef idx="minor">
-            <a:schemeClr val="lt1"/>
-          </a:fontRef>
-        </p:style>
-        <p:txBody>
-          <a:bodyPr rtlCol="0" anchor="ctr"/>
-          <a:lstStyle/>
-          <a:p>
-            <a:pPr algn="ctr"/>
-            <a:r>
-              <a:rPr lang="fr-FR" sz="800" dirty="0">
-                <a:solidFill>
-                  <a:schemeClr val="tx1"/>
-                </a:solidFill>
-              </a:rPr>
-              <a:t>Texte rapide présentation</a:t>
-            </a:r>
-          </a:p>
-        </p:txBody>
-      </p:sp>
-      <p:sp>
-        <p:nvSpPr>
           <p:cNvPr id="62" name="Rectangle 61">
             <a:extLst>
               <a:ext uri="{FF2B5EF4-FFF2-40B4-BE49-F238E27FC236}">
@@ -4667,8 +4490,8 @@
         </p:nvSpPr>
         <p:spPr>
           <a:xfrm>
-            <a:off x="1653307" y="5416390"/>
-            <a:ext cx="1392048" cy="220105"/>
+            <a:off x="1299542" y="5947216"/>
+            <a:ext cx="2087062" cy="208458"/>
           </a:xfrm>
           <a:prstGeom prst="rect">
             <a:avLst/>
@@ -4707,7 +4530,7 @@
                   <a:schemeClr val="tx1"/>
                 </a:solidFill>
               </a:rPr>
-              <a:t>Liens</a:t>
+              <a:t>Pour les acteurs</a:t>
             </a:r>
           </a:p>
         </p:txBody>
@@ -4832,242 +4655,6 @@
       </p:sp>
       <p:sp>
         <p:nvSpPr>
-          <p:cNvPr id="65" name="Rectangle 64">
-            <a:extLst>
-              <a:ext uri="{FF2B5EF4-FFF2-40B4-BE49-F238E27FC236}">
-                <a16:creationId xmlns:a16="http://schemas.microsoft.com/office/drawing/2014/main" id="{7F3C61F9-9B46-4469-9F42-6307624C8250}"/>
-              </a:ext>
-            </a:extLst>
-          </p:cNvPr>
-          <p:cNvSpPr/>
-          <p:nvPr/>
-        </p:nvSpPr>
-        <p:spPr>
-          <a:xfrm>
-            <a:off x="1653306" y="5970194"/>
-            <a:ext cx="1392860" cy="209715"/>
-          </a:xfrm>
-          <a:prstGeom prst="rect">
-            <a:avLst/>
-          </a:prstGeom>
-          <a:noFill/>
-          <a:ln>
-            <a:solidFill>
-              <a:schemeClr val="tx1"/>
-            </a:solidFill>
-          </a:ln>
-        </p:spPr>
-        <p:style>
-          <a:lnRef idx="2">
-            <a:schemeClr val="accent1">
-              <a:shade val="50000"/>
-            </a:schemeClr>
-          </a:lnRef>
-          <a:fillRef idx="1">
-            <a:schemeClr val="accent1"/>
-          </a:fillRef>
-          <a:effectRef idx="0">
-            <a:schemeClr val="accent1"/>
-          </a:effectRef>
-          <a:fontRef idx="minor">
-            <a:schemeClr val="lt1"/>
-          </a:fontRef>
-        </p:style>
-        <p:txBody>
-          <a:bodyPr rtlCol="0" anchor="ctr"/>
-          <a:lstStyle/>
-          <a:p>
-            <a:pPr algn="ctr"/>
-            <a:r>
-              <a:rPr lang="fr-FR" sz="800" dirty="0">
-                <a:solidFill>
-                  <a:schemeClr val="tx1"/>
-                </a:solidFill>
-              </a:rPr>
-              <a:t>H2 titre de page</a:t>
-            </a:r>
-          </a:p>
-        </p:txBody>
-      </p:sp>
-      <p:sp>
-        <p:nvSpPr>
-          <p:cNvPr id="66" name="Rectangle 65">
-            <a:extLst>
-              <a:ext uri="{FF2B5EF4-FFF2-40B4-BE49-F238E27FC236}">
-                <a16:creationId xmlns:a16="http://schemas.microsoft.com/office/drawing/2014/main" id="{D2CE4D35-4F67-4E70-8AAF-AC72B1D745A5}"/>
-              </a:ext>
-            </a:extLst>
-          </p:cNvPr>
-          <p:cNvSpPr/>
-          <p:nvPr/>
-        </p:nvSpPr>
-        <p:spPr>
-          <a:xfrm>
-            <a:off x="1653306" y="6530408"/>
-            <a:ext cx="1392048" cy="220105"/>
-          </a:xfrm>
-          <a:prstGeom prst="rect">
-            <a:avLst/>
-          </a:prstGeom>
-          <a:noFill/>
-          <a:ln>
-            <a:solidFill>
-              <a:schemeClr val="tx1"/>
-            </a:solidFill>
-          </a:ln>
-        </p:spPr>
-        <p:style>
-          <a:lnRef idx="2">
-            <a:schemeClr val="accent1">
-              <a:shade val="50000"/>
-            </a:schemeClr>
-          </a:lnRef>
-          <a:fillRef idx="1">
-            <a:schemeClr val="accent1"/>
-          </a:fillRef>
-          <a:effectRef idx="0">
-            <a:schemeClr val="accent1"/>
-          </a:effectRef>
-          <a:fontRef idx="minor">
-            <a:schemeClr val="lt1"/>
-          </a:fontRef>
-        </p:style>
-        <p:txBody>
-          <a:bodyPr rtlCol="0" anchor="ctr"/>
-          <a:lstStyle/>
-          <a:p>
-            <a:pPr algn="ctr"/>
-            <a:r>
-              <a:rPr lang="fr-FR" sz="800" dirty="0">
-                <a:solidFill>
-                  <a:schemeClr val="tx1"/>
-                </a:solidFill>
-              </a:rPr>
-              <a:t>Sous navigation (catégories)</a:t>
-            </a:r>
-          </a:p>
-        </p:txBody>
-      </p:sp>
-      <p:sp>
-        <p:nvSpPr>
-          <p:cNvPr id="67" name="Rectangle 66">
-            <a:extLst>
-              <a:ext uri="{FF2B5EF4-FFF2-40B4-BE49-F238E27FC236}">
-                <a16:creationId xmlns:a16="http://schemas.microsoft.com/office/drawing/2014/main" id="{E16FE5C1-B46D-48AA-B408-010B46A66244}"/>
-              </a:ext>
-            </a:extLst>
-          </p:cNvPr>
-          <p:cNvSpPr/>
-          <p:nvPr/>
-        </p:nvSpPr>
-        <p:spPr>
-          <a:xfrm>
-            <a:off x="1653306" y="6230491"/>
-            <a:ext cx="1392048" cy="220105"/>
-          </a:xfrm>
-          <a:prstGeom prst="rect">
-            <a:avLst/>
-          </a:prstGeom>
-          <a:noFill/>
-          <a:ln>
-            <a:solidFill>
-              <a:schemeClr val="tx1"/>
-            </a:solidFill>
-          </a:ln>
-        </p:spPr>
-        <p:style>
-          <a:lnRef idx="2">
-            <a:schemeClr val="accent1">
-              <a:shade val="50000"/>
-            </a:schemeClr>
-          </a:lnRef>
-          <a:fillRef idx="1">
-            <a:schemeClr val="accent1"/>
-          </a:fillRef>
-          <a:effectRef idx="0">
-            <a:schemeClr val="accent1"/>
-          </a:effectRef>
-          <a:fontRef idx="minor">
-            <a:schemeClr val="lt1"/>
-          </a:fontRef>
-        </p:style>
-        <p:txBody>
-          <a:bodyPr rtlCol="0" anchor="ctr"/>
-          <a:lstStyle/>
-          <a:p>
-            <a:pPr algn="ctr"/>
-            <a:r>
-              <a:rPr lang="fr-FR" sz="800" dirty="0">
-                <a:solidFill>
-                  <a:schemeClr val="tx1"/>
-                </a:solidFill>
-              </a:rPr>
-              <a:t>Texte rapide présentation</a:t>
-            </a:r>
-          </a:p>
-        </p:txBody>
-      </p:sp>
-      <p:sp>
-        <p:nvSpPr>
-          <p:cNvPr id="68" name="Rectangle 67">
-            <a:extLst>
-              <a:ext uri="{FF2B5EF4-FFF2-40B4-BE49-F238E27FC236}">
-                <a16:creationId xmlns:a16="http://schemas.microsoft.com/office/drawing/2014/main" id="{DC162604-8A3F-4973-BE37-29690D0F53B6}"/>
-              </a:ext>
-            </a:extLst>
-          </p:cNvPr>
-          <p:cNvSpPr/>
-          <p:nvPr/>
-        </p:nvSpPr>
-        <p:spPr>
-          <a:xfrm>
-            <a:off x="1653307" y="6817640"/>
-            <a:ext cx="1392048" cy="220105"/>
-          </a:xfrm>
-          <a:prstGeom prst="rect">
-            <a:avLst/>
-          </a:prstGeom>
-          <a:noFill/>
-          <a:ln>
-            <a:solidFill>
-              <a:schemeClr val="tx1"/>
-            </a:solidFill>
-          </a:ln>
-        </p:spPr>
-        <p:style>
-          <a:lnRef idx="2">
-            <a:schemeClr val="accent1">
-              <a:shade val="50000"/>
-            </a:schemeClr>
-          </a:lnRef>
-          <a:fillRef idx="1">
-            <a:schemeClr val="accent1"/>
-          </a:fillRef>
-          <a:effectRef idx="0">
-            <a:schemeClr val="accent1"/>
-          </a:effectRef>
-          <a:fontRef idx="minor">
-            <a:schemeClr val="lt1"/>
-          </a:fontRef>
-        </p:style>
-        <p:txBody>
-          <a:bodyPr lIns="91440" tIns="45720" rIns="91440" bIns="45720" rtlCol="0" anchor="ctr"/>
-          <a:lstStyle/>
-          <a:p>
-            <a:pPr algn="ctr"/>
-            <a:r>
-              <a:rPr lang="fr-FR" sz="800" dirty="0">
-                <a:solidFill>
-                  <a:schemeClr val="tx1"/>
-                </a:solidFill>
-              </a:rPr>
-              <a:t>Liens</a:t>
-            </a:r>
-          </a:p>
-        </p:txBody>
-      </p:sp>
-      <p:sp>
-        <p:nvSpPr>
           <p:cNvPr id="72" name="Rectangle 71">
             <a:extLst>
               <a:ext uri="{FF2B5EF4-FFF2-40B4-BE49-F238E27FC236}">
@@ -5896,6 +5483,258 @@
             <a:r>
               <a:rPr lang="fr-FR" dirty="0"/>
               <a:t>Pages</a:t>
+            </a:r>
+          </a:p>
+        </p:txBody>
+      </p:sp>
+      <p:sp>
+        <p:nvSpPr>
+          <p:cNvPr id="49" name="Rectangle 48">
+            <a:extLst>
+              <a:ext uri="{FF2B5EF4-FFF2-40B4-BE49-F238E27FC236}">
+                <a16:creationId xmlns:a16="http://schemas.microsoft.com/office/drawing/2014/main" id="{A2FFD0D0-D61B-4222-A150-FEC019E097DD}"/>
+              </a:ext>
+            </a:extLst>
+          </p:cNvPr>
+          <p:cNvSpPr/>
+          <p:nvPr/>
+        </p:nvSpPr>
+        <p:spPr>
+          <a:xfrm>
+            <a:off x="1299542" y="6270502"/>
+            <a:ext cx="2087062" cy="306506"/>
+          </a:xfrm>
+          <a:prstGeom prst="rect">
+            <a:avLst/>
+          </a:prstGeom>
+          <a:noFill/>
+          <a:ln>
+            <a:solidFill>
+              <a:schemeClr val="tx1"/>
+            </a:solidFill>
+          </a:ln>
+        </p:spPr>
+        <p:style>
+          <a:lnRef idx="2">
+            <a:schemeClr val="accent1">
+              <a:shade val="50000"/>
+            </a:schemeClr>
+          </a:lnRef>
+          <a:fillRef idx="1">
+            <a:schemeClr val="accent1"/>
+          </a:fillRef>
+          <a:effectRef idx="0">
+            <a:schemeClr val="accent1"/>
+          </a:effectRef>
+          <a:fontRef idx="minor">
+            <a:schemeClr val="lt1"/>
+          </a:fontRef>
+        </p:style>
+        <p:txBody>
+          <a:bodyPr lIns="91440" tIns="45720" rIns="91440" bIns="45720" rtlCol="0" anchor="ctr"/>
+          <a:lstStyle/>
+          <a:p>
+            <a:pPr algn="ctr"/>
+            <a:r>
+              <a:rPr lang="fr-FR" sz="800" dirty="0">
+                <a:solidFill>
+                  <a:schemeClr val="tx1"/>
+                </a:solidFill>
+              </a:rPr>
+              <a:t>Pour les </a:t>
+            </a:r>
+            <a:r>
+              <a:rPr lang="fr-FR" sz="800" dirty="0" err="1">
+                <a:solidFill>
+                  <a:schemeClr val="tx1"/>
+                </a:solidFill>
+              </a:rPr>
+              <a:t>personnnes</a:t>
+            </a:r>
+            <a:r>
+              <a:rPr lang="fr-FR" sz="800" dirty="0">
+                <a:solidFill>
+                  <a:schemeClr val="tx1"/>
+                </a:solidFill>
+              </a:rPr>
+              <a:t> en situations de handicap</a:t>
+            </a:r>
+          </a:p>
+        </p:txBody>
+      </p:sp>
+      <p:sp>
+        <p:nvSpPr>
+          <p:cNvPr id="4" name="Rectangle 3">
+            <a:extLst>
+              <a:ext uri="{FF2B5EF4-FFF2-40B4-BE49-F238E27FC236}">
+                <a16:creationId xmlns:a16="http://schemas.microsoft.com/office/drawing/2014/main" id="{F907668A-8714-4814-A19E-C1654A785CA8}"/>
+              </a:ext>
+            </a:extLst>
+          </p:cNvPr>
+          <p:cNvSpPr/>
+          <p:nvPr/>
+        </p:nvSpPr>
+        <p:spPr>
+          <a:xfrm>
+            <a:off x="1299542" y="5494459"/>
+            <a:ext cx="2087062" cy="337929"/>
+          </a:xfrm>
+          <a:prstGeom prst="rect">
+            <a:avLst/>
+          </a:prstGeom>
+          <a:noFill/>
+          <a:ln>
+            <a:solidFill>
+              <a:schemeClr val="tx1"/>
+            </a:solidFill>
+          </a:ln>
+        </p:spPr>
+        <p:style>
+          <a:lnRef idx="2">
+            <a:schemeClr val="accent1">
+              <a:shade val="50000"/>
+            </a:schemeClr>
+          </a:lnRef>
+          <a:fillRef idx="1">
+            <a:schemeClr val="accent1"/>
+          </a:fillRef>
+          <a:effectRef idx="0">
+            <a:schemeClr val="accent1"/>
+          </a:effectRef>
+          <a:fontRef idx="minor">
+            <a:schemeClr val="lt1"/>
+          </a:fontRef>
+        </p:style>
+        <p:txBody>
+          <a:bodyPr rtlCol="0" anchor="ctr"/>
+          <a:lstStyle/>
+          <a:p>
+            <a:pPr algn="ctr"/>
+            <a:r>
+              <a:rPr lang="fr-FR" sz="1100" dirty="0">
+                <a:solidFill>
+                  <a:sysClr val="windowText" lastClr="000000"/>
+                </a:solidFill>
+              </a:rPr>
+              <a:t>H3 TITRE</a:t>
+            </a:r>
+          </a:p>
+        </p:txBody>
+      </p:sp>
+      <p:sp>
+        <p:nvSpPr>
+          <p:cNvPr id="51" name="Rectangle 50">
+            <a:extLst>
+              <a:ext uri="{FF2B5EF4-FFF2-40B4-BE49-F238E27FC236}">
+                <a16:creationId xmlns:a16="http://schemas.microsoft.com/office/drawing/2014/main" id="{C74E7D0B-1D6E-4366-A17F-706F0BC7311A}"/>
+              </a:ext>
+            </a:extLst>
+          </p:cNvPr>
+          <p:cNvSpPr/>
+          <p:nvPr/>
+        </p:nvSpPr>
+        <p:spPr>
+          <a:xfrm>
+            <a:off x="1299542" y="4455836"/>
+            <a:ext cx="2087062" cy="321129"/>
+          </a:xfrm>
+          <a:prstGeom prst="rect">
+            <a:avLst/>
+          </a:prstGeom>
+          <a:noFill/>
+          <a:ln>
+            <a:solidFill>
+              <a:schemeClr val="tx1"/>
+            </a:solidFill>
+          </a:ln>
+        </p:spPr>
+        <p:style>
+          <a:lnRef idx="2">
+            <a:schemeClr val="accent1">
+              <a:shade val="50000"/>
+            </a:schemeClr>
+          </a:lnRef>
+          <a:fillRef idx="1">
+            <a:schemeClr val="accent1"/>
+          </a:fillRef>
+          <a:effectRef idx="0">
+            <a:schemeClr val="accent1"/>
+          </a:effectRef>
+          <a:fontRef idx="minor">
+            <a:schemeClr val="lt1"/>
+          </a:fontRef>
+        </p:style>
+        <p:txBody>
+          <a:bodyPr rtlCol="0" anchor="ctr"/>
+          <a:lstStyle/>
+          <a:p>
+            <a:pPr algn="ctr"/>
+            <a:r>
+              <a:rPr lang="fr-FR" sz="1200" dirty="0">
+                <a:solidFill>
+                  <a:schemeClr val="tx1"/>
+                </a:solidFill>
+              </a:rPr>
+              <a:t>H2 TITRE PAGE</a:t>
+            </a:r>
+          </a:p>
+        </p:txBody>
+      </p:sp>
+      <p:sp>
+        <p:nvSpPr>
+          <p:cNvPr id="52" name="Rectangle 51">
+            <a:extLst>
+              <a:ext uri="{FF2B5EF4-FFF2-40B4-BE49-F238E27FC236}">
+                <a16:creationId xmlns:a16="http://schemas.microsoft.com/office/drawing/2014/main" id="{1B8557F7-095B-4F4B-9A91-3E75317BAD33}"/>
+              </a:ext>
+            </a:extLst>
+          </p:cNvPr>
+          <p:cNvSpPr/>
+          <p:nvPr/>
+        </p:nvSpPr>
+        <p:spPr>
+          <a:xfrm>
+            <a:off x="1306205" y="4933031"/>
+            <a:ext cx="2087062" cy="321129"/>
+          </a:xfrm>
+          <a:prstGeom prst="rect">
+            <a:avLst/>
+          </a:prstGeom>
+          <a:noFill/>
+          <a:ln>
+            <a:solidFill>
+              <a:schemeClr val="tx1"/>
+            </a:solidFill>
+          </a:ln>
+        </p:spPr>
+        <p:style>
+          <a:lnRef idx="2">
+            <a:schemeClr val="accent1">
+              <a:shade val="50000"/>
+            </a:schemeClr>
+          </a:lnRef>
+          <a:fillRef idx="1">
+            <a:schemeClr val="accent1"/>
+          </a:fillRef>
+          <a:effectRef idx="0">
+            <a:schemeClr val="accent1"/>
+          </a:effectRef>
+          <a:fontRef idx="minor">
+            <a:schemeClr val="lt1"/>
+          </a:fontRef>
+        </p:style>
+        <p:txBody>
+          <a:bodyPr rtlCol="0" anchor="ctr"/>
+          <a:lstStyle/>
+          <a:p>
+            <a:pPr algn="ctr"/>
+            <a:r>
+              <a:rPr lang="fr-FR" sz="1200" dirty="0">
+                <a:solidFill>
+                  <a:schemeClr val="tx1"/>
+                </a:solidFill>
+              </a:rPr>
+              <a:t>H2 TITRE PAGE</a:t>
             </a:r>
           </a:p>
         </p:txBody>
@@ -6453,242 +6292,6 @@
       </p:sp>
       <p:sp>
         <p:nvSpPr>
-          <p:cNvPr id="10" name="Rectangle 9">
-            <a:extLst>
-              <a:ext uri="{FF2B5EF4-FFF2-40B4-BE49-F238E27FC236}">
-                <a16:creationId xmlns:a16="http://schemas.microsoft.com/office/drawing/2014/main" id="{7A99CC42-56BB-4F5F-A2BF-ECC7FB0CFD82}"/>
-              </a:ext>
-            </a:extLst>
-          </p:cNvPr>
-          <p:cNvSpPr/>
-          <p:nvPr/>
-        </p:nvSpPr>
-        <p:spPr>
-          <a:xfrm>
-            <a:off x="1971799" y="6867713"/>
-            <a:ext cx="3556531" cy="1181100"/>
-          </a:xfrm>
-          <a:prstGeom prst="rect">
-            <a:avLst/>
-          </a:prstGeom>
-          <a:noFill/>
-          <a:ln>
-            <a:solidFill>
-              <a:schemeClr val="tx1"/>
-            </a:solidFill>
-          </a:ln>
-        </p:spPr>
-        <p:style>
-          <a:lnRef idx="2">
-            <a:schemeClr val="accent1">
-              <a:shade val="50000"/>
-            </a:schemeClr>
-          </a:lnRef>
-          <a:fillRef idx="1">
-            <a:schemeClr val="accent1"/>
-          </a:fillRef>
-          <a:effectRef idx="0">
-            <a:schemeClr val="accent1"/>
-          </a:effectRef>
-          <a:fontRef idx="minor">
-            <a:schemeClr val="lt1"/>
-          </a:fontRef>
-        </p:style>
-        <p:txBody>
-          <a:bodyPr rtlCol="0" anchor="ctr"/>
-          <a:lstStyle/>
-          <a:p>
-            <a:pPr algn="ctr"/>
-            <a:r>
-              <a:rPr lang="fr-FR" dirty="0">
-                <a:solidFill>
-                  <a:schemeClr val="tx1"/>
-                </a:solidFill>
-              </a:rPr>
-              <a:t>H2 titre de page</a:t>
-            </a:r>
-          </a:p>
-        </p:txBody>
-      </p:sp>
-      <p:sp>
-        <p:nvSpPr>
-          <p:cNvPr id="47" name="Rectangle 46">
-            <a:extLst>
-              <a:ext uri="{FF2B5EF4-FFF2-40B4-BE49-F238E27FC236}">
-                <a16:creationId xmlns:a16="http://schemas.microsoft.com/office/drawing/2014/main" id="{D2820A42-4932-4D20-B28D-CBE5E5AB2C52}"/>
-              </a:ext>
-            </a:extLst>
-          </p:cNvPr>
-          <p:cNvSpPr/>
-          <p:nvPr/>
-        </p:nvSpPr>
-        <p:spPr>
-          <a:xfrm>
-            <a:off x="4044691" y="10553081"/>
-            <a:ext cx="3540934" cy="1181100"/>
-          </a:xfrm>
-          <a:prstGeom prst="rect">
-            <a:avLst/>
-          </a:prstGeom>
-          <a:noFill/>
-          <a:ln>
-            <a:solidFill>
-              <a:schemeClr val="tx1"/>
-            </a:solidFill>
-          </a:ln>
-        </p:spPr>
-        <p:style>
-          <a:lnRef idx="2">
-            <a:schemeClr val="accent1">
-              <a:shade val="50000"/>
-            </a:schemeClr>
-          </a:lnRef>
-          <a:fillRef idx="1">
-            <a:schemeClr val="accent1"/>
-          </a:fillRef>
-          <a:effectRef idx="0">
-            <a:schemeClr val="accent1"/>
-          </a:effectRef>
-          <a:fontRef idx="minor">
-            <a:schemeClr val="lt1"/>
-          </a:fontRef>
-        </p:style>
-        <p:txBody>
-          <a:bodyPr rtlCol="0" anchor="ctr"/>
-          <a:lstStyle/>
-          <a:p>
-            <a:pPr algn="ctr"/>
-            <a:r>
-              <a:rPr lang="fr-FR" dirty="0">
-                <a:solidFill>
-                  <a:schemeClr val="tx1"/>
-                </a:solidFill>
-              </a:rPr>
-              <a:t>H2 titre de page</a:t>
-            </a:r>
-          </a:p>
-        </p:txBody>
-      </p:sp>
-      <p:sp>
-        <p:nvSpPr>
-          <p:cNvPr id="3" name="Rectangle 2">
-            <a:extLst>
-              <a:ext uri="{FF2B5EF4-FFF2-40B4-BE49-F238E27FC236}">
-                <a16:creationId xmlns:a16="http://schemas.microsoft.com/office/drawing/2014/main" id="{702D8D1E-3EAE-4229-B458-E9CA5078C82C}"/>
-              </a:ext>
-            </a:extLst>
-          </p:cNvPr>
-          <p:cNvSpPr/>
-          <p:nvPr/>
-        </p:nvSpPr>
-        <p:spPr>
-          <a:xfrm>
-            <a:off x="6346550" y="6818944"/>
-            <a:ext cx="1213098" cy="2792655"/>
-          </a:xfrm>
-          <a:prstGeom prst="rect">
-            <a:avLst/>
-          </a:prstGeom>
-          <a:noFill/>
-          <a:ln>
-            <a:solidFill>
-              <a:schemeClr val="tx1"/>
-            </a:solidFill>
-          </a:ln>
-        </p:spPr>
-        <p:style>
-          <a:lnRef idx="2">
-            <a:schemeClr val="accent1">
-              <a:shade val="50000"/>
-            </a:schemeClr>
-          </a:lnRef>
-          <a:fillRef idx="1">
-            <a:schemeClr val="accent1"/>
-          </a:fillRef>
-          <a:effectRef idx="0">
-            <a:schemeClr val="accent1"/>
-          </a:effectRef>
-          <a:fontRef idx="minor">
-            <a:schemeClr val="lt1"/>
-          </a:fontRef>
-        </p:style>
-        <p:txBody>
-          <a:bodyPr rtlCol="0" anchor="ctr"/>
-          <a:lstStyle/>
-          <a:p>
-            <a:pPr algn="ctr"/>
-            <a:r>
-              <a:rPr lang="fr-FR" dirty="0">
-                <a:solidFill>
-                  <a:schemeClr val="tx1"/>
-                </a:solidFill>
-              </a:rPr>
-              <a:t>Liens</a:t>
-            </a:r>
-          </a:p>
-        </p:txBody>
-      </p:sp>
-      <p:sp>
-        <p:nvSpPr>
-          <p:cNvPr id="14" name="Rectangle 13">
-            <a:extLst>
-              <a:ext uri="{FF2B5EF4-FFF2-40B4-BE49-F238E27FC236}">
-                <a16:creationId xmlns:a16="http://schemas.microsoft.com/office/drawing/2014/main" id="{1C5E0423-72EE-46CC-8D7A-6254C6FFEC7A}"/>
-              </a:ext>
-            </a:extLst>
-          </p:cNvPr>
-          <p:cNvSpPr/>
-          <p:nvPr/>
-        </p:nvSpPr>
-        <p:spPr>
-          <a:xfrm>
-            <a:off x="1971799" y="10553081"/>
-            <a:ext cx="1213098" cy="2688592"/>
-          </a:xfrm>
-          <a:prstGeom prst="rect">
-            <a:avLst/>
-          </a:prstGeom>
-          <a:noFill/>
-          <a:ln>
-            <a:solidFill>
-              <a:schemeClr val="tx1"/>
-            </a:solidFill>
-          </a:ln>
-        </p:spPr>
-        <p:style>
-          <a:lnRef idx="2">
-            <a:schemeClr val="accent1">
-              <a:shade val="50000"/>
-            </a:schemeClr>
-          </a:lnRef>
-          <a:fillRef idx="1">
-            <a:schemeClr val="accent1"/>
-          </a:fillRef>
-          <a:effectRef idx="0">
-            <a:schemeClr val="accent1"/>
-          </a:effectRef>
-          <a:fontRef idx="minor">
-            <a:schemeClr val="lt1"/>
-          </a:fontRef>
-        </p:style>
-        <p:txBody>
-          <a:bodyPr lIns="91440" tIns="45720" rIns="91440" bIns="45720" rtlCol="0" anchor="ctr"/>
-          <a:lstStyle/>
-          <a:p>
-            <a:pPr algn="ctr"/>
-            <a:r>
-              <a:rPr lang="fr-FR" dirty="0">
-                <a:solidFill>
-                  <a:schemeClr val="tx1"/>
-                </a:solidFill>
-              </a:rPr>
-              <a:t>Liens</a:t>
-            </a:r>
-          </a:p>
-        </p:txBody>
-      </p:sp>
-      <p:sp>
-        <p:nvSpPr>
           <p:cNvPr id="16" name="Rectangle 15">
             <a:extLst>
               <a:ext uri="{FF2B5EF4-FFF2-40B4-BE49-F238E27FC236}">
@@ -6918,10 +6521,10 @@
       </p:sp>
       <p:sp>
         <p:nvSpPr>
-          <p:cNvPr id="51" name="Rectangle 50">
+          <p:cNvPr id="22" name="Rectangle 21">
             <a:extLst>
               <a:ext uri="{FF2B5EF4-FFF2-40B4-BE49-F238E27FC236}">
-                <a16:creationId xmlns:a16="http://schemas.microsoft.com/office/drawing/2014/main" id="{040C0C7D-E67E-4818-96B7-72F4CE8AA740}"/>
+                <a16:creationId xmlns:a16="http://schemas.microsoft.com/office/drawing/2014/main" id="{BFD7DE96-1396-4927-B79A-E5A5881C9C21}"/>
               </a:ext>
             </a:extLst>
           </p:cNvPr>
@@ -6930,8 +6533,8 @@
         </p:nvSpPr>
         <p:spPr>
           <a:xfrm>
-            <a:off x="1987610" y="8990295"/>
-            <a:ext cx="3540720" cy="636860"/>
+            <a:off x="1558427" y="9881385"/>
+            <a:ext cx="6027146" cy="994271"/>
           </a:xfrm>
           <a:prstGeom prst="rect">
             <a:avLst/>
@@ -6960,7 +6563,7 @@
           </a:fontRef>
         </p:style>
         <p:txBody>
-          <a:bodyPr rtlCol="0" anchor="ctr"/>
+          <a:bodyPr lIns="91440" tIns="45720" rIns="91440" bIns="45720" rtlCol="0" anchor="ctr"/>
           <a:lstStyle/>
           <a:p>
             <a:pPr algn="ctr"/>
@@ -6970,17 +6573,17 @@
                   <a:schemeClr val="tx1"/>
                 </a:solidFill>
               </a:rPr>
-              <a:t>Sous navigation (catégories)</a:t>
-            </a:r>
-          </a:p>
-        </p:txBody>
-      </p:sp>
-      <p:sp>
-        <p:nvSpPr>
-          <p:cNvPr id="53" name="Rectangle 52">
+              <a:t>Pour les acteurs</a:t>
+            </a:r>
+          </a:p>
+        </p:txBody>
+      </p:sp>
+      <p:sp>
+        <p:nvSpPr>
+          <p:cNvPr id="23" name="Rectangle 22">
             <a:extLst>
               <a:ext uri="{FF2B5EF4-FFF2-40B4-BE49-F238E27FC236}">
-                <a16:creationId xmlns:a16="http://schemas.microsoft.com/office/drawing/2014/main" id="{94299A13-8F21-4520-923B-CE396A2200E5}"/>
+                <a16:creationId xmlns:a16="http://schemas.microsoft.com/office/drawing/2014/main" id="{FD06BB9C-83F6-4F9F-9D0F-CD3C42A901F3}"/>
               </a:ext>
             </a:extLst>
           </p:cNvPr>
@@ -6989,8 +6592,8 @@
         </p:nvSpPr>
         <p:spPr>
           <a:xfrm>
-            <a:off x="1979069" y="8184571"/>
-            <a:ext cx="3540720" cy="636860"/>
+            <a:off x="1558427" y="11292280"/>
+            <a:ext cx="6027146" cy="1115354"/>
           </a:xfrm>
           <a:prstGeom prst="rect">
             <a:avLst/>
@@ -7019,7 +6622,7 @@
           </a:fontRef>
         </p:style>
         <p:txBody>
-          <a:bodyPr rtlCol="0" anchor="ctr"/>
+          <a:bodyPr lIns="91440" tIns="45720" rIns="91440" bIns="45720" rtlCol="0" anchor="ctr"/>
           <a:lstStyle/>
           <a:p>
             <a:pPr algn="ctr"/>
@@ -7029,17 +6632,17 @@
                   <a:schemeClr val="tx1"/>
                 </a:solidFill>
               </a:rPr>
-              <a:t>Texte rapide présentation</a:t>
-            </a:r>
-          </a:p>
-        </p:txBody>
-      </p:sp>
-      <p:sp>
-        <p:nvSpPr>
-          <p:cNvPr id="54" name="Rectangle 53">
+              <a:t>Liens Pour les personnes en situations de handicap</a:t>
+            </a:r>
+          </a:p>
+        </p:txBody>
+      </p:sp>
+      <p:sp>
+        <p:nvSpPr>
+          <p:cNvPr id="24" name="Rectangle 23">
             <a:extLst>
               <a:ext uri="{FF2B5EF4-FFF2-40B4-BE49-F238E27FC236}">
-                <a16:creationId xmlns:a16="http://schemas.microsoft.com/office/drawing/2014/main" id="{7CC3B6D5-68EC-4F4A-9ADA-3777E66388C9}"/>
+                <a16:creationId xmlns:a16="http://schemas.microsoft.com/office/drawing/2014/main" id="{1B0B64EB-72F1-46F7-A41C-F608C5604DBE}"/>
               </a:ext>
             </a:extLst>
           </p:cNvPr>
@@ -7048,8 +6651,8 @@
         </p:nvSpPr>
         <p:spPr>
           <a:xfrm>
-            <a:off x="4044905" y="12798545"/>
-            <a:ext cx="3540720" cy="636860"/>
+            <a:off x="1558427" y="8697500"/>
+            <a:ext cx="6027146" cy="835531"/>
           </a:xfrm>
           <a:prstGeom prst="rect">
             <a:avLst/>
@@ -7085,20 +6688,20 @@
             <a:r>
               <a:rPr lang="fr-FR" dirty="0">
                 <a:solidFill>
-                  <a:schemeClr val="tx1"/>
+                  <a:sysClr val="windowText" lastClr="000000"/>
                 </a:solidFill>
               </a:rPr>
-              <a:t>Sous navigation (catégories)</a:t>
-            </a:r>
-          </a:p>
-        </p:txBody>
-      </p:sp>
-      <p:sp>
-        <p:nvSpPr>
-          <p:cNvPr id="55" name="Rectangle 54">
+              <a:t>H3 RESSOURCES</a:t>
+            </a:r>
+          </a:p>
+        </p:txBody>
+      </p:sp>
+      <p:sp>
+        <p:nvSpPr>
+          <p:cNvPr id="2" name="Rectangle 1">
             <a:extLst>
               <a:ext uri="{FF2B5EF4-FFF2-40B4-BE49-F238E27FC236}">
-                <a16:creationId xmlns:a16="http://schemas.microsoft.com/office/drawing/2014/main" id="{FB8474F6-B760-420A-A6A7-C6FFBF62D627}"/>
+                <a16:creationId xmlns:a16="http://schemas.microsoft.com/office/drawing/2014/main" id="{E1F5E9A4-F3CC-4DC4-AD40-051ADE915255}"/>
               </a:ext>
             </a:extLst>
           </p:cNvPr>
@@ -7107,8 +6710,8 @@
         </p:nvSpPr>
         <p:spPr>
           <a:xfrm>
-            <a:off x="4044905" y="11956634"/>
-            <a:ext cx="3540720" cy="636860"/>
+            <a:off x="1558428" y="6515100"/>
+            <a:ext cx="2647420" cy="1834046"/>
           </a:xfrm>
           <a:prstGeom prst="rect">
             <a:avLst/>
@@ -7147,7 +6750,66 @@
                   <a:schemeClr val="tx1"/>
                 </a:solidFill>
               </a:rPr>
-              <a:t>Texte rapide présentation</a:t>
+              <a:t>H2 TITRE PAGE</a:t>
+            </a:r>
+          </a:p>
+        </p:txBody>
+      </p:sp>
+      <p:sp>
+        <p:nvSpPr>
+          <p:cNvPr id="26" name="Rectangle 25">
+            <a:extLst>
+              <a:ext uri="{FF2B5EF4-FFF2-40B4-BE49-F238E27FC236}">
+                <a16:creationId xmlns:a16="http://schemas.microsoft.com/office/drawing/2014/main" id="{A3A7275A-683B-4BAD-A658-216C34317929}"/>
+              </a:ext>
+            </a:extLst>
+          </p:cNvPr>
+          <p:cNvSpPr/>
+          <p:nvPr/>
+        </p:nvSpPr>
+        <p:spPr>
+          <a:xfrm>
+            <a:off x="4938153" y="6515100"/>
+            <a:ext cx="2647420" cy="1834046"/>
+          </a:xfrm>
+          <a:prstGeom prst="rect">
+            <a:avLst/>
+          </a:prstGeom>
+          <a:noFill/>
+          <a:ln>
+            <a:solidFill>
+              <a:schemeClr val="tx1"/>
+            </a:solidFill>
+          </a:ln>
+        </p:spPr>
+        <p:style>
+          <a:lnRef idx="2">
+            <a:schemeClr val="accent1">
+              <a:shade val="50000"/>
+            </a:schemeClr>
+          </a:lnRef>
+          <a:fillRef idx="1">
+            <a:schemeClr val="accent1"/>
+          </a:fillRef>
+          <a:effectRef idx="0">
+            <a:schemeClr val="accent1"/>
+          </a:effectRef>
+          <a:fontRef idx="minor">
+            <a:schemeClr val="lt1"/>
+          </a:fontRef>
+        </p:style>
+        <p:txBody>
+          <a:bodyPr rtlCol="0" anchor="ctr"/>
+          <a:lstStyle/>
+          <a:p>
+            <a:pPr algn="ctr"/>
+            <a:r>
+              <a:rPr lang="fr-FR" dirty="0">
+                <a:solidFill>
+                  <a:schemeClr val="tx1"/>
+                </a:solidFill>
+              </a:rPr>
+              <a:t>H2 TITRE PAGE</a:t>
             </a:r>
           </a:p>
         </p:txBody>

--- a/design/wireframe/wireframe.pptx
+++ b/design/wireframe/wireframe.pptx
@@ -199,7 +199,7 @@
           <a:p>
             <a:fld id="{235E44E7-B9BB-47A4-9D1A-268690B34B29}" type="datetimeFigureOut">
               <a:rPr lang="fr-FR" smtClean="0"/>
-              <a:t>11/02/2021</a:t>
+              <a:t>15/02/2021</a:t>
             </a:fld>
             <a:endParaRPr lang="fr-FR"/>
           </a:p>
@@ -681,7 +681,7 @@
           <a:p>
             <a:fld id="{EEC62B93-04E9-4E9E-9535-BF6213439B41}" type="datetimeFigureOut">
               <a:rPr lang="fr-FR" smtClean="0"/>
-              <a:t>11/02/2021</a:t>
+              <a:t>15/02/2021</a:t>
             </a:fld>
             <a:endParaRPr lang="fr-FR"/>
           </a:p>
@@ -851,7 +851,7 @@
           <a:p>
             <a:fld id="{EEC62B93-04E9-4E9E-9535-BF6213439B41}" type="datetimeFigureOut">
               <a:rPr lang="fr-FR" smtClean="0"/>
-              <a:t>11/02/2021</a:t>
+              <a:t>15/02/2021</a:t>
             </a:fld>
             <a:endParaRPr lang="fr-FR"/>
           </a:p>
@@ -1031,7 +1031,7 @@
           <a:p>
             <a:fld id="{EEC62B93-04E9-4E9E-9535-BF6213439B41}" type="datetimeFigureOut">
               <a:rPr lang="fr-FR" smtClean="0"/>
-              <a:t>11/02/2021</a:t>
+              <a:t>15/02/2021</a:t>
             </a:fld>
             <a:endParaRPr lang="fr-FR"/>
           </a:p>
@@ -1201,7 +1201,7 @@
           <a:p>
             <a:fld id="{EEC62B93-04E9-4E9E-9535-BF6213439B41}" type="datetimeFigureOut">
               <a:rPr lang="fr-FR" smtClean="0"/>
-              <a:t>11/02/2021</a:t>
+              <a:t>15/02/2021</a:t>
             </a:fld>
             <a:endParaRPr lang="fr-FR"/>
           </a:p>
@@ -1445,7 +1445,7 @@
           <a:p>
             <a:fld id="{EEC62B93-04E9-4E9E-9535-BF6213439B41}" type="datetimeFigureOut">
               <a:rPr lang="fr-FR" smtClean="0"/>
-              <a:t>11/02/2021</a:t>
+              <a:t>15/02/2021</a:t>
             </a:fld>
             <a:endParaRPr lang="fr-FR"/>
           </a:p>
@@ -1677,7 +1677,7 @@
           <a:p>
             <a:fld id="{EEC62B93-04E9-4E9E-9535-BF6213439B41}" type="datetimeFigureOut">
               <a:rPr lang="fr-FR" smtClean="0"/>
-              <a:t>11/02/2021</a:t>
+              <a:t>15/02/2021</a:t>
             </a:fld>
             <a:endParaRPr lang="fr-FR"/>
           </a:p>
@@ -2044,7 +2044,7 @@
           <a:p>
             <a:fld id="{EEC62B93-04E9-4E9E-9535-BF6213439B41}" type="datetimeFigureOut">
               <a:rPr lang="fr-FR" smtClean="0"/>
-              <a:t>11/02/2021</a:t>
+              <a:t>15/02/2021</a:t>
             </a:fld>
             <a:endParaRPr lang="fr-FR"/>
           </a:p>
@@ -2162,7 +2162,7 @@
           <a:p>
             <a:fld id="{EEC62B93-04E9-4E9E-9535-BF6213439B41}" type="datetimeFigureOut">
               <a:rPr lang="fr-FR" smtClean="0"/>
-              <a:t>11/02/2021</a:t>
+              <a:t>15/02/2021</a:t>
             </a:fld>
             <a:endParaRPr lang="fr-FR"/>
           </a:p>
@@ -2257,7 +2257,7 @@
           <a:p>
             <a:fld id="{EEC62B93-04E9-4E9E-9535-BF6213439B41}" type="datetimeFigureOut">
               <a:rPr lang="fr-FR" smtClean="0"/>
-              <a:t>11/02/2021</a:t>
+              <a:t>15/02/2021</a:t>
             </a:fld>
             <a:endParaRPr lang="fr-FR"/>
           </a:p>
@@ -2534,7 +2534,7 @@
           <a:p>
             <a:fld id="{EEC62B93-04E9-4E9E-9535-BF6213439B41}" type="datetimeFigureOut">
               <a:rPr lang="fr-FR" smtClean="0"/>
-              <a:t>11/02/2021</a:t>
+              <a:t>15/02/2021</a:t>
             </a:fld>
             <a:endParaRPr lang="fr-FR"/>
           </a:p>
@@ -2791,7 +2791,7 @@
           <a:p>
             <a:fld id="{EEC62B93-04E9-4E9E-9535-BF6213439B41}" type="datetimeFigureOut">
               <a:rPr lang="fr-FR" smtClean="0"/>
-              <a:t>11/02/2021</a:t>
+              <a:t>15/02/2021</a:t>
             </a:fld>
             <a:endParaRPr lang="fr-FR"/>
           </a:p>
@@ -3004,7 +3004,7 @@
           <a:p>
             <a:fld id="{EEC62B93-04E9-4E9E-9535-BF6213439B41}" type="datetimeFigureOut">
               <a:rPr lang="fr-FR" smtClean="0"/>
-              <a:t>11/02/2021</a:t>
+              <a:t>15/02/2021</a:t>
             </a:fld>
             <a:endParaRPr lang="fr-FR"/>
           </a:p>
@@ -3423,8 +3423,8 @@
         </p:nvSpPr>
         <p:spPr>
           <a:xfrm>
-            <a:off x="1159364" y="1263289"/>
-            <a:ext cx="2382727" cy="8229163"/>
+            <a:off x="1159364" y="1263290"/>
+            <a:ext cx="2382727" cy="7211224"/>
           </a:xfrm>
           <a:prstGeom prst="rect">
             <a:avLst/>
@@ -3575,44 +3575,6 @@
                 </a:solidFill>
               </a:rPr>
               <a:t>Menu</a:t>
-            </a:r>
-          </a:p>
-        </p:txBody>
-      </p:sp>
-      <p:sp>
-        <p:nvSpPr>
-          <p:cNvPr id="8" name="ZoneTexte 7">
-            <a:extLst>
-              <a:ext uri="{FF2B5EF4-FFF2-40B4-BE49-F238E27FC236}">
-                <a16:creationId xmlns:a16="http://schemas.microsoft.com/office/drawing/2014/main" id="{77D6C698-7AE7-422C-8B52-44E13AA9E175}"/>
-              </a:ext>
-            </a:extLst>
-          </p:cNvPr>
-          <p:cNvSpPr txBox="1"/>
-          <p:nvPr/>
-        </p:nvSpPr>
-        <p:spPr>
-          <a:xfrm>
-            <a:off x="2028413" y="1529533"/>
-            <a:ext cx="933461" cy="369332"/>
-          </a:xfrm>
-          <a:prstGeom prst="rect">
-            <a:avLst/>
-          </a:prstGeom>
-          <a:noFill/>
-          <a:ln>
-            <a:noFill/>
-          </a:ln>
-        </p:spPr>
-        <p:txBody>
-          <a:bodyPr wrap="none" rtlCol="0">
-            <a:spAutoFit/>
-          </a:bodyPr>
-          <a:lstStyle/>
-          <a:p>
-            <a:r>
-              <a:rPr lang="fr-FR" dirty="0"/>
-              <a:t>H1 Titre</a:t>
             </a:r>
           </a:p>
         </p:txBody>
@@ -3662,7 +3624,7 @@
         <p:spPr>
           <a:xfrm>
             <a:off x="5679946" y="1219571"/>
-            <a:ext cx="2415072" cy="8272881"/>
+            <a:ext cx="2415072" cy="7990989"/>
           </a:xfrm>
           <a:prstGeom prst="rect">
             <a:avLst/>
@@ -3755,41 +3717,6 @@
                 <a:schemeClr val="tx1"/>
               </a:solidFill>
             </a:endParaRPr>
-          </a:p>
-        </p:txBody>
-      </p:sp>
-      <p:sp>
-        <p:nvSpPr>
-          <p:cNvPr id="15" name="ZoneTexte 14">
-            <a:extLst>
-              <a:ext uri="{FF2B5EF4-FFF2-40B4-BE49-F238E27FC236}">
-                <a16:creationId xmlns:a16="http://schemas.microsoft.com/office/drawing/2014/main" id="{286B052A-FD4D-4145-8301-011F0488361F}"/>
-              </a:ext>
-            </a:extLst>
-          </p:cNvPr>
-          <p:cNvSpPr txBox="1"/>
-          <p:nvPr/>
-        </p:nvSpPr>
-        <p:spPr>
-          <a:xfrm>
-            <a:off x="6572155" y="1499619"/>
-            <a:ext cx="933461" cy="369332"/>
-          </a:xfrm>
-          <a:prstGeom prst="rect">
-            <a:avLst/>
-          </a:prstGeom>
-          <a:noFill/>
-        </p:spPr>
-        <p:txBody>
-          <a:bodyPr wrap="none" rtlCol="0">
-            <a:spAutoFit/>
-          </a:bodyPr>
-          <a:lstStyle/>
-          <a:p>
-            <a:r>
-              <a:rPr lang="fr-FR" dirty="0"/>
-              <a:t>H1 Titre</a:t>
-            </a:r>
           </a:p>
         </p:txBody>
       </p:sp>
@@ -3900,8 +3827,8 @@
         </p:nvSpPr>
         <p:spPr>
           <a:xfrm>
-            <a:off x="1160053" y="9080399"/>
-            <a:ext cx="2379367" cy="412053"/>
+            <a:off x="1160053" y="8292233"/>
+            <a:ext cx="2379367" cy="182280"/>
           </a:xfrm>
           <a:prstGeom prst="rect">
             <a:avLst/>
@@ -3983,8 +3910,8 @@
         </p:nvSpPr>
         <p:spPr>
           <a:xfrm>
-            <a:off x="5679312" y="9080399"/>
-            <a:ext cx="2413096" cy="412053"/>
+            <a:off x="5675951" y="8974651"/>
+            <a:ext cx="2413096" cy="235909"/>
           </a:xfrm>
           <a:prstGeom prst="rect">
             <a:avLst/>
@@ -4360,10 +4287,10 @@
       </p:sp>
       <p:sp>
         <p:nvSpPr>
-          <p:cNvPr id="2" name="Ellipse 1">
+          <p:cNvPr id="58" name="Ellipse 57">
             <a:extLst>
               <a:ext uri="{FF2B5EF4-FFF2-40B4-BE49-F238E27FC236}">
-                <a16:creationId xmlns:a16="http://schemas.microsoft.com/office/drawing/2014/main" id="{2F2C7EE8-B7FC-4096-BF7E-FD84A216969A}"/>
+                <a16:creationId xmlns:a16="http://schemas.microsoft.com/office/drawing/2014/main" id="{2E25D002-C349-4C26-B60B-F4F05D2270D9}"/>
               </a:ext>
             </a:extLst>
           </p:cNvPr>
@@ -4372,7 +4299,7 @@
         </p:nvSpPr>
         <p:spPr>
           <a:xfrm>
-            <a:off x="1299989" y="1443021"/>
+            <a:off x="6623386" y="1395315"/>
             <a:ext cx="520200" cy="520868"/>
           </a:xfrm>
           <a:prstGeom prst="ellipse">
@@ -4419,10 +4346,10 @@
       </p:sp>
       <p:sp>
         <p:nvSpPr>
-          <p:cNvPr id="58" name="Ellipse 57">
+          <p:cNvPr id="63" name="Rectangle 62">
             <a:extLst>
               <a:ext uri="{FF2B5EF4-FFF2-40B4-BE49-F238E27FC236}">
-                <a16:creationId xmlns:a16="http://schemas.microsoft.com/office/drawing/2014/main" id="{2E25D002-C349-4C26-B60B-F4F05D2270D9}"/>
+                <a16:creationId xmlns:a16="http://schemas.microsoft.com/office/drawing/2014/main" id="{EDF62B2E-E2D3-428F-882F-6F930FF493A2}"/>
               </a:ext>
             </a:extLst>
           </p:cNvPr>
@@ -4431,67 +4358,8 @@
         </p:nvSpPr>
         <p:spPr>
           <a:xfrm>
-            <a:off x="5866617" y="1408106"/>
-            <a:ext cx="520200" cy="520868"/>
-          </a:xfrm>
-          <a:prstGeom prst="ellipse">
-            <a:avLst/>
-          </a:prstGeom>
-          <a:noFill/>
-          <a:ln>
-            <a:solidFill>
-              <a:schemeClr val="tx1"/>
-            </a:solidFill>
-          </a:ln>
-        </p:spPr>
-        <p:style>
-          <a:lnRef idx="2">
-            <a:schemeClr val="accent1">
-              <a:shade val="50000"/>
-            </a:schemeClr>
-          </a:lnRef>
-          <a:fillRef idx="1">
-            <a:schemeClr val="accent1"/>
-          </a:fillRef>
-          <a:effectRef idx="0">
-            <a:schemeClr val="accent1"/>
-          </a:effectRef>
-          <a:fontRef idx="minor">
-            <a:schemeClr val="lt1"/>
-          </a:fontRef>
-        </p:style>
-        <p:txBody>
-          <a:bodyPr rtlCol="0" anchor="ctr"/>
-          <a:lstStyle/>
-          <a:p>
-            <a:pPr algn="ctr"/>
-            <a:r>
-              <a:rPr lang="fr-FR" sz="800" dirty="0">
-                <a:solidFill>
-                  <a:schemeClr val="tx1"/>
-                </a:solidFill>
-              </a:rPr>
-              <a:t>logo</a:t>
-            </a:r>
-          </a:p>
-        </p:txBody>
-      </p:sp>
-      <p:sp>
-        <p:nvSpPr>
-          <p:cNvPr id="62" name="Rectangle 61">
-            <a:extLst>
-              <a:ext uri="{FF2B5EF4-FFF2-40B4-BE49-F238E27FC236}">
-                <a16:creationId xmlns:a16="http://schemas.microsoft.com/office/drawing/2014/main" id="{7A36591C-4CFB-4DF1-918A-7FCB1CDEBC81}"/>
-              </a:ext>
-            </a:extLst>
-          </p:cNvPr>
-          <p:cNvSpPr/>
-          <p:nvPr/>
-        </p:nvSpPr>
-        <p:spPr>
-          <a:xfrm>
-            <a:off x="1299542" y="5947216"/>
-            <a:ext cx="2087062" cy="208458"/>
+            <a:off x="1159364" y="3134310"/>
+            <a:ext cx="2386722" cy="701724"/>
           </a:xfrm>
           <a:prstGeom prst="rect">
             <a:avLst/>
@@ -4520,65 +4388,6 @@
           </a:fontRef>
         </p:style>
         <p:txBody>
-          <a:bodyPr lIns="91440" tIns="45720" rIns="91440" bIns="45720" rtlCol="0" anchor="ctr"/>
-          <a:lstStyle/>
-          <a:p>
-            <a:pPr algn="ctr"/>
-            <a:r>
-              <a:rPr lang="fr-FR" sz="800" dirty="0">
-                <a:solidFill>
-                  <a:schemeClr val="tx1"/>
-                </a:solidFill>
-              </a:rPr>
-              <a:t>Pour les acteurs</a:t>
-            </a:r>
-          </a:p>
-        </p:txBody>
-      </p:sp>
-      <p:sp>
-        <p:nvSpPr>
-          <p:cNvPr id="63" name="Rectangle 62">
-            <a:extLst>
-              <a:ext uri="{FF2B5EF4-FFF2-40B4-BE49-F238E27FC236}">
-                <a16:creationId xmlns:a16="http://schemas.microsoft.com/office/drawing/2014/main" id="{EDF62B2E-E2D3-428F-882F-6F930FF493A2}"/>
-              </a:ext>
-            </a:extLst>
-          </p:cNvPr>
-          <p:cNvSpPr/>
-          <p:nvPr/>
-        </p:nvSpPr>
-        <p:spPr>
-          <a:xfrm>
-            <a:off x="1157040" y="3652121"/>
-            <a:ext cx="2385392" cy="701724"/>
-          </a:xfrm>
-          <a:prstGeom prst="rect">
-            <a:avLst/>
-          </a:prstGeom>
-          <a:noFill/>
-          <a:ln>
-            <a:solidFill>
-              <a:schemeClr val="tx1"/>
-            </a:solidFill>
-          </a:ln>
-        </p:spPr>
-        <p:style>
-          <a:lnRef idx="2">
-            <a:schemeClr val="accent1">
-              <a:shade val="50000"/>
-            </a:schemeClr>
-          </a:lnRef>
-          <a:fillRef idx="1">
-            <a:schemeClr val="accent1"/>
-          </a:fillRef>
-          <a:effectRef idx="0">
-            <a:schemeClr val="accent1"/>
-          </a:effectRef>
-          <a:fontRef idx="minor">
-            <a:schemeClr val="lt1"/>
-          </a:fontRef>
-        </p:style>
-        <p:txBody>
           <a:bodyPr rtlCol="0" anchor="ctr"/>
           <a:lstStyle/>
           <a:p>
@@ -4590,357 +4399,6 @@
                 </a:solidFill>
               </a:rPr>
               <a:t>Slide avec image texte +logo</a:t>
-            </a:r>
-          </a:p>
-        </p:txBody>
-      </p:sp>
-      <p:sp>
-        <p:nvSpPr>
-          <p:cNvPr id="64" name="Rectangle 63">
-            <a:extLst>
-              <a:ext uri="{FF2B5EF4-FFF2-40B4-BE49-F238E27FC236}">
-                <a16:creationId xmlns:a16="http://schemas.microsoft.com/office/drawing/2014/main" id="{C287658B-865D-4ADE-B278-461457D39FF4}"/>
-              </a:ext>
-            </a:extLst>
-          </p:cNvPr>
-          <p:cNvSpPr/>
-          <p:nvPr/>
-        </p:nvSpPr>
-        <p:spPr>
-          <a:xfrm>
-            <a:off x="1159708" y="3193328"/>
-            <a:ext cx="2380056" cy="308113"/>
-          </a:xfrm>
-          <a:prstGeom prst="rect">
-            <a:avLst/>
-          </a:prstGeom>
-          <a:noFill/>
-          <a:ln>
-            <a:solidFill>
-              <a:schemeClr val="tx1"/>
-            </a:solidFill>
-          </a:ln>
-        </p:spPr>
-        <p:style>
-          <a:lnRef idx="2">
-            <a:schemeClr val="accent1">
-              <a:shade val="50000"/>
-            </a:schemeClr>
-          </a:lnRef>
-          <a:fillRef idx="1">
-            <a:schemeClr val="accent1"/>
-          </a:fillRef>
-          <a:effectRef idx="0">
-            <a:schemeClr val="accent1"/>
-          </a:effectRef>
-          <a:fontRef idx="minor">
-            <a:schemeClr val="lt1"/>
-          </a:fontRef>
-        </p:style>
-        <p:txBody>
-          <a:bodyPr rtlCol="0" anchor="ctr"/>
-          <a:lstStyle/>
-          <a:p>
-            <a:pPr algn="ctr"/>
-            <a:r>
-              <a:rPr lang="fr-FR" sz="1050" dirty="0">
-                <a:solidFill>
-                  <a:schemeClr val="tx1"/>
-                </a:solidFill>
-              </a:rPr>
-              <a:t>TEXTE DE PRESENTATION</a:t>
-            </a:r>
-          </a:p>
-        </p:txBody>
-      </p:sp>
-      <p:sp>
-        <p:nvSpPr>
-          <p:cNvPr id="72" name="Rectangle 71">
-            <a:extLst>
-              <a:ext uri="{FF2B5EF4-FFF2-40B4-BE49-F238E27FC236}">
-                <a16:creationId xmlns:a16="http://schemas.microsoft.com/office/drawing/2014/main" id="{4F120028-75CA-494C-9A6E-E3EFCB22E943}"/>
-              </a:ext>
-            </a:extLst>
-          </p:cNvPr>
-          <p:cNvSpPr/>
-          <p:nvPr/>
-        </p:nvSpPr>
-        <p:spPr>
-          <a:xfrm>
-            <a:off x="1160052" y="7391917"/>
-            <a:ext cx="2379368" cy="1688481"/>
-          </a:xfrm>
-          <a:prstGeom prst="rect">
-            <a:avLst/>
-          </a:prstGeom>
-          <a:noFill/>
-          <a:ln>
-            <a:solidFill>
-              <a:schemeClr val="tx1"/>
-            </a:solidFill>
-          </a:ln>
-        </p:spPr>
-        <p:style>
-          <a:lnRef idx="2">
-            <a:schemeClr val="accent1">
-              <a:shade val="50000"/>
-            </a:schemeClr>
-          </a:lnRef>
-          <a:fillRef idx="1">
-            <a:schemeClr val="accent1"/>
-          </a:fillRef>
-          <a:effectRef idx="0">
-            <a:schemeClr val="accent1"/>
-          </a:effectRef>
-          <a:fontRef idx="minor">
-            <a:schemeClr val="lt1"/>
-          </a:fontRef>
-        </p:style>
-        <p:txBody>
-          <a:bodyPr rtlCol="0" anchor="ctr"/>
-          <a:lstStyle/>
-          <a:p>
-            <a:pPr algn="ctr"/>
-            <a:endParaRPr lang="fr-FR" sz="800" dirty="0"/>
-          </a:p>
-        </p:txBody>
-      </p:sp>
-      <p:sp>
-        <p:nvSpPr>
-          <p:cNvPr id="81" name="Rectangle 80">
-            <a:extLst>
-              <a:ext uri="{FF2B5EF4-FFF2-40B4-BE49-F238E27FC236}">
-                <a16:creationId xmlns:a16="http://schemas.microsoft.com/office/drawing/2014/main" id="{0242FDBE-B965-4670-9580-14D64E898D56}"/>
-              </a:ext>
-            </a:extLst>
-          </p:cNvPr>
-          <p:cNvSpPr/>
-          <p:nvPr/>
-        </p:nvSpPr>
-        <p:spPr>
-          <a:xfrm>
-            <a:off x="5675951" y="7382857"/>
-            <a:ext cx="2419119" cy="1697541"/>
-          </a:xfrm>
-          <a:prstGeom prst="rect">
-            <a:avLst/>
-          </a:prstGeom>
-          <a:noFill/>
-          <a:ln>
-            <a:solidFill>
-              <a:schemeClr val="tx1"/>
-            </a:solidFill>
-          </a:ln>
-        </p:spPr>
-        <p:style>
-          <a:lnRef idx="2">
-            <a:schemeClr val="accent1">
-              <a:shade val="50000"/>
-            </a:schemeClr>
-          </a:lnRef>
-          <a:fillRef idx="1">
-            <a:schemeClr val="accent1"/>
-          </a:fillRef>
-          <a:effectRef idx="0">
-            <a:schemeClr val="accent1"/>
-          </a:effectRef>
-          <a:fontRef idx="minor">
-            <a:schemeClr val="lt1"/>
-          </a:fontRef>
-        </p:style>
-        <p:txBody>
-          <a:bodyPr rtlCol="0" anchor="ctr"/>
-          <a:lstStyle/>
-          <a:p>
-            <a:pPr algn="ctr"/>
-            <a:endParaRPr lang="fr-FR" sz="800" dirty="0"/>
-          </a:p>
-        </p:txBody>
-      </p:sp>
-      <p:sp>
-        <p:nvSpPr>
-          <p:cNvPr id="82" name="Rectangle 81">
-            <a:extLst>
-              <a:ext uri="{FF2B5EF4-FFF2-40B4-BE49-F238E27FC236}">
-                <a16:creationId xmlns:a16="http://schemas.microsoft.com/office/drawing/2014/main" id="{52A48923-D78B-4B07-B011-500A391EDA89}"/>
-              </a:ext>
-            </a:extLst>
-          </p:cNvPr>
-          <p:cNvSpPr/>
-          <p:nvPr/>
-        </p:nvSpPr>
-        <p:spPr>
-          <a:xfrm>
-            <a:off x="1299542" y="7920996"/>
-            <a:ext cx="2087062" cy="648601"/>
-          </a:xfrm>
-          <a:prstGeom prst="rect">
-            <a:avLst/>
-          </a:prstGeom>
-          <a:noFill/>
-          <a:ln>
-            <a:solidFill>
-              <a:schemeClr val="tx1"/>
-            </a:solidFill>
-          </a:ln>
-        </p:spPr>
-        <p:style>
-          <a:lnRef idx="2">
-            <a:schemeClr val="accent1">
-              <a:shade val="50000"/>
-            </a:schemeClr>
-          </a:lnRef>
-          <a:fillRef idx="1">
-            <a:schemeClr val="accent1"/>
-          </a:fillRef>
-          <a:effectRef idx="0">
-            <a:schemeClr val="accent1"/>
-          </a:effectRef>
-          <a:fontRef idx="minor">
-            <a:schemeClr val="lt1"/>
-          </a:fontRef>
-        </p:style>
-        <p:txBody>
-          <a:bodyPr rtlCol="0" anchor="ctr"/>
-          <a:lstStyle/>
-          <a:p>
-            <a:pPr algn="ctr"/>
-            <a:r>
-              <a:rPr lang="fr-FR" sz="800" dirty="0">
-                <a:solidFill>
-                  <a:schemeClr val="tx1"/>
-                </a:solidFill>
-              </a:rPr>
-              <a:t>FORMULAIRE DE CONTACT</a:t>
-            </a:r>
-          </a:p>
-          <a:p>
-            <a:pPr algn="ctr"/>
-            <a:r>
-              <a:rPr lang="fr-FR" sz="800" dirty="0">
-                <a:solidFill>
-                  <a:schemeClr val="tx1"/>
-                </a:solidFill>
-              </a:rPr>
-              <a:t>Tally.so</a:t>
-            </a:r>
-          </a:p>
-        </p:txBody>
-      </p:sp>
-      <p:sp>
-        <p:nvSpPr>
-          <p:cNvPr id="83" name="Rectangle 82">
-            <a:extLst>
-              <a:ext uri="{FF2B5EF4-FFF2-40B4-BE49-F238E27FC236}">
-                <a16:creationId xmlns:a16="http://schemas.microsoft.com/office/drawing/2014/main" id="{D85A1D40-DA76-486E-82E1-B62C9BBF5786}"/>
-              </a:ext>
-            </a:extLst>
-          </p:cNvPr>
-          <p:cNvSpPr/>
-          <p:nvPr/>
-        </p:nvSpPr>
-        <p:spPr>
-          <a:xfrm>
-            <a:off x="1299542" y="7456577"/>
-            <a:ext cx="2087062" cy="412053"/>
-          </a:xfrm>
-          <a:prstGeom prst="rect">
-            <a:avLst/>
-          </a:prstGeom>
-          <a:noFill/>
-          <a:ln>
-            <a:solidFill>
-              <a:schemeClr val="tx1"/>
-            </a:solidFill>
-          </a:ln>
-        </p:spPr>
-        <p:style>
-          <a:lnRef idx="2">
-            <a:schemeClr val="accent1">
-              <a:shade val="50000"/>
-            </a:schemeClr>
-          </a:lnRef>
-          <a:fillRef idx="1">
-            <a:schemeClr val="accent1"/>
-          </a:fillRef>
-          <a:effectRef idx="0">
-            <a:schemeClr val="accent1"/>
-          </a:effectRef>
-          <a:fontRef idx="minor">
-            <a:schemeClr val="lt1"/>
-          </a:fontRef>
-        </p:style>
-        <p:txBody>
-          <a:bodyPr rtlCol="0" anchor="ctr"/>
-          <a:lstStyle/>
-          <a:p>
-            <a:pPr algn="ctr"/>
-            <a:r>
-              <a:rPr lang="fr-FR" sz="800" dirty="0">
-                <a:solidFill>
-                  <a:schemeClr val="tx1"/>
-                </a:solidFill>
-              </a:rPr>
-              <a:t>A Propos</a:t>
-            </a:r>
-          </a:p>
-        </p:txBody>
-      </p:sp>
-      <p:sp>
-        <p:nvSpPr>
-          <p:cNvPr id="84" name="Rectangle 83">
-            <a:extLst>
-              <a:ext uri="{FF2B5EF4-FFF2-40B4-BE49-F238E27FC236}">
-                <a16:creationId xmlns:a16="http://schemas.microsoft.com/office/drawing/2014/main" id="{C309F601-3A8A-4815-98CD-ACCCAA45520D}"/>
-              </a:ext>
-            </a:extLst>
-          </p:cNvPr>
-          <p:cNvSpPr/>
-          <p:nvPr/>
-        </p:nvSpPr>
-        <p:spPr>
-          <a:xfrm>
-            <a:off x="1299542" y="8613399"/>
-            <a:ext cx="2087062" cy="357677"/>
-          </a:xfrm>
-          <a:prstGeom prst="rect">
-            <a:avLst/>
-          </a:prstGeom>
-          <a:noFill/>
-          <a:ln>
-            <a:solidFill>
-              <a:schemeClr val="tx1"/>
-            </a:solidFill>
-          </a:ln>
-        </p:spPr>
-        <p:style>
-          <a:lnRef idx="2">
-            <a:schemeClr val="accent1">
-              <a:shade val="50000"/>
-            </a:schemeClr>
-          </a:lnRef>
-          <a:fillRef idx="1">
-            <a:schemeClr val="accent1"/>
-          </a:fillRef>
-          <a:effectRef idx="0">
-            <a:schemeClr val="accent1"/>
-          </a:effectRef>
-          <a:fontRef idx="minor">
-            <a:schemeClr val="lt1"/>
-          </a:fontRef>
-        </p:style>
-        <p:txBody>
-          <a:bodyPr rtlCol="0" anchor="ctr"/>
-          <a:lstStyle/>
-          <a:p>
-            <a:pPr algn="ctr"/>
-            <a:r>
-              <a:rPr lang="fr-FR" sz="800" dirty="0">
-                <a:solidFill>
-                  <a:schemeClr val="tx1"/>
-                </a:solidFill>
-              </a:rPr>
-              <a:t>Réseaux</a:t>
             </a:r>
           </a:p>
         </p:txBody>
@@ -5231,10 +4689,80 @@
       </p:sp>
       <p:sp>
         <p:nvSpPr>
-          <p:cNvPr id="90" name="Rectangle 89">
+          <p:cNvPr id="3" name="ZoneTexte 2">
             <a:extLst>
               <a:ext uri="{FF2B5EF4-FFF2-40B4-BE49-F238E27FC236}">
-                <a16:creationId xmlns:a16="http://schemas.microsoft.com/office/drawing/2014/main" id="{71CFA4DE-AB1C-4AE0-ACF0-AF8DC2C54113}"/>
+                <a16:creationId xmlns:a16="http://schemas.microsoft.com/office/drawing/2014/main" id="{71A31394-6617-41CE-993A-AB0595BD1AF2}"/>
+              </a:ext>
+            </a:extLst>
+          </p:cNvPr>
+          <p:cNvSpPr txBox="1"/>
+          <p:nvPr/>
+        </p:nvSpPr>
+        <p:spPr>
+          <a:xfrm flipH="1">
+            <a:off x="1820189" y="829918"/>
+            <a:ext cx="887742" cy="369332"/>
+          </a:xfrm>
+          <a:prstGeom prst="rect">
+            <a:avLst/>
+          </a:prstGeom>
+          <a:noFill/>
+        </p:spPr>
+        <p:txBody>
+          <a:bodyPr wrap="square" rtlCol="0">
+            <a:spAutoFit/>
+          </a:bodyPr>
+          <a:lstStyle/>
+          <a:p>
+            <a:r>
+              <a:rPr lang="fr-FR" dirty="0"/>
+              <a:t>Accueil</a:t>
+            </a:r>
+          </a:p>
+        </p:txBody>
+      </p:sp>
+      <p:sp>
+        <p:nvSpPr>
+          <p:cNvPr id="93" name="ZoneTexte 92">
+            <a:extLst>
+              <a:ext uri="{FF2B5EF4-FFF2-40B4-BE49-F238E27FC236}">
+                <a16:creationId xmlns:a16="http://schemas.microsoft.com/office/drawing/2014/main" id="{D541ADEF-3464-4DDE-8AD7-7AC20C161D7B}"/>
+              </a:ext>
+            </a:extLst>
+          </p:cNvPr>
+          <p:cNvSpPr txBox="1"/>
+          <p:nvPr/>
+        </p:nvSpPr>
+        <p:spPr>
+          <a:xfrm flipH="1">
+            <a:off x="6454781" y="799352"/>
+            <a:ext cx="887742" cy="369332"/>
+          </a:xfrm>
+          <a:prstGeom prst="rect">
+            <a:avLst/>
+          </a:prstGeom>
+          <a:noFill/>
+        </p:spPr>
+        <p:txBody>
+          <a:bodyPr wrap="square" rtlCol="0">
+            <a:spAutoFit/>
+          </a:bodyPr>
+          <a:lstStyle/>
+          <a:p>
+            <a:r>
+              <a:rPr lang="fr-FR" dirty="0"/>
+              <a:t>Pages</a:t>
+            </a:r>
+          </a:p>
+        </p:txBody>
+      </p:sp>
+      <p:sp>
+        <p:nvSpPr>
+          <p:cNvPr id="4" name="Rectangle 3">
+            <a:extLst>
+              <a:ext uri="{FF2B5EF4-FFF2-40B4-BE49-F238E27FC236}">
+                <a16:creationId xmlns:a16="http://schemas.microsoft.com/office/drawing/2014/main" id="{F907668A-8714-4814-A19E-C1654A785CA8}"/>
               </a:ext>
             </a:extLst>
           </p:cNvPr>
@@ -5243,8 +4771,8 @@
         </p:nvSpPr>
         <p:spPr>
           <a:xfrm>
-            <a:off x="5813357" y="7918620"/>
-            <a:ext cx="2170591" cy="648601"/>
+            <a:off x="1299542" y="3980492"/>
+            <a:ext cx="2087062" cy="3202448"/>
           </a:xfrm>
           <a:prstGeom prst="rect">
             <a:avLst/>
@@ -5278,33 +4806,22 @@
           <a:p>
             <a:pPr algn="ctr"/>
             <a:r>
-              <a:rPr lang="fr-FR" sz="800" dirty="0">
+              <a:rPr lang="fr-FR" sz="1100" dirty="0">
                 <a:solidFill>
-                  <a:schemeClr val="tx1"/>
+                  <a:sysClr val="windowText" lastClr="000000"/>
                 </a:solidFill>
               </a:rPr>
-              <a:t>FORMULAIRE DE CONTACT</a:t>
-            </a:r>
-          </a:p>
-          <a:p>
-            <a:pPr algn="ctr"/>
-            <a:r>
-              <a:rPr lang="fr-FR" sz="800" dirty="0">
-                <a:solidFill>
-                  <a:schemeClr val="tx1"/>
-                </a:solidFill>
-              </a:rPr>
-              <a:t>Tally.so</a:t>
-            </a:r>
-          </a:p>
-        </p:txBody>
-      </p:sp>
-      <p:sp>
-        <p:nvSpPr>
-          <p:cNvPr id="91" name="Rectangle 90">
+              <a:t>TEXTE</a:t>
+            </a:r>
+          </a:p>
+        </p:txBody>
+      </p:sp>
+      <p:sp>
+        <p:nvSpPr>
+          <p:cNvPr id="51" name="Rectangle 50">
             <a:extLst>
               <a:ext uri="{FF2B5EF4-FFF2-40B4-BE49-F238E27FC236}">
-                <a16:creationId xmlns:a16="http://schemas.microsoft.com/office/drawing/2014/main" id="{6BF3ACC8-2BF1-471C-99C7-6E221351166F}"/>
+                <a16:creationId xmlns:a16="http://schemas.microsoft.com/office/drawing/2014/main" id="{C74E7D0B-1D6E-4366-A17F-706F0BC7311A}"/>
               </a:ext>
             </a:extLst>
           </p:cNvPr>
@@ -5313,8 +4830,8 @@
         </p:nvSpPr>
         <p:spPr>
           <a:xfrm>
-            <a:off x="5813357" y="7454201"/>
-            <a:ext cx="2170591" cy="412053"/>
+            <a:off x="1299542" y="7327397"/>
+            <a:ext cx="2087062" cy="321129"/>
           </a:xfrm>
           <a:prstGeom prst="rect">
             <a:avLst/>
@@ -5348,22 +4865,22 @@
           <a:p>
             <a:pPr algn="ctr"/>
             <a:r>
-              <a:rPr lang="fr-FR" sz="800" dirty="0">
+              <a:rPr lang="fr-FR" sz="1200" dirty="0">
                 <a:solidFill>
                   <a:schemeClr val="tx1"/>
                 </a:solidFill>
               </a:rPr>
-              <a:t>A Propos</a:t>
-            </a:r>
-          </a:p>
-        </p:txBody>
-      </p:sp>
-      <p:sp>
-        <p:nvSpPr>
-          <p:cNvPr id="92" name="Rectangle 91">
+              <a:t>H2 TITRE PAGE</a:t>
+            </a:r>
+          </a:p>
+        </p:txBody>
+      </p:sp>
+      <p:sp>
+        <p:nvSpPr>
+          <p:cNvPr id="52" name="Rectangle 51">
             <a:extLst>
               <a:ext uri="{FF2B5EF4-FFF2-40B4-BE49-F238E27FC236}">
-                <a16:creationId xmlns:a16="http://schemas.microsoft.com/office/drawing/2014/main" id="{76952A7B-5C7B-4F3D-AD84-30E00BADAA58}"/>
+                <a16:creationId xmlns:a16="http://schemas.microsoft.com/office/drawing/2014/main" id="{1B8557F7-095B-4F4B-9A91-3E75317BAD33}"/>
               </a:ext>
             </a:extLst>
           </p:cNvPr>
@@ -5372,8 +4889,8 @@
         </p:nvSpPr>
         <p:spPr>
           <a:xfrm>
-            <a:off x="5813357" y="8611023"/>
-            <a:ext cx="2170591" cy="357677"/>
+            <a:off x="1299542" y="7792983"/>
+            <a:ext cx="2087062" cy="321129"/>
           </a:xfrm>
           <a:prstGeom prst="rect">
             <a:avLst/>
@@ -5407,92 +4924,81 @@
           <a:p>
             <a:pPr algn="ctr"/>
             <a:r>
+              <a:rPr lang="fr-FR" sz="1200" dirty="0">
+                <a:solidFill>
+                  <a:schemeClr val="tx1"/>
+                </a:solidFill>
+              </a:rPr>
+              <a:t>H2 TITRE PAGE</a:t>
+            </a:r>
+          </a:p>
+        </p:txBody>
+      </p:sp>
+      <p:sp>
+        <p:nvSpPr>
+          <p:cNvPr id="68" name="Ellipse 67">
+            <a:extLst>
+              <a:ext uri="{FF2B5EF4-FFF2-40B4-BE49-F238E27FC236}">
+                <a16:creationId xmlns:a16="http://schemas.microsoft.com/office/drawing/2014/main" id="{0C9A00B1-B0D3-4453-AA02-2B14789219EE}"/>
+              </a:ext>
+            </a:extLst>
+          </p:cNvPr>
+          <p:cNvSpPr/>
+          <p:nvPr/>
+        </p:nvSpPr>
+        <p:spPr>
+          <a:xfrm>
+            <a:off x="2082973" y="1381783"/>
+            <a:ext cx="520200" cy="520868"/>
+          </a:xfrm>
+          <a:prstGeom prst="ellipse">
+            <a:avLst/>
+          </a:prstGeom>
+          <a:noFill/>
+          <a:ln>
+            <a:solidFill>
+              <a:schemeClr val="tx1"/>
+            </a:solidFill>
+          </a:ln>
+        </p:spPr>
+        <p:style>
+          <a:lnRef idx="2">
+            <a:schemeClr val="accent1">
+              <a:shade val="50000"/>
+            </a:schemeClr>
+          </a:lnRef>
+          <a:fillRef idx="1">
+            <a:schemeClr val="accent1"/>
+          </a:fillRef>
+          <a:effectRef idx="0">
+            <a:schemeClr val="accent1"/>
+          </a:effectRef>
+          <a:fontRef idx="minor">
+            <a:schemeClr val="lt1"/>
+          </a:fontRef>
+        </p:style>
+        <p:txBody>
+          <a:bodyPr rtlCol="0" anchor="ctr"/>
+          <a:lstStyle/>
+          <a:p>
+            <a:pPr algn="ctr"/>
+            <a:r>
               <a:rPr lang="fr-FR" sz="800" dirty="0">
                 <a:solidFill>
                   <a:schemeClr val="tx1"/>
                 </a:solidFill>
               </a:rPr>
-              <a:t>Réseaux</a:t>
-            </a:r>
-          </a:p>
-        </p:txBody>
-      </p:sp>
-      <p:sp>
-        <p:nvSpPr>
-          <p:cNvPr id="3" name="ZoneTexte 2">
+              <a:t>logo</a:t>
+            </a:r>
+          </a:p>
+        </p:txBody>
+      </p:sp>
+      <p:sp>
+        <p:nvSpPr>
+          <p:cNvPr id="31" name="Rectangle 30">
             <a:extLst>
               <a:ext uri="{FF2B5EF4-FFF2-40B4-BE49-F238E27FC236}">
-                <a16:creationId xmlns:a16="http://schemas.microsoft.com/office/drawing/2014/main" id="{71A31394-6617-41CE-993A-AB0595BD1AF2}"/>
-              </a:ext>
-            </a:extLst>
-          </p:cNvPr>
-          <p:cNvSpPr txBox="1"/>
-          <p:nvPr/>
-        </p:nvSpPr>
-        <p:spPr>
-          <a:xfrm flipH="1">
-            <a:off x="1820189" y="829918"/>
-            <a:ext cx="887742" cy="369332"/>
-          </a:xfrm>
-          <a:prstGeom prst="rect">
-            <a:avLst/>
-          </a:prstGeom>
-          <a:noFill/>
-        </p:spPr>
-        <p:txBody>
-          <a:bodyPr wrap="square" rtlCol="0">
-            <a:spAutoFit/>
-          </a:bodyPr>
-          <a:lstStyle/>
-          <a:p>
-            <a:r>
-              <a:rPr lang="fr-FR" dirty="0"/>
-              <a:t>Accueil</a:t>
-            </a:r>
-          </a:p>
-        </p:txBody>
-      </p:sp>
-      <p:sp>
-        <p:nvSpPr>
-          <p:cNvPr id="93" name="ZoneTexte 92">
-            <a:extLst>
-              <a:ext uri="{FF2B5EF4-FFF2-40B4-BE49-F238E27FC236}">
-                <a16:creationId xmlns:a16="http://schemas.microsoft.com/office/drawing/2014/main" id="{D541ADEF-3464-4DDE-8AD7-7AC20C161D7B}"/>
-              </a:ext>
-            </a:extLst>
-          </p:cNvPr>
-          <p:cNvSpPr txBox="1"/>
-          <p:nvPr/>
-        </p:nvSpPr>
-        <p:spPr>
-          <a:xfrm flipH="1">
-            <a:off x="6454781" y="799352"/>
-            <a:ext cx="887742" cy="369332"/>
-          </a:xfrm>
-          <a:prstGeom prst="rect">
-            <a:avLst/>
-          </a:prstGeom>
-          <a:noFill/>
-        </p:spPr>
-        <p:txBody>
-          <a:bodyPr wrap="square" rtlCol="0">
-            <a:spAutoFit/>
-          </a:bodyPr>
-          <a:lstStyle/>
-          <a:p>
-            <a:r>
-              <a:rPr lang="fr-FR" dirty="0"/>
-              <a:t>Pages</a:t>
-            </a:r>
-          </a:p>
-        </p:txBody>
-      </p:sp>
-      <p:sp>
-        <p:nvSpPr>
-          <p:cNvPr id="49" name="Rectangle 48">
-            <a:extLst>
-              <a:ext uri="{FF2B5EF4-FFF2-40B4-BE49-F238E27FC236}">
-                <a16:creationId xmlns:a16="http://schemas.microsoft.com/office/drawing/2014/main" id="{A2FFD0D0-D61B-4222-A150-FEC019E097DD}"/>
+                <a16:creationId xmlns:a16="http://schemas.microsoft.com/office/drawing/2014/main" id="{10996EEA-8F04-4070-9E0B-82C815E1043F}"/>
               </a:ext>
             </a:extLst>
           </p:cNvPr>
@@ -5501,8 +5007,134 @@
         </p:nvSpPr>
         <p:spPr>
           <a:xfrm>
-            <a:off x="1299542" y="6270502"/>
-            <a:ext cx="2087062" cy="306506"/>
+            <a:off x="6088278" y="6733664"/>
+            <a:ext cx="1727503" cy="329065"/>
+          </a:xfrm>
+          <a:prstGeom prst="rect">
+            <a:avLst/>
+          </a:prstGeom>
+          <a:solidFill>
+            <a:schemeClr val="bg1"/>
+          </a:solidFill>
+          <a:ln>
+            <a:solidFill>
+              <a:schemeClr val="tx1"/>
+            </a:solidFill>
+          </a:ln>
+        </p:spPr>
+        <p:style>
+          <a:lnRef idx="2">
+            <a:schemeClr val="accent1">
+              <a:shade val="50000"/>
+            </a:schemeClr>
+          </a:lnRef>
+          <a:fillRef idx="1">
+            <a:schemeClr val="accent1"/>
+          </a:fillRef>
+          <a:effectRef idx="0">
+            <a:schemeClr val="accent1"/>
+          </a:effectRef>
+          <a:fontRef idx="minor">
+            <a:schemeClr val="lt1"/>
+          </a:fontRef>
+        </p:style>
+        <p:txBody>
+          <a:bodyPr rtlCol="0" anchor="ctr"/>
+          <a:lstStyle/>
+          <a:p>
+            <a:pPr algn="ctr"/>
+            <a:r>
+              <a:rPr lang="fr-FR" sz="1000" dirty="0">
+                <a:solidFill>
+                  <a:schemeClr val="tx1"/>
+                </a:solidFill>
+                <a:cs typeface="Calibri"/>
+              </a:rPr>
+              <a:t>H3 titre</a:t>
+            </a:r>
+            <a:endParaRPr lang="fr-FR" sz="1000" dirty="0">
+              <a:solidFill>
+                <a:schemeClr val="tx1"/>
+              </a:solidFill>
+            </a:endParaRPr>
+          </a:p>
+        </p:txBody>
+      </p:sp>
+      <p:sp>
+        <p:nvSpPr>
+          <p:cNvPr id="32" name="Ellipse 31">
+            <a:extLst>
+              <a:ext uri="{FF2B5EF4-FFF2-40B4-BE49-F238E27FC236}">
+                <a16:creationId xmlns:a16="http://schemas.microsoft.com/office/drawing/2014/main" id="{0CC0B495-52FF-428C-B1F1-EC221B7794C8}"/>
+              </a:ext>
+            </a:extLst>
+          </p:cNvPr>
+          <p:cNvSpPr/>
+          <p:nvPr/>
+        </p:nvSpPr>
+        <p:spPr>
+          <a:xfrm>
+            <a:off x="6451470" y="7280623"/>
+            <a:ext cx="864032" cy="820839"/>
+          </a:xfrm>
+          <a:prstGeom prst="ellipse">
+            <a:avLst/>
+          </a:prstGeom>
+          <a:noFill/>
+          <a:ln>
+            <a:solidFill>
+              <a:schemeClr val="tx1"/>
+            </a:solidFill>
+          </a:ln>
+        </p:spPr>
+        <p:style>
+          <a:lnRef idx="2">
+            <a:schemeClr val="accent1">
+              <a:shade val="50000"/>
+            </a:schemeClr>
+          </a:lnRef>
+          <a:fillRef idx="1">
+            <a:schemeClr val="accent1"/>
+          </a:fillRef>
+          <a:effectRef idx="0">
+            <a:schemeClr val="accent1"/>
+          </a:effectRef>
+          <a:fontRef idx="minor">
+            <a:schemeClr val="lt1"/>
+          </a:fontRef>
+        </p:style>
+        <p:txBody>
+          <a:bodyPr rtlCol="0" anchor="ctr"/>
+          <a:lstStyle/>
+          <a:p>
+            <a:pPr algn="ctr"/>
+            <a:r>
+              <a:rPr lang="fr-FR" sz="1000" dirty="0">
+                <a:solidFill>
+                  <a:schemeClr val="tx1"/>
+                </a:solidFill>
+              </a:rPr>
+              <a:t>Image / infographie</a:t>
+            </a:r>
+          </a:p>
+        </p:txBody>
+      </p:sp>
+      <p:sp>
+        <p:nvSpPr>
+          <p:cNvPr id="33" name="Rectangle 32">
+            <a:extLst>
+              <a:ext uri="{FF2B5EF4-FFF2-40B4-BE49-F238E27FC236}">
+                <a16:creationId xmlns:a16="http://schemas.microsoft.com/office/drawing/2014/main" id="{7DA1352A-6EC3-4EE0-AE31-A15ABF7E7792}"/>
+              </a:ext>
+            </a:extLst>
+          </p:cNvPr>
+          <p:cNvSpPr/>
+          <p:nvPr/>
+        </p:nvSpPr>
+        <p:spPr>
+          <a:xfrm>
+            <a:off x="6088278" y="8310092"/>
+            <a:ext cx="1727503" cy="242410"/>
           </a:xfrm>
           <a:prstGeom prst="rect">
             <a:avLst/>
@@ -5531,210 +5163,17 @@
           </a:fontRef>
         </p:style>
         <p:txBody>
-          <a:bodyPr lIns="91440" tIns="45720" rIns="91440" bIns="45720" rtlCol="0" anchor="ctr"/>
+          <a:bodyPr rtlCol="0" anchor="ctr"/>
           <a:lstStyle/>
           <a:p>
             <a:pPr algn="ctr"/>
             <a:r>
-              <a:rPr lang="fr-FR" sz="800" dirty="0">
+              <a:rPr lang="fr-FR" sz="1000" dirty="0">
                 <a:solidFill>
                   <a:schemeClr val="tx1"/>
                 </a:solidFill>
               </a:rPr>
-              <a:t>Pour les </a:t>
-            </a:r>
-            <a:r>
-              <a:rPr lang="fr-FR" sz="800" dirty="0" err="1">
-                <a:solidFill>
-                  <a:schemeClr val="tx1"/>
-                </a:solidFill>
-              </a:rPr>
-              <a:t>personnnes</a:t>
-            </a:r>
-            <a:r>
-              <a:rPr lang="fr-FR" sz="800" dirty="0">
-                <a:solidFill>
-                  <a:schemeClr val="tx1"/>
-                </a:solidFill>
-              </a:rPr>
-              <a:t> en situations de handicap</a:t>
-            </a:r>
-          </a:p>
-        </p:txBody>
-      </p:sp>
-      <p:sp>
-        <p:nvSpPr>
-          <p:cNvPr id="4" name="Rectangle 3">
-            <a:extLst>
-              <a:ext uri="{FF2B5EF4-FFF2-40B4-BE49-F238E27FC236}">
-                <a16:creationId xmlns:a16="http://schemas.microsoft.com/office/drawing/2014/main" id="{F907668A-8714-4814-A19E-C1654A785CA8}"/>
-              </a:ext>
-            </a:extLst>
-          </p:cNvPr>
-          <p:cNvSpPr/>
-          <p:nvPr/>
-        </p:nvSpPr>
-        <p:spPr>
-          <a:xfrm>
-            <a:off x="1299542" y="5494459"/>
-            <a:ext cx="2087062" cy="337929"/>
-          </a:xfrm>
-          <a:prstGeom prst="rect">
-            <a:avLst/>
-          </a:prstGeom>
-          <a:noFill/>
-          <a:ln>
-            <a:solidFill>
-              <a:schemeClr val="tx1"/>
-            </a:solidFill>
-          </a:ln>
-        </p:spPr>
-        <p:style>
-          <a:lnRef idx="2">
-            <a:schemeClr val="accent1">
-              <a:shade val="50000"/>
-            </a:schemeClr>
-          </a:lnRef>
-          <a:fillRef idx="1">
-            <a:schemeClr val="accent1"/>
-          </a:fillRef>
-          <a:effectRef idx="0">
-            <a:schemeClr val="accent1"/>
-          </a:effectRef>
-          <a:fontRef idx="minor">
-            <a:schemeClr val="lt1"/>
-          </a:fontRef>
-        </p:style>
-        <p:txBody>
-          <a:bodyPr rtlCol="0" anchor="ctr"/>
-          <a:lstStyle/>
-          <a:p>
-            <a:pPr algn="ctr"/>
-            <a:r>
-              <a:rPr lang="fr-FR" sz="1100" dirty="0">
-                <a:solidFill>
-                  <a:sysClr val="windowText" lastClr="000000"/>
-                </a:solidFill>
-              </a:rPr>
-              <a:t>H3 TITRE</a:t>
-            </a:r>
-          </a:p>
-        </p:txBody>
-      </p:sp>
-      <p:sp>
-        <p:nvSpPr>
-          <p:cNvPr id="51" name="Rectangle 50">
-            <a:extLst>
-              <a:ext uri="{FF2B5EF4-FFF2-40B4-BE49-F238E27FC236}">
-                <a16:creationId xmlns:a16="http://schemas.microsoft.com/office/drawing/2014/main" id="{C74E7D0B-1D6E-4366-A17F-706F0BC7311A}"/>
-              </a:ext>
-            </a:extLst>
-          </p:cNvPr>
-          <p:cNvSpPr/>
-          <p:nvPr/>
-        </p:nvSpPr>
-        <p:spPr>
-          <a:xfrm>
-            <a:off x="1299542" y="4455836"/>
-            <a:ext cx="2087062" cy="321129"/>
-          </a:xfrm>
-          <a:prstGeom prst="rect">
-            <a:avLst/>
-          </a:prstGeom>
-          <a:noFill/>
-          <a:ln>
-            <a:solidFill>
-              <a:schemeClr val="tx1"/>
-            </a:solidFill>
-          </a:ln>
-        </p:spPr>
-        <p:style>
-          <a:lnRef idx="2">
-            <a:schemeClr val="accent1">
-              <a:shade val="50000"/>
-            </a:schemeClr>
-          </a:lnRef>
-          <a:fillRef idx="1">
-            <a:schemeClr val="accent1"/>
-          </a:fillRef>
-          <a:effectRef idx="0">
-            <a:schemeClr val="accent1"/>
-          </a:effectRef>
-          <a:fontRef idx="minor">
-            <a:schemeClr val="lt1"/>
-          </a:fontRef>
-        </p:style>
-        <p:txBody>
-          <a:bodyPr rtlCol="0" anchor="ctr"/>
-          <a:lstStyle/>
-          <a:p>
-            <a:pPr algn="ctr"/>
-            <a:r>
-              <a:rPr lang="fr-FR" sz="1200" dirty="0">
-                <a:solidFill>
-                  <a:schemeClr val="tx1"/>
-                </a:solidFill>
-              </a:rPr>
-              <a:t>H2 TITRE PAGE</a:t>
-            </a:r>
-          </a:p>
-        </p:txBody>
-      </p:sp>
-      <p:sp>
-        <p:nvSpPr>
-          <p:cNvPr id="52" name="Rectangle 51">
-            <a:extLst>
-              <a:ext uri="{FF2B5EF4-FFF2-40B4-BE49-F238E27FC236}">
-                <a16:creationId xmlns:a16="http://schemas.microsoft.com/office/drawing/2014/main" id="{1B8557F7-095B-4F4B-9A91-3E75317BAD33}"/>
-              </a:ext>
-            </a:extLst>
-          </p:cNvPr>
-          <p:cNvSpPr/>
-          <p:nvPr/>
-        </p:nvSpPr>
-        <p:spPr>
-          <a:xfrm>
-            <a:off x="1306205" y="4933031"/>
-            <a:ext cx="2087062" cy="321129"/>
-          </a:xfrm>
-          <a:prstGeom prst="rect">
-            <a:avLst/>
-          </a:prstGeom>
-          <a:noFill/>
-          <a:ln>
-            <a:solidFill>
-              <a:schemeClr val="tx1"/>
-            </a:solidFill>
-          </a:ln>
-        </p:spPr>
-        <p:style>
-          <a:lnRef idx="2">
-            <a:schemeClr val="accent1">
-              <a:shade val="50000"/>
-            </a:schemeClr>
-          </a:lnRef>
-          <a:fillRef idx="1">
-            <a:schemeClr val="accent1"/>
-          </a:fillRef>
-          <a:effectRef idx="0">
-            <a:schemeClr val="accent1"/>
-          </a:effectRef>
-          <a:fontRef idx="minor">
-            <a:schemeClr val="lt1"/>
-          </a:fontRef>
-        </p:style>
-        <p:txBody>
-          <a:bodyPr rtlCol="0" anchor="ctr"/>
-          <a:lstStyle/>
-          <a:p>
-            <a:pPr algn="ctr"/>
-            <a:r>
-              <a:rPr lang="fr-FR" sz="1200" dirty="0">
-                <a:solidFill>
-                  <a:schemeClr val="tx1"/>
-                </a:solidFill>
-              </a:rPr>
-              <a:t>H2 TITRE PAGE</a:t>
+              <a:t>texte</a:t>
             </a:r>
           </a:p>
         </p:txBody>
@@ -5784,7 +5223,7 @@
         <p:spPr>
           <a:xfrm>
             <a:off x="1192274" y="1256334"/>
-            <a:ext cx="6768968" cy="15393366"/>
+            <a:ext cx="6768968" cy="14602267"/>
           </a:xfrm>
           <a:prstGeom prst="rect">
             <a:avLst/>
@@ -5872,7 +5311,7 @@
           <a:p>
             <a:pPr algn="ctr"/>
             <a:r>
-              <a:rPr lang="fr-FR">
+              <a:rPr lang="fr-FR" dirty="0">
                 <a:solidFill>
                   <a:schemeClr val="tx1"/>
                 </a:solidFill>
@@ -5885,7 +5324,7 @@
           <a:p>
             <a:pPr algn="ctr"/>
             <a:r>
-              <a:rPr lang="fr-FR">
+              <a:rPr lang="fr-FR" dirty="0">
                 <a:solidFill>
                   <a:schemeClr val="tx1"/>
                 </a:solidFill>
@@ -5894,7 +5333,7 @@
               </a:rPr>
               <a:t>    </a:t>
             </a:r>
-            <a:endParaRPr lang="fr-FR">
+            <a:endParaRPr lang="fr-FR" dirty="0">
               <a:solidFill>
                 <a:schemeClr val="tx1"/>
               </a:solidFill>
@@ -5903,7 +5342,7 @@
           <a:p>
             <a:pPr algn="ctr"/>
             <a:r>
-              <a:rPr lang="fr-FR">
+              <a:rPr lang="fr-FR" dirty="0">
                 <a:solidFill>
                   <a:schemeClr val="tx1"/>
                 </a:solidFill>
@@ -5912,7 +5351,7 @@
               </a:rPr>
               <a:t>    </a:t>
             </a:r>
-            <a:endParaRPr lang="fr-FR">
+            <a:endParaRPr lang="fr-FR" dirty="0">
               <a:solidFill>
                 <a:schemeClr val="tx1"/>
               </a:solidFill>
@@ -5921,7 +5360,7 @@
           <a:p>
             <a:pPr algn="ctr"/>
             <a:r>
-              <a:rPr lang="fr-FR">
+              <a:rPr lang="fr-FR" dirty="0">
                 <a:solidFill>
                   <a:schemeClr val="tx1"/>
                 </a:solidFill>
@@ -5930,7 +5369,7 @@
               </a:rPr>
               <a:t>    </a:t>
             </a:r>
-            <a:endParaRPr lang="fr-FR">
+            <a:endParaRPr lang="fr-FR" dirty="0">
               <a:solidFill>
                 <a:schemeClr val="tx1"/>
               </a:solidFill>
@@ -5939,7 +5378,7 @@
           <a:p>
             <a:pPr algn="ctr"/>
             <a:r>
-              <a:rPr lang="fr-FR">
+              <a:rPr lang="fr-FR" dirty="0">
                 <a:solidFill>
                   <a:schemeClr val="tx1"/>
                 </a:solidFill>
@@ -5948,7 +5387,7 @@
               </a:rPr>
               <a:t>    </a:t>
             </a:r>
-            <a:endParaRPr lang="fr-FR">
+            <a:endParaRPr lang="fr-FR" dirty="0">
               <a:solidFill>
                 <a:schemeClr val="tx1"/>
               </a:solidFill>
@@ -5956,7 +5395,7 @@
           </a:p>
           <a:p>
             <a:pPr algn="ctr"/>
-            <a:endParaRPr lang="fr-FR">
+            <a:endParaRPr lang="fr-FR" dirty="0">
               <a:solidFill>
                 <a:schemeClr val="tx1"/>
               </a:solidFill>
@@ -5968,20 +5407,79 @@
       </p:sp>
       <p:sp>
         <p:nvSpPr>
-          <p:cNvPr id="31" name="ZoneTexte 30">
+          <p:cNvPr id="32" name="Ellipse 31">
             <a:extLst>
               <a:ext uri="{FF2B5EF4-FFF2-40B4-BE49-F238E27FC236}">
-                <a16:creationId xmlns:a16="http://schemas.microsoft.com/office/drawing/2014/main" id="{AB7AC422-D05D-49C4-AD7E-9F64593E397F}"/>
+                <a16:creationId xmlns:a16="http://schemas.microsoft.com/office/drawing/2014/main" id="{2FE0870D-E285-40E3-A307-78C571927DE2}"/>
               </a:ext>
             </a:extLst>
           </p:cNvPr>
-          <p:cNvSpPr txBox="1"/>
+          <p:cNvSpPr/>
           <p:nvPr/>
         </p:nvSpPr>
         <p:spPr>
           <a:xfrm>
-            <a:off x="2229832" y="1329911"/>
-            <a:ext cx="2159829" cy="523220"/>
+            <a:off x="1915925" y="1457571"/>
+            <a:ext cx="824948" cy="670538"/>
+          </a:xfrm>
+          <a:prstGeom prst="ellipse">
+            <a:avLst/>
+          </a:prstGeom>
+          <a:noFill/>
+          <a:ln>
+            <a:solidFill>
+              <a:schemeClr val="tx1"/>
+            </a:solidFill>
+          </a:ln>
+        </p:spPr>
+        <p:style>
+          <a:lnRef idx="2">
+            <a:schemeClr val="accent1">
+              <a:shade val="50000"/>
+            </a:schemeClr>
+          </a:lnRef>
+          <a:fillRef idx="1">
+            <a:schemeClr val="accent1"/>
+          </a:fillRef>
+          <a:effectRef idx="0">
+            <a:schemeClr val="accent1"/>
+          </a:effectRef>
+          <a:fontRef idx="minor">
+            <a:schemeClr val="lt1"/>
+          </a:fontRef>
+        </p:style>
+        <p:txBody>
+          <a:bodyPr rtlCol="0" anchor="ctr"/>
+          <a:lstStyle/>
+          <a:p>
+            <a:pPr algn="ctr"/>
+            <a:r>
+              <a:rPr lang="fr-FR">
+                <a:solidFill>
+                  <a:schemeClr val="tx1"/>
+                </a:solidFill>
+              </a:rPr>
+              <a:t>logo</a:t>
+            </a:r>
+          </a:p>
+        </p:txBody>
+      </p:sp>
+      <p:sp>
+        <p:nvSpPr>
+          <p:cNvPr id="34" name="Rectangle 33">
+            <a:extLst>
+              <a:ext uri="{FF2B5EF4-FFF2-40B4-BE49-F238E27FC236}">
+                <a16:creationId xmlns:a16="http://schemas.microsoft.com/office/drawing/2014/main" id="{F8260A98-99A6-4A33-9276-94E619F39D69}"/>
+              </a:ext>
+            </a:extLst>
+          </p:cNvPr>
+          <p:cNvSpPr/>
+          <p:nvPr/>
+        </p:nvSpPr>
+        <p:spPr>
+          <a:xfrm>
+            <a:off x="1192202" y="15554083"/>
+            <a:ext cx="6768968" cy="304518"/>
           </a:xfrm>
           <a:prstGeom prst="rect">
             <a:avLst/>
@@ -5993,46 +5491,6 @@
             </a:solidFill>
           </a:ln>
         </p:spPr>
-        <p:txBody>
-          <a:bodyPr wrap="square" lIns="91440" tIns="45720" rIns="91440" bIns="45720" rtlCol="0" anchor="t">
-            <a:spAutoFit/>
-          </a:bodyPr>
-          <a:lstStyle/>
-          <a:p>
-            <a:r>
-              <a:rPr lang="fr-FR" sz="2800" dirty="0"/>
-              <a:t>H1 titre</a:t>
-            </a:r>
-          </a:p>
-        </p:txBody>
-      </p:sp>
-      <p:sp>
-        <p:nvSpPr>
-          <p:cNvPr id="32" name="Ellipse 31">
-            <a:extLst>
-              <a:ext uri="{FF2B5EF4-FFF2-40B4-BE49-F238E27FC236}">
-                <a16:creationId xmlns:a16="http://schemas.microsoft.com/office/drawing/2014/main" id="{2FE0870D-E285-40E3-A307-78C571927DE2}"/>
-              </a:ext>
-            </a:extLst>
-          </p:cNvPr>
-          <p:cNvSpPr/>
-          <p:nvPr/>
-        </p:nvSpPr>
-        <p:spPr>
-          <a:xfrm>
-            <a:off x="1264925" y="1369497"/>
-            <a:ext cx="824948" cy="670538"/>
-          </a:xfrm>
-          <a:prstGeom prst="ellipse">
-            <a:avLst/>
-          </a:prstGeom>
-          <a:noFill/>
-          <a:ln>
-            <a:solidFill>
-              <a:schemeClr val="tx1"/>
-            </a:solidFill>
-          </a:ln>
-        </p:spPr>
         <p:style>
           <a:lnRef idx="2">
             <a:schemeClr val="accent1">
@@ -6055,22 +5513,22 @@
           <a:p>
             <a:pPr algn="ctr"/>
             <a:r>
-              <a:rPr lang="fr-FR">
+              <a:rPr lang="fr-FR" sz="1100" dirty="0">
                 <a:solidFill>
                   <a:schemeClr val="tx1"/>
                 </a:solidFill>
               </a:rPr>
-              <a:t>logo</a:t>
-            </a:r>
-          </a:p>
-        </p:txBody>
-      </p:sp>
-      <p:sp>
-        <p:nvSpPr>
-          <p:cNvPr id="34" name="Rectangle 33">
+              <a:t>Mentions légales</a:t>
+            </a:r>
+          </a:p>
+        </p:txBody>
+      </p:sp>
+      <p:sp>
+        <p:nvSpPr>
+          <p:cNvPr id="35" name="Rectangle 34">
             <a:extLst>
               <a:ext uri="{FF2B5EF4-FFF2-40B4-BE49-F238E27FC236}">
-                <a16:creationId xmlns:a16="http://schemas.microsoft.com/office/drawing/2014/main" id="{F8260A98-99A6-4A33-9276-94E619F39D69}"/>
+                <a16:creationId xmlns:a16="http://schemas.microsoft.com/office/drawing/2014/main" id="{E6676FCF-2FBA-4DAE-A098-F579F131CE3E}"/>
               </a:ext>
             </a:extLst>
           </p:cNvPr>
@@ -6079,8 +5537,8 @@
         </p:nvSpPr>
         <p:spPr>
           <a:xfrm>
-            <a:off x="1192202" y="16341587"/>
-            <a:ext cx="6768968" cy="304518"/>
+            <a:off x="1192202" y="2319819"/>
+            <a:ext cx="6768968" cy="2460548"/>
           </a:xfrm>
           <a:prstGeom prst="rect">
             <a:avLst/>
@@ -6114,65 +5572,6 @@
           <a:p>
             <a:pPr algn="ctr"/>
             <a:r>
-              <a:rPr lang="fr-FR" sz="1100" dirty="0">
-                <a:solidFill>
-                  <a:schemeClr val="tx1"/>
-                </a:solidFill>
-              </a:rPr>
-              <a:t>Mentions légales</a:t>
-            </a:r>
-          </a:p>
-        </p:txBody>
-      </p:sp>
-      <p:sp>
-        <p:nvSpPr>
-          <p:cNvPr id="35" name="Rectangle 34">
-            <a:extLst>
-              <a:ext uri="{FF2B5EF4-FFF2-40B4-BE49-F238E27FC236}">
-                <a16:creationId xmlns:a16="http://schemas.microsoft.com/office/drawing/2014/main" id="{E6676FCF-2FBA-4DAE-A098-F579F131CE3E}"/>
-              </a:ext>
-            </a:extLst>
-          </p:cNvPr>
-          <p:cNvSpPr/>
-          <p:nvPr/>
-        </p:nvSpPr>
-        <p:spPr>
-          <a:xfrm>
-            <a:off x="1192202" y="3710442"/>
-            <a:ext cx="6768968" cy="2460548"/>
-          </a:xfrm>
-          <a:prstGeom prst="rect">
-            <a:avLst/>
-          </a:prstGeom>
-          <a:noFill/>
-          <a:ln>
-            <a:solidFill>
-              <a:schemeClr val="tx1"/>
-            </a:solidFill>
-          </a:ln>
-        </p:spPr>
-        <p:style>
-          <a:lnRef idx="2">
-            <a:schemeClr val="accent1">
-              <a:shade val="50000"/>
-            </a:schemeClr>
-          </a:lnRef>
-          <a:fillRef idx="1">
-            <a:schemeClr val="accent1"/>
-          </a:fillRef>
-          <a:effectRef idx="0">
-            <a:schemeClr val="accent1"/>
-          </a:effectRef>
-          <a:fontRef idx="minor">
-            <a:schemeClr val="lt1"/>
-          </a:fontRef>
-        </p:style>
-        <p:txBody>
-          <a:bodyPr rtlCol="0" anchor="ctr"/>
-          <a:lstStyle/>
-          <a:p>
-            <a:pPr algn="ctr"/>
-            <a:r>
               <a:rPr lang="fr-FR" sz="3200" dirty="0">
                 <a:solidFill>
                   <a:schemeClr val="tx1"/>
@@ -6197,8 +5596,8 @@
         </p:nvSpPr>
         <p:spPr>
           <a:xfrm>
-            <a:off x="2229832" y="1964357"/>
-            <a:ext cx="5536391" cy="276717"/>
+            <a:off x="3568700" y="1557652"/>
+            <a:ext cx="4184823" cy="461665"/>
           </a:xfrm>
           <a:prstGeom prst="rect">
             <a:avLst/>
@@ -6229,6 +5628,12 @@
               <a:t>NAVIGATION</a:t>
             </a:r>
           </a:p>
+          <a:p>
+            <a:pPr algn="ctr"/>
+            <a:endParaRPr lang="fr-FR" sz="1200" dirty="0">
+              <a:cs typeface="Calibri"/>
+            </a:endParaRPr>
+          </a:p>
         </p:txBody>
       </p:sp>
       <p:sp>
@@ -6245,8 +5650,8 @@
         </p:nvSpPr>
         <p:spPr>
           <a:xfrm>
-            <a:off x="1192274" y="2639419"/>
-            <a:ext cx="6768968" cy="874323"/>
+            <a:off x="1558428" y="5081467"/>
+            <a:ext cx="6027144" cy="8036370"/>
           </a:xfrm>
           <a:prstGeom prst="rect">
             <a:avLst/>
@@ -6285,17 +5690,17 @@
                   <a:schemeClr val="tx1"/>
                 </a:solidFill>
               </a:rPr>
-              <a:t>TEXTE DE PRESENTATION</a:t>
-            </a:r>
-          </a:p>
-        </p:txBody>
-      </p:sp>
-      <p:sp>
-        <p:nvSpPr>
-          <p:cNvPr id="16" name="Rectangle 15">
+              <a:t>TEXTE DE PRESENTATION / A PROPOS/ INFORMATIONS GENERALES</a:t>
+            </a:r>
+          </a:p>
+        </p:txBody>
+      </p:sp>
+      <p:sp>
+        <p:nvSpPr>
+          <p:cNvPr id="2" name="Rectangle 1">
             <a:extLst>
               <a:ext uri="{FF2B5EF4-FFF2-40B4-BE49-F238E27FC236}">
-                <a16:creationId xmlns:a16="http://schemas.microsoft.com/office/drawing/2014/main" id="{1DFE3954-BDC7-469A-B78F-703785FB4087}"/>
+                <a16:creationId xmlns:a16="http://schemas.microsoft.com/office/drawing/2014/main" id="{E1F5E9A4-F3CC-4DC4-AD40-051ADE915255}"/>
               </a:ext>
             </a:extLst>
           </p:cNvPr>
@@ -6304,8 +5709,8 @@
         </p:nvSpPr>
         <p:spPr>
           <a:xfrm>
-            <a:off x="1192274" y="14059334"/>
-            <a:ext cx="6768968" cy="2282253"/>
+            <a:off x="1558428" y="13418937"/>
+            <a:ext cx="2647420" cy="1834046"/>
           </a:xfrm>
           <a:prstGeom prst="rect">
             <a:avLst/>
@@ -6338,412 +5743,6 @@
           <a:lstStyle/>
           <a:p>
             <a:pPr algn="ctr"/>
-            <a:endParaRPr lang="fr-FR" dirty="0"/>
-          </a:p>
-        </p:txBody>
-      </p:sp>
-      <p:sp>
-        <p:nvSpPr>
-          <p:cNvPr id="18" name="Rectangle 17">
-            <a:extLst>
-              <a:ext uri="{FF2B5EF4-FFF2-40B4-BE49-F238E27FC236}">
-                <a16:creationId xmlns:a16="http://schemas.microsoft.com/office/drawing/2014/main" id="{D640EBFF-3901-495E-99F7-FD85BB669EE3}"/>
-              </a:ext>
-            </a:extLst>
-          </p:cNvPr>
-          <p:cNvSpPr/>
-          <p:nvPr/>
-        </p:nvSpPr>
-        <p:spPr>
-          <a:xfrm>
-            <a:off x="1532502" y="14326860"/>
-            <a:ext cx="2416743" cy="1737360"/>
-          </a:xfrm>
-          <a:prstGeom prst="rect">
-            <a:avLst/>
-          </a:prstGeom>
-          <a:noFill/>
-          <a:ln>
-            <a:solidFill>
-              <a:schemeClr val="tx1"/>
-            </a:solidFill>
-          </a:ln>
-        </p:spPr>
-        <p:style>
-          <a:lnRef idx="2">
-            <a:schemeClr val="accent1">
-              <a:shade val="50000"/>
-            </a:schemeClr>
-          </a:lnRef>
-          <a:fillRef idx="1">
-            <a:schemeClr val="accent1"/>
-          </a:fillRef>
-          <a:effectRef idx="0">
-            <a:schemeClr val="accent1"/>
-          </a:effectRef>
-          <a:fontRef idx="minor">
-            <a:schemeClr val="lt1"/>
-          </a:fontRef>
-        </p:style>
-        <p:txBody>
-          <a:bodyPr rtlCol="0" anchor="ctr"/>
-          <a:lstStyle/>
-          <a:p>
-            <a:pPr algn="ctr"/>
-            <a:r>
-              <a:rPr lang="fr-FR" dirty="0">
-                <a:solidFill>
-                  <a:schemeClr val="tx1"/>
-                </a:solidFill>
-              </a:rPr>
-              <a:t>FORMULAIRE DE CONTACT</a:t>
-            </a:r>
-          </a:p>
-        </p:txBody>
-      </p:sp>
-      <p:sp>
-        <p:nvSpPr>
-          <p:cNvPr id="4" name="Rectangle 3">
-            <a:extLst>
-              <a:ext uri="{FF2B5EF4-FFF2-40B4-BE49-F238E27FC236}">
-                <a16:creationId xmlns:a16="http://schemas.microsoft.com/office/drawing/2014/main" id="{4C76834D-F0A5-4B87-85FD-469377E946B7}"/>
-              </a:ext>
-            </a:extLst>
-          </p:cNvPr>
-          <p:cNvSpPr/>
-          <p:nvPr/>
-        </p:nvSpPr>
-        <p:spPr>
-          <a:xfrm>
-            <a:off x="4506107" y="14326860"/>
-            <a:ext cx="1334924" cy="932960"/>
-          </a:xfrm>
-          <a:prstGeom prst="rect">
-            <a:avLst/>
-          </a:prstGeom>
-          <a:noFill/>
-          <a:ln>
-            <a:solidFill>
-              <a:schemeClr val="tx1"/>
-            </a:solidFill>
-          </a:ln>
-        </p:spPr>
-        <p:style>
-          <a:lnRef idx="2">
-            <a:schemeClr val="accent1">
-              <a:shade val="50000"/>
-            </a:schemeClr>
-          </a:lnRef>
-          <a:fillRef idx="1">
-            <a:schemeClr val="accent1"/>
-          </a:fillRef>
-          <a:effectRef idx="0">
-            <a:schemeClr val="accent1"/>
-          </a:effectRef>
-          <a:fontRef idx="minor">
-            <a:schemeClr val="lt1"/>
-          </a:fontRef>
-        </p:style>
-        <p:txBody>
-          <a:bodyPr rtlCol="0" anchor="ctr"/>
-          <a:lstStyle/>
-          <a:p>
-            <a:pPr algn="ctr"/>
-            <a:r>
-              <a:rPr lang="fr-FR" dirty="0">
-                <a:solidFill>
-                  <a:schemeClr val="tx1"/>
-                </a:solidFill>
-              </a:rPr>
-              <a:t>A Propos</a:t>
-            </a:r>
-          </a:p>
-        </p:txBody>
-      </p:sp>
-      <p:sp>
-        <p:nvSpPr>
-          <p:cNvPr id="50" name="Rectangle 49">
-            <a:extLst>
-              <a:ext uri="{FF2B5EF4-FFF2-40B4-BE49-F238E27FC236}">
-                <a16:creationId xmlns:a16="http://schemas.microsoft.com/office/drawing/2014/main" id="{05766C4D-001E-48CA-BA7B-63E114E1BD75}"/>
-              </a:ext>
-            </a:extLst>
-          </p:cNvPr>
-          <p:cNvSpPr/>
-          <p:nvPr/>
-        </p:nvSpPr>
-        <p:spPr>
-          <a:xfrm>
-            <a:off x="6224724" y="14326642"/>
-            <a:ext cx="1334924" cy="331122"/>
-          </a:xfrm>
-          <a:prstGeom prst="rect">
-            <a:avLst/>
-          </a:prstGeom>
-          <a:noFill/>
-          <a:ln>
-            <a:solidFill>
-              <a:schemeClr val="tx1"/>
-            </a:solidFill>
-          </a:ln>
-        </p:spPr>
-        <p:style>
-          <a:lnRef idx="2">
-            <a:schemeClr val="accent1">
-              <a:shade val="50000"/>
-            </a:schemeClr>
-          </a:lnRef>
-          <a:fillRef idx="1">
-            <a:schemeClr val="accent1"/>
-          </a:fillRef>
-          <a:effectRef idx="0">
-            <a:schemeClr val="accent1"/>
-          </a:effectRef>
-          <a:fontRef idx="minor">
-            <a:schemeClr val="lt1"/>
-          </a:fontRef>
-        </p:style>
-        <p:txBody>
-          <a:bodyPr rtlCol="0" anchor="ctr"/>
-          <a:lstStyle/>
-          <a:p>
-            <a:pPr algn="ctr"/>
-            <a:r>
-              <a:rPr lang="fr-FR" dirty="0">
-                <a:solidFill>
-                  <a:schemeClr val="tx1"/>
-                </a:solidFill>
-              </a:rPr>
-              <a:t>Réseaux</a:t>
-            </a:r>
-          </a:p>
-        </p:txBody>
-      </p:sp>
-      <p:sp>
-        <p:nvSpPr>
-          <p:cNvPr id="22" name="Rectangle 21">
-            <a:extLst>
-              <a:ext uri="{FF2B5EF4-FFF2-40B4-BE49-F238E27FC236}">
-                <a16:creationId xmlns:a16="http://schemas.microsoft.com/office/drawing/2014/main" id="{BFD7DE96-1396-4927-B79A-E5A5881C9C21}"/>
-              </a:ext>
-            </a:extLst>
-          </p:cNvPr>
-          <p:cNvSpPr/>
-          <p:nvPr/>
-        </p:nvSpPr>
-        <p:spPr>
-          <a:xfrm>
-            <a:off x="1558427" y="9881385"/>
-            <a:ext cx="6027146" cy="994271"/>
-          </a:xfrm>
-          <a:prstGeom prst="rect">
-            <a:avLst/>
-          </a:prstGeom>
-          <a:noFill/>
-          <a:ln>
-            <a:solidFill>
-              <a:schemeClr val="tx1"/>
-            </a:solidFill>
-          </a:ln>
-        </p:spPr>
-        <p:style>
-          <a:lnRef idx="2">
-            <a:schemeClr val="accent1">
-              <a:shade val="50000"/>
-            </a:schemeClr>
-          </a:lnRef>
-          <a:fillRef idx="1">
-            <a:schemeClr val="accent1"/>
-          </a:fillRef>
-          <a:effectRef idx="0">
-            <a:schemeClr val="accent1"/>
-          </a:effectRef>
-          <a:fontRef idx="minor">
-            <a:schemeClr val="lt1"/>
-          </a:fontRef>
-        </p:style>
-        <p:txBody>
-          <a:bodyPr lIns="91440" tIns="45720" rIns="91440" bIns="45720" rtlCol="0" anchor="ctr"/>
-          <a:lstStyle/>
-          <a:p>
-            <a:pPr algn="ctr"/>
-            <a:r>
-              <a:rPr lang="fr-FR" dirty="0">
-                <a:solidFill>
-                  <a:schemeClr val="tx1"/>
-                </a:solidFill>
-              </a:rPr>
-              <a:t>Pour les acteurs</a:t>
-            </a:r>
-          </a:p>
-        </p:txBody>
-      </p:sp>
-      <p:sp>
-        <p:nvSpPr>
-          <p:cNvPr id="23" name="Rectangle 22">
-            <a:extLst>
-              <a:ext uri="{FF2B5EF4-FFF2-40B4-BE49-F238E27FC236}">
-                <a16:creationId xmlns:a16="http://schemas.microsoft.com/office/drawing/2014/main" id="{FD06BB9C-83F6-4F9F-9D0F-CD3C42A901F3}"/>
-              </a:ext>
-            </a:extLst>
-          </p:cNvPr>
-          <p:cNvSpPr/>
-          <p:nvPr/>
-        </p:nvSpPr>
-        <p:spPr>
-          <a:xfrm>
-            <a:off x="1558427" y="11292280"/>
-            <a:ext cx="6027146" cy="1115354"/>
-          </a:xfrm>
-          <a:prstGeom prst="rect">
-            <a:avLst/>
-          </a:prstGeom>
-          <a:noFill/>
-          <a:ln>
-            <a:solidFill>
-              <a:schemeClr val="tx1"/>
-            </a:solidFill>
-          </a:ln>
-        </p:spPr>
-        <p:style>
-          <a:lnRef idx="2">
-            <a:schemeClr val="accent1">
-              <a:shade val="50000"/>
-            </a:schemeClr>
-          </a:lnRef>
-          <a:fillRef idx="1">
-            <a:schemeClr val="accent1"/>
-          </a:fillRef>
-          <a:effectRef idx="0">
-            <a:schemeClr val="accent1"/>
-          </a:effectRef>
-          <a:fontRef idx="minor">
-            <a:schemeClr val="lt1"/>
-          </a:fontRef>
-        </p:style>
-        <p:txBody>
-          <a:bodyPr lIns="91440" tIns="45720" rIns="91440" bIns="45720" rtlCol="0" anchor="ctr"/>
-          <a:lstStyle/>
-          <a:p>
-            <a:pPr algn="ctr"/>
-            <a:r>
-              <a:rPr lang="fr-FR" dirty="0">
-                <a:solidFill>
-                  <a:schemeClr val="tx1"/>
-                </a:solidFill>
-              </a:rPr>
-              <a:t>Liens Pour les personnes en situations de handicap</a:t>
-            </a:r>
-          </a:p>
-        </p:txBody>
-      </p:sp>
-      <p:sp>
-        <p:nvSpPr>
-          <p:cNvPr id="24" name="Rectangle 23">
-            <a:extLst>
-              <a:ext uri="{FF2B5EF4-FFF2-40B4-BE49-F238E27FC236}">
-                <a16:creationId xmlns:a16="http://schemas.microsoft.com/office/drawing/2014/main" id="{1B0B64EB-72F1-46F7-A41C-F608C5604DBE}"/>
-              </a:ext>
-            </a:extLst>
-          </p:cNvPr>
-          <p:cNvSpPr/>
-          <p:nvPr/>
-        </p:nvSpPr>
-        <p:spPr>
-          <a:xfrm>
-            <a:off x="1558427" y="8697500"/>
-            <a:ext cx="6027146" cy="835531"/>
-          </a:xfrm>
-          <a:prstGeom prst="rect">
-            <a:avLst/>
-          </a:prstGeom>
-          <a:noFill/>
-          <a:ln>
-            <a:solidFill>
-              <a:schemeClr val="tx1"/>
-            </a:solidFill>
-          </a:ln>
-        </p:spPr>
-        <p:style>
-          <a:lnRef idx="2">
-            <a:schemeClr val="accent1">
-              <a:shade val="50000"/>
-            </a:schemeClr>
-          </a:lnRef>
-          <a:fillRef idx="1">
-            <a:schemeClr val="accent1"/>
-          </a:fillRef>
-          <a:effectRef idx="0">
-            <a:schemeClr val="accent1"/>
-          </a:effectRef>
-          <a:fontRef idx="minor">
-            <a:schemeClr val="lt1"/>
-          </a:fontRef>
-        </p:style>
-        <p:txBody>
-          <a:bodyPr rtlCol="0" anchor="ctr"/>
-          <a:lstStyle/>
-          <a:p>
-            <a:pPr algn="ctr"/>
-            <a:r>
-              <a:rPr lang="fr-FR" dirty="0">
-                <a:solidFill>
-                  <a:sysClr val="windowText" lastClr="000000"/>
-                </a:solidFill>
-              </a:rPr>
-              <a:t>H3 RESSOURCES</a:t>
-            </a:r>
-          </a:p>
-        </p:txBody>
-      </p:sp>
-      <p:sp>
-        <p:nvSpPr>
-          <p:cNvPr id="2" name="Rectangle 1">
-            <a:extLst>
-              <a:ext uri="{FF2B5EF4-FFF2-40B4-BE49-F238E27FC236}">
-                <a16:creationId xmlns:a16="http://schemas.microsoft.com/office/drawing/2014/main" id="{E1F5E9A4-F3CC-4DC4-AD40-051ADE915255}"/>
-              </a:ext>
-            </a:extLst>
-          </p:cNvPr>
-          <p:cNvSpPr/>
-          <p:nvPr/>
-        </p:nvSpPr>
-        <p:spPr>
-          <a:xfrm>
-            <a:off x="1558428" y="6515100"/>
-            <a:ext cx="2647420" cy="1834046"/>
-          </a:xfrm>
-          <a:prstGeom prst="rect">
-            <a:avLst/>
-          </a:prstGeom>
-          <a:noFill/>
-          <a:ln>
-            <a:solidFill>
-              <a:schemeClr val="tx1"/>
-            </a:solidFill>
-          </a:ln>
-        </p:spPr>
-        <p:style>
-          <a:lnRef idx="2">
-            <a:schemeClr val="accent1">
-              <a:shade val="50000"/>
-            </a:schemeClr>
-          </a:lnRef>
-          <a:fillRef idx="1">
-            <a:schemeClr val="accent1"/>
-          </a:fillRef>
-          <a:effectRef idx="0">
-            <a:schemeClr val="accent1"/>
-          </a:effectRef>
-          <a:fontRef idx="minor">
-            <a:schemeClr val="lt1"/>
-          </a:fontRef>
-        </p:style>
-        <p:txBody>
-          <a:bodyPr rtlCol="0" anchor="ctr"/>
-          <a:lstStyle/>
-          <a:p>
-            <a:pPr algn="ctr"/>
             <a:r>
               <a:rPr lang="fr-FR" dirty="0">
                 <a:solidFill>
@@ -6769,7 +5768,7 @@
         </p:nvSpPr>
         <p:spPr>
           <a:xfrm>
-            <a:off x="4938153" y="6515100"/>
+            <a:off x="4938152" y="13418937"/>
             <a:ext cx="2647420" cy="1834046"/>
           </a:xfrm>
           <a:prstGeom prst="rect">
@@ -6900,7 +5899,7 @@
         <p:spPr>
           <a:xfrm>
             <a:off x="1182758" y="2319819"/>
-            <a:ext cx="6778484" cy="15333250"/>
+            <a:ext cx="6778484" cy="14497580"/>
           </a:xfrm>
           <a:prstGeom prst="rect">
             <a:avLst/>
@@ -7084,20 +6083,20 @@
       </p:sp>
       <p:sp>
         <p:nvSpPr>
-          <p:cNvPr id="7" name="ZoneTexte 6">
+          <p:cNvPr id="17" name="Rectangle 16">
             <a:extLst>
               <a:ext uri="{FF2B5EF4-FFF2-40B4-BE49-F238E27FC236}">
-                <a16:creationId xmlns:a16="http://schemas.microsoft.com/office/drawing/2014/main" id="{FC2A5C1A-D100-4417-8460-A2EAE9EA5A2A}"/>
+                <a16:creationId xmlns:a16="http://schemas.microsoft.com/office/drawing/2014/main" id="{4B9DA991-69E4-4536-A01C-E26163E49F2F}"/>
               </a:ext>
             </a:extLst>
           </p:cNvPr>
-          <p:cNvSpPr txBox="1"/>
+          <p:cNvSpPr/>
           <p:nvPr/>
         </p:nvSpPr>
         <p:spPr>
           <a:xfrm>
-            <a:off x="2229832" y="1328012"/>
-            <a:ext cx="2159829" cy="523220"/>
+            <a:off x="1182758" y="16509286"/>
+            <a:ext cx="6778484" cy="308113"/>
           </a:xfrm>
           <a:prstGeom prst="rect">
             <a:avLst/>
@@ -7109,46 +6108,6 @@
             </a:solidFill>
           </a:ln>
         </p:spPr>
-        <p:txBody>
-          <a:bodyPr wrap="square" lIns="91440" tIns="45720" rIns="91440" bIns="45720" rtlCol="0" anchor="t">
-            <a:spAutoFit/>
-          </a:bodyPr>
-          <a:lstStyle/>
-          <a:p>
-            <a:r>
-              <a:rPr lang="fr-FR" sz="2800" dirty="0"/>
-              <a:t>H1 titre</a:t>
-            </a:r>
-          </a:p>
-        </p:txBody>
-      </p:sp>
-      <p:sp>
-        <p:nvSpPr>
-          <p:cNvPr id="16" name="Ellipse 15">
-            <a:extLst>
-              <a:ext uri="{FF2B5EF4-FFF2-40B4-BE49-F238E27FC236}">
-                <a16:creationId xmlns:a16="http://schemas.microsoft.com/office/drawing/2014/main" id="{1E00BFD8-8875-459D-AA08-D64DE7EF2C9C}"/>
-              </a:ext>
-            </a:extLst>
-          </p:cNvPr>
-          <p:cNvSpPr/>
-          <p:nvPr/>
-        </p:nvSpPr>
-        <p:spPr>
-          <a:xfrm>
-            <a:off x="1264925" y="1369497"/>
-            <a:ext cx="824948" cy="670538"/>
-          </a:xfrm>
-          <a:prstGeom prst="ellipse">
-            <a:avLst/>
-          </a:prstGeom>
-          <a:noFill/>
-          <a:ln>
-            <a:solidFill>
-              <a:schemeClr val="tx1"/>
-            </a:solidFill>
-          </a:ln>
-        </p:spPr>
         <p:style>
           <a:lnRef idx="2">
             <a:schemeClr val="accent1">
@@ -7171,65 +6130,6 @@
           <a:p>
             <a:pPr algn="ctr"/>
             <a:r>
-              <a:rPr lang="fr-FR">
-                <a:solidFill>
-                  <a:schemeClr val="tx1"/>
-                </a:solidFill>
-              </a:rPr>
-              <a:t>logo</a:t>
-            </a:r>
-          </a:p>
-        </p:txBody>
-      </p:sp>
-      <p:sp>
-        <p:nvSpPr>
-          <p:cNvPr id="17" name="Rectangle 16">
-            <a:extLst>
-              <a:ext uri="{FF2B5EF4-FFF2-40B4-BE49-F238E27FC236}">
-                <a16:creationId xmlns:a16="http://schemas.microsoft.com/office/drawing/2014/main" id="{4B9DA991-69E4-4536-A01C-E26163E49F2F}"/>
-              </a:ext>
-            </a:extLst>
-          </p:cNvPr>
-          <p:cNvSpPr/>
-          <p:nvPr/>
-        </p:nvSpPr>
-        <p:spPr>
-          <a:xfrm>
-            <a:off x="1182758" y="17344956"/>
-            <a:ext cx="6778484" cy="308113"/>
-          </a:xfrm>
-          <a:prstGeom prst="rect">
-            <a:avLst/>
-          </a:prstGeom>
-          <a:noFill/>
-          <a:ln>
-            <a:solidFill>
-              <a:schemeClr val="tx1"/>
-            </a:solidFill>
-          </a:ln>
-        </p:spPr>
-        <p:style>
-          <a:lnRef idx="2">
-            <a:schemeClr val="accent1">
-              <a:shade val="50000"/>
-            </a:schemeClr>
-          </a:lnRef>
-          <a:fillRef idx="1">
-            <a:schemeClr val="accent1"/>
-          </a:fillRef>
-          <a:effectRef idx="0">
-            <a:schemeClr val="accent1"/>
-          </a:effectRef>
-          <a:fontRef idx="minor">
-            <a:schemeClr val="lt1"/>
-          </a:fontRef>
-        </p:style>
-        <p:txBody>
-          <a:bodyPr rtlCol="0" anchor="ctr"/>
-          <a:lstStyle/>
-          <a:p>
-            <a:pPr algn="ctr"/>
-            <a:r>
               <a:rPr lang="fr-FR" sz="1100">
                 <a:solidFill>
                   <a:schemeClr val="tx1"/>
@@ -7242,20 +6142,20 @@
       </p:sp>
       <p:sp>
         <p:nvSpPr>
-          <p:cNvPr id="25" name="ZoneTexte 24">
+          <p:cNvPr id="29" name="Rectangle 28">
             <a:extLst>
               <a:ext uri="{FF2B5EF4-FFF2-40B4-BE49-F238E27FC236}">
-                <a16:creationId xmlns:a16="http://schemas.microsoft.com/office/drawing/2014/main" id="{99A9D47D-12D8-4ED6-8C30-C511C00F1784}"/>
+                <a16:creationId xmlns:a16="http://schemas.microsoft.com/office/drawing/2014/main" id="{6C728C12-D041-474C-9634-7581DE0F8BDF}"/>
               </a:ext>
             </a:extLst>
           </p:cNvPr>
-          <p:cNvSpPr txBox="1"/>
+          <p:cNvSpPr/>
           <p:nvPr/>
         </p:nvSpPr>
         <p:spPr>
           <a:xfrm>
-            <a:off x="2229832" y="1964357"/>
-            <a:ext cx="5536391" cy="276717"/>
+            <a:off x="1373409" y="5292029"/>
+            <a:ext cx="6397182" cy="472260"/>
           </a:xfrm>
           <a:prstGeom prst="rect">
             <a:avLst/>
@@ -7269,31 +6169,50 @@
             </a:solidFill>
           </a:ln>
         </p:spPr>
-        <p:txBody>
-          <a:bodyPr rot="0" spcFirstLastPara="0" vertOverflow="overflow" horzOverflow="overflow" vert="horz" wrap="square" lIns="91440" tIns="45720" rIns="91440" bIns="45720" numCol="1" spcCol="0" rtlCol="0" fromWordArt="0" anchor="t" anchorCtr="0" forceAA="0" compatLnSpc="1">
-            <a:prstTxWarp prst="textNoShape">
-              <a:avLst/>
-            </a:prstTxWarp>
-            <a:spAutoFit/>
-          </a:bodyPr>
+        <p:style>
+          <a:lnRef idx="2">
+            <a:schemeClr val="accent1">
+              <a:shade val="50000"/>
+            </a:schemeClr>
+          </a:lnRef>
+          <a:fillRef idx="1">
+            <a:schemeClr val="accent1"/>
+          </a:fillRef>
+          <a:effectRef idx="0">
+            <a:schemeClr val="accent1"/>
+          </a:effectRef>
+          <a:fontRef idx="minor">
+            <a:schemeClr val="lt1"/>
+          </a:fontRef>
+        </p:style>
+        <p:txBody>
+          <a:bodyPr rtlCol="0" anchor="ctr"/>
           <a:lstStyle/>
           <a:p>
             <a:pPr algn="ctr"/>
             <a:r>
-              <a:rPr lang="fr-FR" sz="1200" dirty="0">
+              <a:rPr lang="fr-FR" dirty="0">
+                <a:solidFill>
+                  <a:schemeClr val="tx1"/>
+                </a:solidFill>
                 <a:cs typeface="Calibri"/>
               </a:rPr>
-              <a:t>NAVIGATION</a:t>
-            </a:r>
-          </a:p>
-        </p:txBody>
-      </p:sp>
-      <p:sp>
-        <p:nvSpPr>
-          <p:cNvPr id="29" name="Rectangle 28">
+              <a:t>H3 titre</a:t>
+            </a:r>
+            <a:endParaRPr lang="fr-FR" dirty="0">
+              <a:solidFill>
+                <a:schemeClr val="tx1"/>
+              </a:solidFill>
+            </a:endParaRPr>
+          </a:p>
+        </p:txBody>
+      </p:sp>
+      <p:sp>
+        <p:nvSpPr>
+          <p:cNvPr id="87" name="Rectangle 86">
             <a:extLst>
               <a:ext uri="{FF2B5EF4-FFF2-40B4-BE49-F238E27FC236}">
-                <a16:creationId xmlns:a16="http://schemas.microsoft.com/office/drawing/2014/main" id="{6C728C12-D041-474C-9634-7581DE0F8BDF}"/>
+                <a16:creationId xmlns:a16="http://schemas.microsoft.com/office/drawing/2014/main" id="{571ABDA9-A180-4E2E-AD68-D695B04AC861}"/>
               </a:ext>
             </a:extLst>
           </p:cNvPr>
@@ -7302,8 +6221,8 @@
         </p:nvSpPr>
         <p:spPr>
           <a:xfrm>
-            <a:off x="1373409" y="5292029"/>
-            <a:ext cx="6397182" cy="472260"/>
+            <a:off x="1371580" y="11334191"/>
+            <a:ext cx="6397181" cy="472260"/>
           </a:xfrm>
           <a:prstGeom prst="rect">
             <a:avLst/>
@@ -7334,7 +6253,7 @@
           </a:fontRef>
         </p:style>
         <p:txBody>
-          <a:bodyPr rtlCol="0" anchor="ctr"/>
+          <a:bodyPr lIns="91440" tIns="45720" rIns="91440" bIns="45720" rtlCol="0" anchor="ctr"/>
           <a:lstStyle/>
           <a:p>
             <a:pPr algn="ctr"/>
@@ -7357,10 +6276,10 @@
       </p:sp>
       <p:sp>
         <p:nvSpPr>
-          <p:cNvPr id="87" name="Rectangle 86">
+          <p:cNvPr id="88" name="Rectangle 87">
             <a:extLst>
               <a:ext uri="{FF2B5EF4-FFF2-40B4-BE49-F238E27FC236}">
-                <a16:creationId xmlns:a16="http://schemas.microsoft.com/office/drawing/2014/main" id="{571ABDA9-A180-4E2E-AD68-D695B04AC861}"/>
+                <a16:creationId xmlns:a16="http://schemas.microsoft.com/office/drawing/2014/main" id="{1673AB8F-F55D-4282-B044-EA6FEC16CB41}"/>
               </a:ext>
             </a:extLst>
           </p:cNvPr>
@@ -7369,8 +6288,8 @@
         </p:nvSpPr>
         <p:spPr>
           <a:xfrm>
-            <a:off x="1371580" y="11334191"/>
-            <a:ext cx="6397181" cy="472260"/>
+            <a:off x="1371580" y="7989232"/>
+            <a:ext cx="6487167" cy="472260"/>
           </a:xfrm>
           <a:prstGeom prst="rect">
             <a:avLst/>
@@ -7424,10 +6343,10 @@
       </p:sp>
       <p:sp>
         <p:nvSpPr>
-          <p:cNvPr id="88" name="Rectangle 87">
+          <p:cNvPr id="9" name="Ellipse 8">
             <a:extLst>
               <a:ext uri="{FF2B5EF4-FFF2-40B4-BE49-F238E27FC236}">
-                <a16:creationId xmlns:a16="http://schemas.microsoft.com/office/drawing/2014/main" id="{1673AB8F-F55D-4282-B044-EA6FEC16CB41}"/>
+                <a16:creationId xmlns:a16="http://schemas.microsoft.com/office/drawing/2014/main" id="{2712FD21-9DA2-4023-B3C9-F292A15E9575}"/>
               </a:ext>
             </a:extLst>
           </p:cNvPr>
@@ -7436,8 +6355,520 @@
         </p:nvSpPr>
         <p:spPr>
           <a:xfrm>
-            <a:off x="1371580" y="7989232"/>
-            <a:ext cx="6487167" cy="472260"/>
+            <a:off x="1676379" y="8993926"/>
+            <a:ext cx="2018301" cy="1871678"/>
+          </a:xfrm>
+          <a:prstGeom prst="ellipse">
+            <a:avLst/>
+          </a:prstGeom>
+          <a:noFill/>
+          <a:ln>
+            <a:solidFill>
+              <a:schemeClr val="tx1"/>
+            </a:solidFill>
+          </a:ln>
+        </p:spPr>
+        <p:style>
+          <a:lnRef idx="2">
+            <a:schemeClr val="accent1">
+              <a:shade val="50000"/>
+            </a:schemeClr>
+          </a:lnRef>
+          <a:fillRef idx="1">
+            <a:schemeClr val="accent1"/>
+          </a:fillRef>
+          <a:effectRef idx="0">
+            <a:schemeClr val="accent1"/>
+          </a:effectRef>
+          <a:fontRef idx="minor">
+            <a:schemeClr val="lt1"/>
+          </a:fontRef>
+        </p:style>
+        <p:txBody>
+          <a:bodyPr rtlCol="0" anchor="ctr"/>
+          <a:lstStyle/>
+          <a:p>
+            <a:pPr algn="ctr"/>
+            <a:r>
+              <a:rPr lang="fr-FR" dirty="0">
+                <a:solidFill>
+                  <a:schemeClr val="tx1"/>
+                </a:solidFill>
+              </a:rPr>
+              <a:t>Image / infographie</a:t>
+            </a:r>
+          </a:p>
+        </p:txBody>
+      </p:sp>
+      <p:sp>
+        <p:nvSpPr>
+          <p:cNvPr id="10" name="Rectangle 9">
+            <a:extLst>
+              <a:ext uri="{FF2B5EF4-FFF2-40B4-BE49-F238E27FC236}">
+                <a16:creationId xmlns:a16="http://schemas.microsoft.com/office/drawing/2014/main" id="{9AA81E69-AE2C-497E-AEF2-AC07035C1FC5}"/>
+              </a:ext>
+            </a:extLst>
+          </p:cNvPr>
+          <p:cNvSpPr/>
+          <p:nvPr/>
+        </p:nvSpPr>
+        <p:spPr>
+          <a:xfrm>
+            <a:off x="4211299" y="9165007"/>
+            <a:ext cx="3408951" cy="552743"/>
+          </a:xfrm>
+          <a:prstGeom prst="rect">
+            <a:avLst/>
+          </a:prstGeom>
+          <a:noFill/>
+          <a:ln>
+            <a:solidFill>
+              <a:schemeClr val="tx1"/>
+            </a:solidFill>
+          </a:ln>
+        </p:spPr>
+        <p:style>
+          <a:lnRef idx="2">
+            <a:schemeClr val="accent1">
+              <a:shade val="50000"/>
+            </a:schemeClr>
+          </a:lnRef>
+          <a:fillRef idx="1">
+            <a:schemeClr val="accent1"/>
+          </a:fillRef>
+          <a:effectRef idx="0">
+            <a:schemeClr val="accent1"/>
+          </a:effectRef>
+          <a:fontRef idx="minor">
+            <a:schemeClr val="lt1"/>
+          </a:fontRef>
+        </p:style>
+        <p:txBody>
+          <a:bodyPr rtlCol="0" anchor="ctr"/>
+          <a:lstStyle/>
+          <a:p>
+            <a:pPr algn="ctr"/>
+            <a:r>
+              <a:rPr lang="fr-FR" dirty="0">
+                <a:solidFill>
+                  <a:schemeClr val="tx1"/>
+                </a:solidFill>
+              </a:rPr>
+              <a:t>texte</a:t>
+            </a:r>
+          </a:p>
+        </p:txBody>
+      </p:sp>
+      <p:sp>
+        <p:nvSpPr>
+          <p:cNvPr id="26" name="Ellipse 25">
+            <a:extLst>
+              <a:ext uri="{FF2B5EF4-FFF2-40B4-BE49-F238E27FC236}">
+                <a16:creationId xmlns:a16="http://schemas.microsoft.com/office/drawing/2014/main" id="{1F6A1B8D-56A5-4716-8828-A0D50CFEB5F6}"/>
+              </a:ext>
+            </a:extLst>
+          </p:cNvPr>
+          <p:cNvSpPr/>
+          <p:nvPr/>
+        </p:nvSpPr>
+        <p:spPr>
+          <a:xfrm>
+            <a:off x="5708123" y="5929674"/>
+            <a:ext cx="2018301" cy="1871678"/>
+          </a:xfrm>
+          <a:prstGeom prst="ellipse">
+            <a:avLst/>
+          </a:prstGeom>
+          <a:noFill/>
+          <a:ln>
+            <a:solidFill>
+              <a:schemeClr val="tx1"/>
+            </a:solidFill>
+          </a:ln>
+        </p:spPr>
+        <p:style>
+          <a:lnRef idx="2">
+            <a:schemeClr val="accent1">
+              <a:shade val="50000"/>
+            </a:schemeClr>
+          </a:lnRef>
+          <a:fillRef idx="1">
+            <a:schemeClr val="accent1"/>
+          </a:fillRef>
+          <a:effectRef idx="0">
+            <a:schemeClr val="accent1"/>
+          </a:effectRef>
+          <a:fontRef idx="minor">
+            <a:schemeClr val="lt1"/>
+          </a:fontRef>
+        </p:style>
+        <p:txBody>
+          <a:bodyPr rtlCol="0" anchor="ctr"/>
+          <a:lstStyle/>
+          <a:p>
+            <a:pPr algn="ctr"/>
+            <a:r>
+              <a:rPr lang="fr-FR" dirty="0">
+                <a:solidFill>
+                  <a:schemeClr val="tx1"/>
+                </a:solidFill>
+              </a:rPr>
+              <a:t>Image / infographie</a:t>
+            </a:r>
+          </a:p>
+        </p:txBody>
+      </p:sp>
+      <p:sp>
+        <p:nvSpPr>
+          <p:cNvPr id="30" name="Rectangle 29">
+            <a:extLst>
+              <a:ext uri="{FF2B5EF4-FFF2-40B4-BE49-F238E27FC236}">
+                <a16:creationId xmlns:a16="http://schemas.microsoft.com/office/drawing/2014/main" id="{BEA7F8AA-F280-49C7-AEED-E869552C4374}"/>
+              </a:ext>
+            </a:extLst>
+          </p:cNvPr>
+          <p:cNvSpPr/>
+          <p:nvPr/>
+        </p:nvSpPr>
+        <p:spPr>
+          <a:xfrm>
+            <a:off x="1371580" y="6158713"/>
+            <a:ext cx="3408951" cy="552743"/>
+          </a:xfrm>
+          <a:prstGeom prst="rect">
+            <a:avLst/>
+          </a:prstGeom>
+          <a:noFill/>
+          <a:ln>
+            <a:solidFill>
+              <a:schemeClr val="tx1"/>
+            </a:solidFill>
+          </a:ln>
+        </p:spPr>
+        <p:style>
+          <a:lnRef idx="2">
+            <a:schemeClr val="accent1">
+              <a:shade val="50000"/>
+            </a:schemeClr>
+          </a:lnRef>
+          <a:fillRef idx="1">
+            <a:schemeClr val="accent1"/>
+          </a:fillRef>
+          <a:effectRef idx="0">
+            <a:schemeClr val="accent1"/>
+          </a:effectRef>
+          <a:fontRef idx="minor">
+            <a:schemeClr val="lt1"/>
+          </a:fontRef>
+        </p:style>
+        <p:txBody>
+          <a:bodyPr rtlCol="0" anchor="ctr"/>
+          <a:lstStyle/>
+          <a:p>
+            <a:pPr algn="ctr"/>
+            <a:r>
+              <a:rPr lang="fr-FR" dirty="0">
+                <a:solidFill>
+                  <a:schemeClr val="tx1"/>
+                </a:solidFill>
+              </a:rPr>
+              <a:t>texte</a:t>
+            </a:r>
+          </a:p>
+        </p:txBody>
+      </p:sp>
+      <p:sp>
+        <p:nvSpPr>
+          <p:cNvPr id="31" name="Ellipse 30">
+            <a:extLst>
+              <a:ext uri="{FF2B5EF4-FFF2-40B4-BE49-F238E27FC236}">
+                <a16:creationId xmlns:a16="http://schemas.microsoft.com/office/drawing/2014/main" id="{69EC9EDB-A2EB-445C-B8AF-F6A14F92E208}"/>
+              </a:ext>
+            </a:extLst>
+          </p:cNvPr>
+          <p:cNvSpPr/>
+          <p:nvPr/>
+        </p:nvSpPr>
+        <p:spPr>
+          <a:xfrm>
+            <a:off x="5601949" y="12501068"/>
+            <a:ext cx="2018301" cy="1871678"/>
+          </a:xfrm>
+          <a:prstGeom prst="ellipse">
+            <a:avLst/>
+          </a:prstGeom>
+          <a:noFill/>
+          <a:ln>
+            <a:solidFill>
+              <a:schemeClr val="tx1"/>
+            </a:solidFill>
+          </a:ln>
+        </p:spPr>
+        <p:style>
+          <a:lnRef idx="2">
+            <a:schemeClr val="accent1">
+              <a:shade val="50000"/>
+            </a:schemeClr>
+          </a:lnRef>
+          <a:fillRef idx="1">
+            <a:schemeClr val="accent1"/>
+          </a:fillRef>
+          <a:effectRef idx="0">
+            <a:schemeClr val="accent1"/>
+          </a:effectRef>
+          <a:fontRef idx="minor">
+            <a:schemeClr val="lt1"/>
+          </a:fontRef>
+        </p:style>
+        <p:txBody>
+          <a:bodyPr rtlCol="0" anchor="ctr"/>
+          <a:lstStyle/>
+          <a:p>
+            <a:pPr algn="ctr"/>
+            <a:r>
+              <a:rPr lang="fr-FR" dirty="0">
+                <a:solidFill>
+                  <a:schemeClr val="tx1"/>
+                </a:solidFill>
+              </a:rPr>
+              <a:t>Image / infographie</a:t>
+            </a:r>
+          </a:p>
+        </p:txBody>
+      </p:sp>
+      <p:sp>
+        <p:nvSpPr>
+          <p:cNvPr id="32" name="Rectangle 31">
+            <a:extLst>
+              <a:ext uri="{FF2B5EF4-FFF2-40B4-BE49-F238E27FC236}">
+                <a16:creationId xmlns:a16="http://schemas.microsoft.com/office/drawing/2014/main" id="{0013A638-C7D9-441C-AB95-AAD69AEB44E2}"/>
+              </a:ext>
+            </a:extLst>
+          </p:cNvPr>
+          <p:cNvSpPr/>
+          <p:nvPr/>
+        </p:nvSpPr>
+        <p:spPr>
+          <a:xfrm>
+            <a:off x="1371579" y="12726124"/>
+            <a:ext cx="3408951" cy="552743"/>
+          </a:xfrm>
+          <a:prstGeom prst="rect">
+            <a:avLst/>
+          </a:prstGeom>
+          <a:noFill/>
+          <a:ln>
+            <a:solidFill>
+              <a:schemeClr val="tx1"/>
+            </a:solidFill>
+          </a:ln>
+        </p:spPr>
+        <p:style>
+          <a:lnRef idx="2">
+            <a:schemeClr val="accent1">
+              <a:shade val="50000"/>
+            </a:schemeClr>
+          </a:lnRef>
+          <a:fillRef idx="1">
+            <a:schemeClr val="accent1"/>
+          </a:fillRef>
+          <a:effectRef idx="0">
+            <a:schemeClr val="accent1"/>
+          </a:effectRef>
+          <a:fontRef idx="minor">
+            <a:schemeClr val="lt1"/>
+          </a:fontRef>
+        </p:style>
+        <p:txBody>
+          <a:bodyPr rtlCol="0" anchor="ctr"/>
+          <a:lstStyle/>
+          <a:p>
+            <a:pPr algn="ctr"/>
+            <a:r>
+              <a:rPr lang="fr-FR" dirty="0">
+                <a:solidFill>
+                  <a:schemeClr val="tx1"/>
+                </a:solidFill>
+              </a:rPr>
+              <a:t>texte</a:t>
+            </a:r>
+          </a:p>
+        </p:txBody>
+      </p:sp>
+      <p:sp>
+        <p:nvSpPr>
+          <p:cNvPr id="11" name="ZoneTexte 10">
+            <a:extLst>
+              <a:ext uri="{FF2B5EF4-FFF2-40B4-BE49-F238E27FC236}">
+                <a16:creationId xmlns:a16="http://schemas.microsoft.com/office/drawing/2014/main" id="{E7944F43-0014-4643-A51A-4735969E3F08}"/>
+              </a:ext>
+            </a:extLst>
+          </p:cNvPr>
+          <p:cNvSpPr txBox="1"/>
+          <p:nvPr/>
+        </p:nvSpPr>
+        <p:spPr>
+          <a:xfrm>
+            <a:off x="2872665" y="2709661"/>
+            <a:ext cx="3738434" cy="584775"/>
+          </a:xfrm>
+          <a:prstGeom prst="rect">
+            <a:avLst/>
+          </a:prstGeom>
+          <a:noFill/>
+          <a:ln>
+            <a:solidFill>
+              <a:schemeClr val="tx1"/>
+            </a:solidFill>
+          </a:ln>
+        </p:spPr>
+        <p:txBody>
+          <a:bodyPr wrap="square" rtlCol="0">
+            <a:spAutoFit/>
+          </a:bodyPr>
+          <a:lstStyle/>
+          <a:p>
+            <a:r>
+              <a:rPr lang="fr-FR" sz="3200" dirty="0"/>
+              <a:t>H2 TITRE DE LA PAGE</a:t>
+            </a:r>
+          </a:p>
+        </p:txBody>
+      </p:sp>
+      <p:sp>
+        <p:nvSpPr>
+          <p:cNvPr id="13" name="Rectangle 12">
+            <a:extLst>
+              <a:ext uri="{FF2B5EF4-FFF2-40B4-BE49-F238E27FC236}">
+                <a16:creationId xmlns:a16="http://schemas.microsoft.com/office/drawing/2014/main" id="{0AC8972F-902E-4FEF-AB4C-675C70B3CAB2}"/>
+              </a:ext>
+            </a:extLst>
+          </p:cNvPr>
+          <p:cNvSpPr/>
+          <p:nvPr/>
+        </p:nvSpPr>
+        <p:spPr>
+          <a:xfrm>
+            <a:off x="1637259" y="3599243"/>
+            <a:ext cx="5901602" cy="901414"/>
+          </a:xfrm>
+          <a:prstGeom prst="rect">
+            <a:avLst/>
+          </a:prstGeom>
+          <a:noFill/>
+          <a:ln>
+            <a:solidFill>
+              <a:schemeClr val="tx1"/>
+            </a:solidFill>
+          </a:ln>
+        </p:spPr>
+        <p:style>
+          <a:lnRef idx="2">
+            <a:schemeClr val="accent1">
+              <a:shade val="50000"/>
+            </a:schemeClr>
+          </a:lnRef>
+          <a:fillRef idx="1">
+            <a:schemeClr val="accent1"/>
+          </a:fillRef>
+          <a:effectRef idx="0">
+            <a:schemeClr val="accent1"/>
+          </a:effectRef>
+          <a:fontRef idx="minor">
+            <a:schemeClr val="lt1"/>
+          </a:fontRef>
+        </p:style>
+        <p:txBody>
+          <a:bodyPr rtlCol="0" anchor="ctr"/>
+          <a:lstStyle/>
+          <a:p>
+            <a:pPr algn="ctr"/>
+            <a:r>
+              <a:rPr lang="fr-FR" dirty="0">
+                <a:solidFill>
+                  <a:schemeClr val="tx1"/>
+                </a:solidFill>
+              </a:rPr>
+              <a:t> texte moyen catégorie</a:t>
+            </a:r>
+          </a:p>
+        </p:txBody>
+      </p:sp>
+      <p:sp>
+        <p:nvSpPr>
+          <p:cNvPr id="24" name="Ellipse 23">
+            <a:extLst>
+              <a:ext uri="{FF2B5EF4-FFF2-40B4-BE49-F238E27FC236}">
+                <a16:creationId xmlns:a16="http://schemas.microsoft.com/office/drawing/2014/main" id="{2970E611-2B62-4A3C-B39C-DEF3D9071B08}"/>
+              </a:ext>
+            </a:extLst>
+          </p:cNvPr>
+          <p:cNvSpPr/>
+          <p:nvPr/>
+        </p:nvSpPr>
+        <p:spPr>
+          <a:xfrm>
+            <a:off x="1915925" y="1457571"/>
+            <a:ext cx="824948" cy="670538"/>
+          </a:xfrm>
+          <a:prstGeom prst="ellipse">
+            <a:avLst/>
+          </a:prstGeom>
+          <a:noFill/>
+          <a:ln>
+            <a:solidFill>
+              <a:schemeClr val="tx1"/>
+            </a:solidFill>
+          </a:ln>
+        </p:spPr>
+        <p:style>
+          <a:lnRef idx="2">
+            <a:schemeClr val="accent1">
+              <a:shade val="50000"/>
+            </a:schemeClr>
+          </a:lnRef>
+          <a:fillRef idx="1">
+            <a:schemeClr val="accent1"/>
+          </a:fillRef>
+          <a:effectRef idx="0">
+            <a:schemeClr val="accent1"/>
+          </a:effectRef>
+          <a:fontRef idx="minor">
+            <a:schemeClr val="lt1"/>
+          </a:fontRef>
+        </p:style>
+        <p:txBody>
+          <a:bodyPr rtlCol="0" anchor="ctr"/>
+          <a:lstStyle/>
+          <a:p>
+            <a:pPr algn="ctr"/>
+            <a:r>
+              <a:rPr lang="fr-FR">
+                <a:solidFill>
+                  <a:schemeClr val="tx1"/>
+                </a:solidFill>
+              </a:rPr>
+              <a:t>logo</a:t>
+            </a:r>
+          </a:p>
+        </p:txBody>
+      </p:sp>
+      <p:sp>
+        <p:nvSpPr>
+          <p:cNvPr id="27" name="ZoneTexte 26">
+            <a:extLst>
+              <a:ext uri="{FF2B5EF4-FFF2-40B4-BE49-F238E27FC236}">
+                <a16:creationId xmlns:a16="http://schemas.microsoft.com/office/drawing/2014/main" id="{F28EB454-E1C2-474B-9485-292F6FF1BD47}"/>
+              </a:ext>
+            </a:extLst>
+          </p:cNvPr>
+          <p:cNvSpPr txBox="1"/>
+          <p:nvPr/>
+        </p:nvSpPr>
+        <p:spPr>
+          <a:xfrm>
+            <a:off x="3568700" y="1557652"/>
+            <a:ext cx="4184823" cy="461665"/>
           </a:xfrm>
           <a:prstGeom prst="rect">
             <a:avLst/>
@@ -7451,723 +6882,28 @@
             </a:solidFill>
           </a:ln>
         </p:spPr>
-        <p:style>
-          <a:lnRef idx="2">
-            <a:schemeClr val="accent1">
-              <a:shade val="50000"/>
-            </a:schemeClr>
-          </a:lnRef>
-          <a:fillRef idx="1">
-            <a:schemeClr val="accent1"/>
-          </a:fillRef>
-          <a:effectRef idx="0">
-            <a:schemeClr val="accent1"/>
-          </a:effectRef>
-          <a:fontRef idx="minor">
-            <a:schemeClr val="lt1"/>
-          </a:fontRef>
-        </p:style>
-        <p:txBody>
-          <a:bodyPr lIns="91440" tIns="45720" rIns="91440" bIns="45720" rtlCol="0" anchor="ctr"/>
+        <p:txBody>
+          <a:bodyPr rot="0" spcFirstLastPara="0" vertOverflow="overflow" horzOverflow="overflow" vert="horz" wrap="square" lIns="91440" tIns="45720" rIns="91440" bIns="45720" numCol="1" spcCol="0" rtlCol="0" fromWordArt="0" anchor="t" anchorCtr="0" forceAA="0" compatLnSpc="1">
+            <a:prstTxWarp prst="textNoShape">
+              <a:avLst/>
+            </a:prstTxWarp>
+            <a:spAutoFit/>
+          </a:bodyPr>
           <a:lstStyle/>
           <a:p>
             <a:pPr algn="ctr"/>
             <a:r>
-              <a:rPr lang="fr-FR" dirty="0">
-                <a:solidFill>
-                  <a:schemeClr val="tx1"/>
-                </a:solidFill>
+              <a:rPr lang="fr-FR" sz="1200" dirty="0">
                 <a:cs typeface="Calibri"/>
               </a:rPr>
-              <a:t>H3 titre</a:t>
-            </a:r>
-            <a:endParaRPr lang="fr-FR" dirty="0">
-              <a:solidFill>
-                <a:schemeClr val="tx1"/>
-              </a:solidFill>
+              <a:t>NAVIGATION</a:t>
+            </a:r>
+          </a:p>
+          <a:p>
+            <a:pPr algn="ctr"/>
+            <a:endParaRPr lang="fr-FR" sz="1200" dirty="0">
+              <a:cs typeface="Calibri"/>
             </a:endParaRPr>
-          </a:p>
-        </p:txBody>
-      </p:sp>
-      <p:sp>
-        <p:nvSpPr>
-          <p:cNvPr id="9" name="Ellipse 8">
-            <a:extLst>
-              <a:ext uri="{FF2B5EF4-FFF2-40B4-BE49-F238E27FC236}">
-                <a16:creationId xmlns:a16="http://schemas.microsoft.com/office/drawing/2014/main" id="{2712FD21-9DA2-4023-B3C9-F292A15E9575}"/>
-              </a:ext>
-            </a:extLst>
-          </p:cNvPr>
-          <p:cNvSpPr/>
-          <p:nvPr/>
-        </p:nvSpPr>
-        <p:spPr>
-          <a:xfrm>
-            <a:off x="1676379" y="8993926"/>
-            <a:ext cx="2018301" cy="1871678"/>
-          </a:xfrm>
-          <a:prstGeom prst="ellipse">
-            <a:avLst/>
-          </a:prstGeom>
-          <a:noFill/>
-          <a:ln>
-            <a:solidFill>
-              <a:schemeClr val="tx1"/>
-            </a:solidFill>
-          </a:ln>
-        </p:spPr>
-        <p:style>
-          <a:lnRef idx="2">
-            <a:schemeClr val="accent1">
-              <a:shade val="50000"/>
-            </a:schemeClr>
-          </a:lnRef>
-          <a:fillRef idx="1">
-            <a:schemeClr val="accent1"/>
-          </a:fillRef>
-          <a:effectRef idx="0">
-            <a:schemeClr val="accent1"/>
-          </a:effectRef>
-          <a:fontRef idx="minor">
-            <a:schemeClr val="lt1"/>
-          </a:fontRef>
-        </p:style>
-        <p:txBody>
-          <a:bodyPr rtlCol="0" anchor="ctr"/>
-          <a:lstStyle/>
-          <a:p>
-            <a:pPr algn="ctr"/>
-            <a:r>
-              <a:rPr lang="fr-FR" dirty="0">
-                <a:solidFill>
-                  <a:schemeClr val="tx1"/>
-                </a:solidFill>
-              </a:rPr>
-              <a:t>Image / infographie</a:t>
-            </a:r>
-          </a:p>
-        </p:txBody>
-      </p:sp>
-      <p:sp>
-        <p:nvSpPr>
-          <p:cNvPr id="10" name="Rectangle 9">
-            <a:extLst>
-              <a:ext uri="{FF2B5EF4-FFF2-40B4-BE49-F238E27FC236}">
-                <a16:creationId xmlns:a16="http://schemas.microsoft.com/office/drawing/2014/main" id="{9AA81E69-AE2C-497E-AEF2-AC07035C1FC5}"/>
-              </a:ext>
-            </a:extLst>
-          </p:cNvPr>
-          <p:cNvSpPr/>
-          <p:nvPr/>
-        </p:nvSpPr>
-        <p:spPr>
-          <a:xfrm>
-            <a:off x="4211299" y="9165007"/>
-            <a:ext cx="3408951" cy="552743"/>
-          </a:xfrm>
-          <a:prstGeom prst="rect">
-            <a:avLst/>
-          </a:prstGeom>
-          <a:noFill/>
-          <a:ln>
-            <a:solidFill>
-              <a:schemeClr val="tx1"/>
-            </a:solidFill>
-          </a:ln>
-        </p:spPr>
-        <p:style>
-          <a:lnRef idx="2">
-            <a:schemeClr val="accent1">
-              <a:shade val="50000"/>
-            </a:schemeClr>
-          </a:lnRef>
-          <a:fillRef idx="1">
-            <a:schemeClr val="accent1"/>
-          </a:fillRef>
-          <a:effectRef idx="0">
-            <a:schemeClr val="accent1"/>
-          </a:effectRef>
-          <a:fontRef idx="minor">
-            <a:schemeClr val="lt1"/>
-          </a:fontRef>
-        </p:style>
-        <p:txBody>
-          <a:bodyPr rtlCol="0" anchor="ctr"/>
-          <a:lstStyle/>
-          <a:p>
-            <a:pPr algn="ctr"/>
-            <a:r>
-              <a:rPr lang="fr-FR" dirty="0">
-                <a:solidFill>
-                  <a:schemeClr val="tx1"/>
-                </a:solidFill>
-              </a:rPr>
-              <a:t>texte</a:t>
-            </a:r>
-          </a:p>
-        </p:txBody>
-      </p:sp>
-      <p:sp>
-        <p:nvSpPr>
-          <p:cNvPr id="26" name="Ellipse 25">
-            <a:extLst>
-              <a:ext uri="{FF2B5EF4-FFF2-40B4-BE49-F238E27FC236}">
-                <a16:creationId xmlns:a16="http://schemas.microsoft.com/office/drawing/2014/main" id="{1F6A1B8D-56A5-4716-8828-A0D50CFEB5F6}"/>
-              </a:ext>
-            </a:extLst>
-          </p:cNvPr>
-          <p:cNvSpPr/>
-          <p:nvPr/>
-        </p:nvSpPr>
-        <p:spPr>
-          <a:xfrm>
-            <a:off x="5708123" y="5929674"/>
-            <a:ext cx="2018301" cy="1871678"/>
-          </a:xfrm>
-          <a:prstGeom prst="ellipse">
-            <a:avLst/>
-          </a:prstGeom>
-          <a:noFill/>
-          <a:ln>
-            <a:solidFill>
-              <a:schemeClr val="tx1"/>
-            </a:solidFill>
-          </a:ln>
-        </p:spPr>
-        <p:style>
-          <a:lnRef idx="2">
-            <a:schemeClr val="accent1">
-              <a:shade val="50000"/>
-            </a:schemeClr>
-          </a:lnRef>
-          <a:fillRef idx="1">
-            <a:schemeClr val="accent1"/>
-          </a:fillRef>
-          <a:effectRef idx="0">
-            <a:schemeClr val="accent1"/>
-          </a:effectRef>
-          <a:fontRef idx="minor">
-            <a:schemeClr val="lt1"/>
-          </a:fontRef>
-        </p:style>
-        <p:txBody>
-          <a:bodyPr rtlCol="0" anchor="ctr"/>
-          <a:lstStyle/>
-          <a:p>
-            <a:pPr algn="ctr"/>
-            <a:r>
-              <a:rPr lang="fr-FR" dirty="0">
-                <a:solidFill>
-                  <a:schemeClr val="tx1"/>
-                </a:solidFill>
-              </a:rPr>
-              <a:t>Image / infographie</a:t>
-            </a:r>
-          </a:p>
-        </p:txBody>
-      </p:sp>
-      <p:sp>
-        <p:nvSpPr>
-          <p:cNvPr id="30" name="Rectangle 29">
-            <a:extLst>
-              <a:ext uri="{FF2B5EF4-FFF2-40B4-BE49-F238E27FC236}">
-                <a16:creationId xmlns:a16="http://schemas.microsoft.com/office/drawing/2014/main" id="{BEA7F8AA-F280-49C7-AEED-E869552C4374}"/>
-              </a:ext>
-            </a:extLst>
-          </p:cNvPr>
-          <p:cNvSpPr/>
-          <p:nvPr/>
-        </p:nvSpPr>
-        <p:spPr>
-          <a:xfrm>
-            <a:off x="1371580" y="6158713"/>
-            <a:ext cx="3408951" cy="552743"/>
-          </a:xfrm>
-          <a:prstGeom prst="rect">
-            <a:avLst/>
-          </a:prstGeom>
-          <a:noFill/>
-          <a:ln>
-            <a:solidFill>
-              <a:schemeClr val="tx1"/>
-            </a:solidFill>
-          </a:ln>
-        </p:spPr>
-        <p:style>
-          <a:lnRef idx="2">
-            <a:schemeClr val="accent1">
-              <a:shade val="50000"/>
-            </a:schemeClr>
-          </a:lnRef>
-          <a:fillRef idx="1">
-            <a:schemeClr val="accent1"/>
-          </a:fillRef>
-          <a:effectRef idx="0">
-            <a:schemeClr val="accent1"/>
-          </a:effectRef>
-          <a:fontRef idx="minor">
-            <a:schemeClr val="lt1"/>
-          </a:fontRef>
-        </p:style>
-        <p:txBody>
-          <a:bodyPr rtlCol="0" anchor="ctr"/>
-          <a:lstStyle/>
-          <a:p>
-            <a:pPr algn="ctr"/>
-            <a:r>
-              <a:rPr lang="fr-FR" dirty="0">
-                <a:solidFill>
-                  <a:schemeClr val="tx1"/>
-                </a:solidFill>
-              </a:rPr>
-              <a:t>texte</a:t>
-            </a:r>
-          </a:p>
-        </p:txBody>
-      </p:sp>
-      <p:sp>
-        <p:nvSpPr>
-          <p:cNvPr id="31" name="Ellipse 30">
-            <a:extLst>
-              <a:ext uri="{FF2B5EF4-FFF2-40B4-BE49-F238E27FC236}">
-                <a16:creationId xmlns:a16="http://schemas.microsoft.com/office/drawing/2014/main" id="{69EC9EDB-A2EB-445C-B8AF-F6A14F92E208}"/>
-              </a:ext>
-            </a:extLst>
-          </p:cNvPr>
-          <p:cNvSpPr/>
-          <p:nvPr/>
-        </p:nvSpPr>
-        <p:spPr>
-          <a:xfrm>
-            <a:off x="5601949" y="12501068"/>
-            <a:ext cx="2018301" cy="1871678"/>
-          </a:xfrm>
-          <a:prstGeom prst="ellipse">
-            <a:avLst/>
-          </a:prstGeom>
-          <a:noFill/>
-          <a:ln>
-            <a:solidFill>
-              <a:schemeClr val="tx1"/>
-            </a:solidFill>
-          </a:ln>
-        </p:spPr>
-        <p:style>
-          <a:lnRef idx="2">
-            <a:schemeClr val="accent1">
-              <a:shade val="50000"/>
-            </a:schemeClr>
-          </a:lnRef>
-          <a:fillRef idx="1">
-            <a:schemeClr val="accent1"/>
-          </a:fillRef>
-          <a:effectRef idx="0">
-            <a:schemeClr val="accent1"/>
-          </a:effectRef>
-          <a:fontRef idx="minor">
-            <a:schemeClr val="lt1"/>
-          </a:fontRef>
-        </p:style>
-        <p:txBody>
-          <a:bodyPr rtlCol="0" anchor="ctr"/>
-          <a:lstStyle/>
-          <a:p>
-            <a:pPr algn="ctr"/>
-            <a:r>
-              <a:rPr lang="fr-FR" dirty="0">
-                <a:solidFill>
-                  <a:schemeClr val="tx1"/>
-                </a:solidFill>
-              </a:rPr>
-              <a:t>Image / infographie</a:t>
-            </a:r>
-          </a:p>
-        </p:txBody>
-      </p:sp>
-      <p:sp>
-        <p:nvSpPr>
-          <p:cNvPr id="32" name="Rectangle 31">
-            <a:extLst>
-              <a:ext uri="{FF2B5EF4-FFF2-40B4-BE49-F238E27FC236}">
-                <a16:creationId xmlns:a16="http://schemas.microsoft.com/office/drawing/2014/main" id="{0013A638-C7D9-441C-AB95-AAD69AEB44E2}"/>
-              </a:ext>
-            </a:extLst>
-          </p:cNvPr>
-          <p:cNvSpPr/>
-          <p:nvPr/>
-        </p:nvSpPr>
-        <p:spPr>
-          <a:xfrm>
-            <a:off x="1371579" y="12726124"/>
-            <a:ext cx="3408951" cy="552743"/>
-          </a:xfrm>
-          <a:prstGeom prst="rect">
-            <a:avLst/>
-          </a:prstGeom>
-          <a:noFill/>
-          <a:ln>
-            <a:solidFill>
-              <a:schemeClr val="tx1"/>
-            </a:solidFill>
-          </a:ln>
-        </p:spPr>
-        <p:style>
-          <a:lnRef idx="2">
-            <a:schemeClr val="accent1">
-              <a:shade val="50000"/>
-            </a:schemeClr>
-          </a:lnRef>
-          <a:fillRef idx="1">
-            <a:schemeClr val="accent1"/>
-          </a:fillRef>
-          <a:effectRef idx="0">
-            <a:schemeClr val="accent1"/>
-          </a:effectRef>
-          <a:fontRef idx="minor">
-            <a:schemeClr val="lt1"/>
-          </a:fontRef>
-        </p:style>
-        <p:txBody>
-          <a:bodyPr rtlCol="0" anchor="ctr"/>
-          <a:lstStyle/>
-          <a:p>
-            <a:pPr algn="ctr"/>
-            <a:r>
-              <a:rPr lang="fr-FR" dirty="0">
-                <a:solidFill>
-                  <a:schemeClr val="tx1"/>
-                </a:solidFill>
-              </a:rPr>
-              <a:t>texte</a:t>
-            </a:r>
-          </a:p>
-        </p:txBody>
-      </p:sp>
-      <p:sp>
-        <p:nvSpPr>
-          <p:cNvPr id="11" name="ZoneTexte 10">
-            <a:extLst>
-              <a:ext uri="{FF2B5EF4-FFF2-40B4-BE49-F238E27FC236}">
-                <a16:creationId xmlns:a16="http://schemas.microsoft.com/office/drawing/2014/main" id="{E7944F43-0014-4643-A51A-4735969E3F08}"/>
-              </a:ext>
-            </a:extLst>
-          </p:cNvPr>
-          <p:cNvSpPr txBox="1"/>
-          <p:nvPr/>
-        </p:nvSpPr>
-        <p:spPr>
-          <a:xfrm>
-            <a:off x="2872665" y="2709661"/>
-            <a:ext cx="3738434" cy="584775"/>
-          </a:xfrm>
-          <a:prstGeom prst="rect">
-            <a:avLst/>
-          </a:prstGeom>
-          <a:noFill/>
-          <a:ln>
-            <a:solidFill>
-              <a:schemeClr val="tx1"/>
-            </a:solidFill>
-          </a:ln>
-        </p:spPr>
-        <p:txBody>
-          <a:bodyPr wrap="square" rtlCol="0">
-            <a:spAutoFit/>
-          </a:bodyPr>
-          <a:lstStyle/>
-          <a:p>
-            <a:r>
-              <a:rPr lang="fr-FR" sz="3200" dirty="0"/>
-              <a:t>H2 TITRE DE LA PAGE</a:t>
-            </a:r>
-          </a:p>
-        </p:txBody>
-      </p:sp>
-      <p:sp>
-        <p:nvSpPr>
-          <p:cNvPr id="13" name="Rectangle 12">
-            <a:extLst>
-              <a:ext uri="{FF2B5EF4-FFF2-40B4-BE49-F238E27FC236}">
-                <a16:creationId xmlns:a16="http://schemas.microsoft.com/office/drawing/2014/main" id="{0AC8972F-902E-4FEF-AB4C-675C70B3CAB2}"/>
-              </a:ext>
-            </a:extLst>
-          </p:cNvPr>
-          <p:cNvSpPr/>
-          <p:nvPr/>
-        </p:nvSpPr>
-        <p:spPr>
-          <a:xfrm>
-            <a:off x="1637259" y="3599243"/>
-            <a:ext cx="5901602" cy="901414"/>
-          </a:xfrm>
-          <a:prstGeom prst="rect">
-            <a:avLst/>
-          </a:prstGeom>
-          <a:noFill/>
-          <a:ln>
-            <a:solidFill>
-              <a:schemeClr val="tx1"/>
-            </a:solidFill>
-          </a:ln>
-        </p:spPr>
-        <p:style>
-          <a:lnRef idx="2">
-            <a:schemeClr val="accent1">
-              <a:shade val="50000"/>
-            </a:schemeClr>
-          </a:lnRef>
-          <a:fillRef idx="1">
-            <a:schemeClr val="accent1"/>
-          </a:fillRef>
-          <a:effectRef idx="0">
-            <a:schemeClr val="accent1"/>
-          </a:effectRef>
-          <a:fontRef idx="minor">
-            <a:schemeClr val="lt1"/>
-          </a:fontRef>
-        </p:style>
-        <p:txBody>
-          <a:bodyPr rtlCol="0" anchor="ctr"/>
-          <a:lstStyle/>
-          <a:p>
-            <a:pPr algn="ctr"/>
-            <a:r>
-              <a:rPr lang="fr-FR" dirty="0">
-                <a:solidFill>
-                  <a:schemeClr val="tx1"/>
-                </a:solidFill>
-              </a:rPr>
-              <a:t> texte moyen catégorie</a:t>
-            </a:r>
-          </a:p>
-        </p:txBody>
-      </p:sp>
-      <p:sp>
-        <p:nvSpPr>
-          <p:cNvPr id="20" name="Rectangle 19">
-            <a:extLst>
-              <a:ext uri="{FF2B5EF4-FFF2-40B4-BE49-F238E27FC236}">
-                <a16:creationId xmlns:a16="http://schemas.microsoft.com/office/drawing/2014/main" id="{DCC97745-4B3D-4CBD-B4AF-8378DD330499}"/>
-              </a:ext>
-            </a:extLst>
-          </p:cNvPr>
-          <p:cNvSpPr/>
-          <p:nvPr/>
-        </p:nvSpPr>
-        <p:spPr>
-          <a:xfrm>
-            <a:off x="1182758" y="15067363"/>
-            <a:ext cx="6778484" cy="2277593"/>
-          </a:xfrm>
-          <a:prstGeom prst="rect">
-            <a:avLst/>
-          </a:prstGeom>
-          <a:noFill/>
-          <a:ln>
-            <a:solidFill>
-              <a:schemeClr val="tx1"/>
-            </a:solidFill>
-          </a:ln>
-        </p:spPr>
-        <p:style>
-          <a:lnRef idx="2">
-            <a:schemeClr val="accent1">
-              <a:shade val="50000"/>
-            </a:schemeClr>
-          </a:lnRef>
-          <a:fillRef idx="1">
-            <a:schemeClr val="accent1"/>
-          </a:fillRef>
-          <a:effectRef idx="0">
-            <a:schemeClr val="accent1"/>
-          </a:effectRef>
-          <a:fontRef idx="minor">
-            <a:schemeClr val="lt1"/>
-          </a:fontRef>
-        </p:style>
-        <p:txBody>
-          <a:bodyPr rtlCol="0" anchor="ctr"/>
-          <a:lstStyle/>
-          <a:p>
-            <a:pPr algn="ctr"/>
-            <a:endParaRPr lang="fr-FR" dirty="0"/>
-          </a:p>
-        </p:txBody>
-      </p:sp>
-      <p:sp>
-        <p:nvSpPr>
-          <p:cNvPr id="21" name="Rectangle 20">
-            <a:extLst>
-              <a:ext uri="{FF2B5EF4-FFF2-40B4-BE49-F238E27FC236}">
-                <a16:creationId xmlns:a16="http://schemas.microsoft.com/office/drawing/2014/main" id="{0DCDC92E-7013-43B5-9112-6153D172C3E3}"/>
-              </a:ext>
-            </a:extLst>
-          </p:cNvPr>
-          <p:cNvSpPr/>
-          <p:nvPr/>
-        </p:nvSpPr>
-        <p:spPr>
-          <a:xfrm>
-            <a:off x="1532914" y="15334889"/>
-            <a:ext cx="2416743" cy="1737360"/>
-          </a:xfrm>
-          <a:prstGeom prst="rect">
-            <a:avLst/>
-          </a:prstGeom>
-          <a:noFill/>
-          <a:ln>
-            <a:solidFill>
-              <a:schemeClr val="tx1"/>
-            </a:solidFill>
-          </a:ln>
-        </p:spPr>
-        <p:style>
-          <a:lnRef idx="2">
-            <a:schemeClr val="accent1">
-              <a:shade val="50000"/>
-            </a:schemeClr>
-          </a:lnRef>
-          <a:fillRef idx="1">
-            <a:schemeClr val="accent1"/>
-          </a:fillRef>
-          <a:effectRef idx="0">
-            <a:schemeClr val="accent1"/>
-          </a:effectRef>
-          <a:fontRef idx="minor">
-            <a:schemeClr val="lt1"/>
-          </a:fontRef>
-        </p:style>
-        <p:txBody>
-          <a:bodyPr rtlCol="0" anchor="ctr"/>
-          <a:lstStyle/>
-          <a:p>
-            <a:pPr algn="ctr"/>
-            <a:r>
-              <a:rPr lang="fr-FR" dirty="0">
-                <a:solidFill>
-                  <a:schemeClr val="tx1"/>
-                </a:solidFill>
-              </a:rPr>
-              <a:t>FORMULAIRE DE CONTACT</a:t>
-            </a:r>
-          </a:p>
-        </p:txBody>
-      </p:sp>
-      <p:sp>
-        <p:nvSpPr>
-          <p:cNvPr id="22" name="Rectangle 21">
-            <a:extLst>
-              <a:ext uri="{FF2B5EF4-FFF2-40B4-BE49-F238E27FC236}">
-                <a16:creationId xmlns:a16="http://schemas.microsoft.com/office/drawing/2014/main" id="{69F9CF5D-3E42-4AFE-B75A-C97C8B90B264}"/>
-              </a:ext>
-            </a:extLst>
-          </p:cNvPr>
-          <p:cNvSpPr/>
-          <p:nvPr/>
-        </p:nvSpPr>
-        <p:spPr>
-          <a:xfrm>
-            <a:off x="4506519" y="15334889"/>
-            <a:ext cx="1334924" cy="932960"/>
-          </a:xfrm>
-          <a:prstGeom prst="rect">
-            <a:avLst/>
-          </a:prstGeom>
-          <a:noFill/>
-          <a:ln>
-            <a:solidFill>
-              <a:schemeClr val="tx1"/>
-            </a:solidFill>
-          </a:ln>
-        </p:spPr>
-        <p:style>
-          <a:lnRef idx="2">
-            <a:schemeClr val="accent1">
-              <a:shade val="50000"/>
-            </a:schemeClr>
-          </a:lnRef>
-          <a:fillRef idx="1">
-            <a:schemeClr val="accent1"/>
-          </a:fillRef>
-          <a:effectRef idx="0">
-            <a:schemeClr val="accent1"/>
-          </a:effectRef>
-          <a:fontRef idx="minor">
-            <a:schemeClr val="lt1"/>
-          </a:fontRef>
-        </p:style>
-        <p:txBody>
-          <a:bodyPr rtlCol="0" anchor="ctr"/>
-          <a:lstStyle/>
-          <a:p>
-            <a:pPr algn="ctr"/>
-            <a:r>
-              <a:rPr lang="fr-FR" dirty="0">
-                <a:solidFill>
-                  <a:schemeClr val="tx1"/>
-                </a:solidFill>
-              </a:rPr>
-              <a:t>A Propos</a:t>
-            </a:r>
-          </a:p>
-        </p:txBody>
-      </p:sp>
-      <p:sp>
-        <p:nvSpPr>
-          <p:cNvPr id="23" name="Rectangle 22">
-            <a:extLst>
-              <a:ext uri="{FF2B5EF4-FFF2-40B4-BE49-F238E27FC236}">
-                <a16:creationId xmlns:a16="http://schemas.microsoft.com/office/drawing/2014/main" id="{9A66B890-54BA-42D3-B6CD-AFEA20F748BC}"/>
-              </a:ext>
-            </a:extLst>
-          </p:cNvPr>
-          <p:cNvSpPr/>
-          <p:nvPr/>
-        </p:nvSpPr>
-        <p:spPr>
-          <a:xfrm>
-            <a:off x="6225136" y="15334671"/>
-            <a:ext cx="1334924" cy="331122"/>
-          </a:xfrm>
-          <a:prstGeom prst="rect">
-            <a:avLst/>
-          </a:prstGeom>
-          <a:noFill/>
-          <a:ln>
-            <a:solidFill>
-              <a:schemeClr val="tx1"/>
-            </a:solidFill>
-          </a:ln>
-        </p:spPr>
-        <p:style>
-          <a:lnRef idx="2">
-            <a:schemeClr val="accent1">
-              <a:shade val="50000"/>
-            </a:schemeClr>
-          </a:lnRef>
-          <a:fillRef idx="1">
-            <a:schemeClr val="accent1"/>
-          </a:fillRef>
-          <a:effectRef idx="0">
-            <a:schemeClr val="accent1"/>
-          </a:effectRef>
-          <a:fontRef idx="minor">
-            <a:schemeClr val="lt1"/>
-          </a:fontRef>
-        </p:style>
-        <p:txBody>
-          <a:bodyPr rtlCol="0" anchor="ctr"/>
-          <a:lstStyle/>
-          <a:p>
-            <a:pPr algn="ctr"/>
-            <a:r>
-              <a:rPr lang="fr-FR" dirty="0">
-                <a:solidFill>
-                  <a:schemeClr val="tx1"/>
-                </a:solidFill>
-              </a:rPr>
-              <a:t>Réseaux</a:t>
-            </a:r>
           </a:p>
         </p:txBody>
       </p:sp>

--- a/design/wireframe/wireframe.pptx
+++ b/design/wireframe/wireframe.pptx
@@ -199,7 +199,7 @@
           <a:p>
             <a:fld id="{235E44E7-B9BB-47A4-9D1A-268690B34B29}" type="datetimeFigureOut">
               <a:rPr lang="fr-FR" smtClean="0"/>
-              <a:t>15/02/2021</a:t>
+              <a:t>17/02/2021</a:t>
             </a:fld>
             <a:endParaRPr lang="fr-FR"/>
           </a:p>
@@ -681,7 +681,7 @@
           <a:p>
             <a:fld id="{EEC62B93-04E9-4E9E-9535-BF6213439B41}" type="datetimeFigureOut">
               <a:rPr lang="fr-FR" smtClean="0"/>
-              <a:t>15/02/2021</a:t>
+              <a:t>17/02/2021</a:t>
             </a:fld>
             <a:endParaRPr lang="fr-FR"/>
           </a:p>
@@ -851,7 +851,7 @@
           <a:p>
             <a:fld id="{EEC62B93-04E9-4E9E-9535-BF6213439B41}" type="datetimeFigureOut">
               <a:rPr lang="fr-FR" smtClean="0"/>
-              <a:t>15/02/2021</a:t>
+              <a:t>17/02/2021</a:t>
             </a:fld>
             <a:endParaRPr lang="fr-FR"/>
           </a:p>
@@ -1031,7 +1031,7 @@
           <a:p>
             <a:fld id="{EEC62B93-04E9-4E9E-9535-BF6213439B41}" type="datetimeFigureOut">
               <a:rPr lang="fr-FR" smtClean="0"/>
-              <a:t>15/02/2021</a:t>
+              <a:t>17/02/2021</a:t>
             </a:fld>
             <a:endParaRPr lang="fr-FR"/>
           </a:p>
@@ -1201,7 +1201,7 @@
           <a:p>
             <a:fld id="{EEC62B93-04E9-4E9E-9535-BF6213439B41}" type="datetimeFigureOut">
               <a:rPr lang="fr-FR" smtClean="0"/>
-              <a:t>15/02/2021</a:t>
+              <a:t>17/02/2021</a:t>
             </a:fld>
             <a:endParaRPr lang="fr-FR"/>
           </a:p>
@@ -1445,7 +1445,7 @@
           <a:p>
             <a:fld id="{EEC62B93-04E9-4E9E-9535-BF6213439B41}" type="datetimeFigureOut">
               <a:rPr lang="fr-FR" smtClean="0"/>
-              <a:t>15/02/2021</a:t>
+              <a:t>17/02/2021</a:t>
             </a:fld>
             <a:endParaRPr lang="fr-FR"/>
           </a:p>
@@ -1677,7 +1677,7 @@
           <a:p>
             <a:fld id="{EEC62B93-04E9-4E9E-9535-BF6213439B41}" type="datetimeFigureOut">
               <a:rPr lang="fr-FR" smtClean="0"/>
-              <a:t>15/02/2021</a:t>
+              <a:t>17/02/2021</a:t>
             </a:fld>
             <a:endParaRPr lang="fr-FR"/>
           </a:p>
@@ -2044,7 +2044,7 @@
           <a:p>
             <a:fld id="{EEC62B93-04E9-4E9E-9535-BF6213439B41}" type="datetimeFigureOut">
               <a:rPr lang="fr-FR" smtClean="0"/>
-              <a:t>15/02/2021</a:t>
+              <a:t>17/02/2021</a:t>
             </a:fld>
             <a:endParaRPr lang="fr-FR"/>
           </a:p>
@@ -2162,7 +2162,7 @@
           <a:p>
             <a:fld id="{EEC62B93-04E9-4E9E-9535-BF6213439B41}" type="datetimeFigureOut">
               <a:rPr lang="fr-FR" smtClean="0"/>
-              <a:t>15/02/2021</a:t>
+              <a:t>17/02/2021</a:t>
             </a:fld>
             <a:endParaRPr lang="fr-FR"/>
           </a:p>
@@ -2257,7 +2257,7 @@
           <a:p>
             <a:fld id="{EEC62B93-04E9-4E9E-9535-BF6213439B41}" type="datetimeFigureOut">
               <a:rPr lang="fr-FR" smtClean="0"/>
-              <a:t>15/02/2021</a:t>
+              <a:t>17/02/2021</a:t>
             </a:fld>
             <a:endParaRPr lang="fr-FR"/>
           </a:p>
@@ -2534,7 +2534,7 @@
           <a:p>
             <a:fld id="{EEC62B93-04E9-4E9E-9535-BF6213439B41}" type="datetimeFigureOut">
               <a:rPr lang="fr-FR" smtClean="0"/>
-              <a:t>15/02/2021</a:t>
+              <a:t>17/02/2021</a:t>
             </a:fld>
             <a:endParaRPr lang="fr-FR"/>
           </a:p>
@@ -2791,7 +2791,7 @@
           <a:p>
             <a:fld id="{EEC62B93-04E9-4E9E-9535-BF6213439B41}" type="datetimeFigureOut">
               <a:rPr lang="fr-FR" smtClean="0"/>
-              <a:t>15/02/2021</a:t>
+              <a:t>17/02/2021</a:t>
             </a:fld>
             <a:endParaRPr lang="fr-FR"/>
           </a:p>
@@ -3004,7 +3004,7 @@
           <a:p>
             <a:fld id="{EEC62B93-04E9-4E9E-9535-BF6213439B41}" type="datetimeFigureOut">
               <a:rPr lang="fr-FR" smtClean="0"/>
-              <a:t>15/02/2021</a:t>
+              <a:t>17/02/2021</a:t>
             </a:fld>
             <a:endParaRPr lang="fr-FR"/>
           </a:p>
@@ -3466,6 +3466,61 @@
       </p:sp>
       <p:sp>
         <p:nvSpPr>
+          <p:cNvPr id="13" name="Rectangle 12">
+            <a:extLst>
+              <a:ext uri="{FF2B5EF4-FFF2-40B4-BE49-F238E27FC236}">
+                <a16:creationId xmlns:a16="http://schemas.microsoft.com/office/drawing/2014/main" id="{0BB5B3D1-4E9F-45D2-B004-2AF0CCA8CAA6}"/>
+              </a:ext>
+            </a:extLst>
+          </p:cNvPr>
+          <p:cNvSpPr/>
+          <p:nvPr/>
+        </p:nvSpPr>
+        <p:spPr>
+          <a:xfrm flipV="1">
+            <a:off x="5673975" y="1219571"/>
+            <a:ext cx="2415072" cy="7990989"/>
+          </a:xfrm>
+          <a:prstGeom prst="rect">
+            <a:avLst/>
+          </a:prstGeom>
+          <a:ln>
+            <a:solidFill>
+              <a:schemeClr val="tx1"/>
+            </a:solidFill>
+          </a:ln>
+        </p:spPr>
+        <p:style>
+          <a:lnRef idx="2">
+            <a:schemeClr val="accent6"/>
+          </a:lnRef>
+          <a:fillRef idx="1">
+            <a:schemeClr val="lt1"/>
+          </a:fillRef>
+          <a:effectRef idx="0">
+            <a:schemeClr val="accent6"/>
+          </a:effectRef>
+          <a:fontRef idx="minor">
+            <a:schemeClr val="dk1"/>
+          </a:fontRef>
+        </p:style>
+        <p:txBody>
+          <a:bodyPr rtlCol="0" anchor="ctr"/>
+          <a:lstStyle/>
+          <a:p>
+            <a:pPr algn="ctr"/>
+            <a:endParaRPr lang="fr-FR" u="sng" dirty="0">
+              <a:solidFill>
+                <a:schemeClr val="tx1"/>
+              </a:solidFill>
+              <a:latin typeface="Dubai Medium" panose="020B0604020202020204" pitchFamily="34" charset="-78"/>
+              <a:cs typeface="Dubai Medium" panose="020B0604020202020204" pitchFamily="34" charset="-78"/>
+            </a:endParaRPr>
+          </a:p>
+        </p:txBody>
+      </p:sp>
+      <p:sp>
+        <p:nvSpPr>
           <p:cNvPr id="6" name="Rectangle 5">
             <a:extLst>
               <a:ext uri="{FF2B5EF4-FFF2-40B4-BE49-F238E27FC236}">
@@ -3611,61 +3666,6 @@
       </p:pic>
       <p:sp>
         <p:nvSpPr>
-          <p:cNvPr id="13" name="Rectangle 12">
-            <a:extLst>
-              <a:ext uri="{FF2B5EF4-FFF2-40B4-BE49-F238E27FC236}">
-                <a16:creationId xmlns:a16="http://schemas.microsoft.com/office/drawing/2014/main" id="{0BB5B3D1-4E9F-45D2-B004-2AF0CCA8CAA6}"/>
-              </a:ext>
-            </a:extLst>
-          </p:cNvPr>
-          <p:cNvSpPr/>
-          <p:nvPr/>
-        </p:nvSpPr>
-        <p:spPr>
-          <a:xfrm>
-            <a:off x="5679946" y="1219571"/>
-            <a:ext cx="2415072" cy="7990989"/>
-          </a:xfrm>
-          <a:prstGeom prst="rect">
-            <a:avLst/>
-          </a:prstGeom>
-          <a:ln>
-            <a:solidFill>
-              <a:schemeClr val="tx1"/>
-            </a:solidFill>
-          </a:ln>
-        </p:spPr>
-        <p:style>
-          <a:lnRef idx="2">
-            <a:schemeClr val="accent6"/>
-          </a:lnRef>
-          <a:fillRef idx="1">
-            <a:schemeClr val="lt1"/>
-          </a:fillRef>
-          <a:effectRef idx="0">
-            <a:schemeClr val="accent6"/>
-          </a:effectRef>
-          <a:fontRef idx="minor">
-            <a:schemeClr val="dk1"/>
-          </a:fontRef>
-        </p:style>
-        <p:txBody>
-          <a:bodyPr rtlCol="0" anchor="ctr"/>
-          <a:lstStyle/>
-          <a:p>
-            <a:pPr algn="ctr"/>
-            <a:endParaRPr lang="fr-FR" u="sng" dirty="0">
-              <a:solidFill>
-                <a:schemeClr val="tx1"/>
-              </a:solidFill>
-              <a:latin typeface="Dubai Medium" panose="020B0604020202020204" pitchFamily="34" charset="-78"/>
-              <a:cs typeface="Dubai Medium" panose="020B0604020202020204" pitchFamily="34" charset="-78"/>
-            </a:endParaRPr>
-          </a:p>
-        </p:txBody>
-      </p:sp>
-      <p:sp>
-        <p:nvSpPr>
           <p:cNvPr id="14" name="Rectangle 13">
             <a:extLst>
               <a:ext uri="{FF2B5EF4-FFF2-40B4-BE49-F238E27FC236}">
@@ -4299,7 +4299,7 @@
         </p:nvSpPr>
         <p:spPr>
           <a:xfrm>
-            <a:off x="6623386" y="1395315"/>
+            <a:off x="5828178" y="1408759"/>
             <a:ext cx="520200" cy="520868"/>
           </a:xfrm>
           <a:prstGeom prst="ellipse">
@@ -4948,7 +4948,7 @@
         </p:nvSpPr>
         <p:spPr>
           <a:xfrm>
-            <a:off x="2082973" y="1381783"/>
+            <a:off x="1299542" y="1408946"/>
             <a:ext cx="520200" cy="520868"/>
           </a:xfrm>
           <a:prstGeom prst="ellipse">
@@ -5174,6 +5174,106 @@
                 </a:solidFill>
               </a:rPr>
               <a:t>texte</a:t>
+            </a:r>
+          </a:p>
+        </p:txBody>
+      </p:sp>
+      <p:sp>
+        <p:nvSpPr>
+          <p:cNvPr id="2" name="Rectangle 1">
+            <a:extLst>
+              <a:ext uri="{FF2B5EF4-FFF2-40B4-BE49-F238E27FC236}">
+                <a16:creationId xmlns:a16="http://schemas.microsoft.com/office/drawing/2014/main" id="{B1B2ACBA-EE05-8A46-9AA0-E5A3E5471A80}"/>
+              </a:ext>
+            </a:extLst>
+          </p:cNvPr>
+          <p:cNvSpPr/>
+          <p:nvPr/>
+        </p:nvSpPr>
+        <p:spPr>
+          <a:xfrm>
+            <a:off x="1966641" y="1557383"/>
+            <a:ext cx="1312594" cy="223620"/>
+          </a:xfrm>
+          <a:prstGeom prst="rect">
+            <a:avLst/>
+          </a:prstGeom>
+          <a:ln>
+            <a:headEnd type="none" w="med" len="med"/>
+            <a:tailEnd type="none" w="med" len="med"/>
+          </a:ln>
+        </p:spPr>
+        <p:style>
+          <a:lnRef idx="2">
+            <a:schemeClr val="dk1"/>
+          </a:lnRef>
+          <a:fillRef idx="1">
+            <a:schemeClr val="lt1"/>
+          </a:fillRef>
+          <a:effectRef idx="0">
+            <a:schemeClr val="dk1"/>
+          </a:effectRef>
+          <a:fontRef idx="minor">
+            <a:schemeClr val="dk1"/>
+          </a:fontRef>
+        </p:style>
+        <p:txBody>
+          <a:bodyPr rtlCol="0" anchor="ctr"/>
+          <a:lstStyle/>
+          <a:p>
+            <a:r>
+              <a:rPr lang="fr-FR" sz="1400" dirty="0"/>
+              <a:t>Nom du site</a:t>
+            </a:r>
+          </a:p>
+        </p:txBody>
+      </p:sp>
+      <p:sp>
+        <p:nvSpPr>
+          <p:cNvPr id="5" name="Rectangle 4">
+            <a:extLst>
+              <a:ext uri="{FF2B5EF4-FFF2-40B4-BE49-F238E27FC236}">
+                <a16:creationId xmlns:a16="http://schemas.microsoft.com/office/drawing/2014/main" id="{68F67CF5-01F4-7C44-BF85-51C9C2DA7B97}"/>
+              </a:ext>
+            </a:extLst>
+          </p:cNvPr>
+          <p:cNvSpPr/>
+          <p:nvPr/>
+        </p:nvSpPr>
+        <p:spPr>
+          <a:xfrm>
+            <a:off x="6495277" y="1552497"/>
+            <a:ext cx="1312594" cy="223620"/>
+          </a:xfrm>
+          <a:prstGeom prst="rect">
+            <a:avLst/>
+          </a:prstGeom>
+          <a:ln>
+            <a:headEnd type="none" w="med" len="med"/>
+            <a:tailEnd type="none" w="med" len="med"/>
+          </a:ln>
+        </p:spPr>
+        <p:style>
+          <a:lnRef idx="2">
+            <a:schemeClr val="dk1"/>
+          </a:lnRef>
+          <a:fillRef idx="1">
+            <a:schemeClr val="lt1"/>
+          </a:fillRef>
+          <a:effectRef idx="0">
+            <a:schemeClr val="dk1"/>
+          </a:effectRef>
+          <a:fontRef idx="minor">
+            <a:schemeClr val="dk1"/>
+          </a:fontRef>
+        </p:style>
+        <p:txBody>
+          <a:bodyPr rtlCol="0" anchor="ctr"/>
+          <a:lstStyle/>
+          <a:p>
+            <a:r>
+              <a:rPr lang="fr-FR" sz="1400" dirty="0"/>
+              <a:t>Nom du site</a:t>
             </a:r>
           </a:p>
         </p:txBody>
@@ -5596,8 +5696,8 @@
         </p:nvSpPr>
         <p:spPr>
           <a:xfrm>
-            <a:off x="3568700" y="1557652"/>
-            <a:ext cx="4184823" cy="461665"/>
+            <a:off x="2985560" y="1851110"/>
+            <a:ext cx="4730923" cy="276999"/>
           </a:xfrm>
           <a:prstGeom prst="rect">
             <a:avLst/>
@@ -5628,12 +5728,6 @@
               <a:t>NAVIGATION</a:t>
             </a:r>
           </a:p>
-          <a:p>
-            <a:pPr algn="ctr"/>
-            <a:endParaRPr lang="fr-FR" sz="1200" dirty="0">
-              <a:cs typeface="Calibri"/>
-            </a:endParaRPr>
-          </a:p>
         </p:txBody>
       </p:sp>
       <p:sp>
@@ -5809,6 +5903,58 @@
                 </a:solidFill>
               </a:rPr>
               <a:t>H2 TITRE PAGE</a:t>
+            </a:r>
+          </a:p>
+        </p:txBody>
+      </p:sp>
+      <p:sp>
+        <p:nvSpPr>
+          <p:cNvPr id="3" name="Rectangle 2">
+            <a:extLst>
+              <a:ext uri="{FF2B5EF4-FFF2-40B4-BE49-F238E27FC236}">
+                <a16:creationId xmlns:a16="http://schemas.microsoft.com/office/drawing/2014/main" id="{B08F8B1C-D08C-4DA7-A573-D45B1F7C7116}"/>
+              </a:ext>
+            </a:extLst>
+          </p:cNvPr>
+          <p:cNvSpPr/>
+          <p:nvPr/>
+        </p:nvSpPr>
+        <p:spPr>
+          <a:xfrm>
+            <a:off x="2985560" y="1457571"/>
+            <a:ext cx="4730922" cy="269629"/>
+          </a:xfrm>
+          <a:prstGeom prst="rect">
+            <a:avLst/>
+          </a:prstGeom>
+          <a:ln>
+            <a:solidFill>
+              <a:schemeClr val="tx1"/>
+            </a:solidFill>
+          </a:ln>
+        </p:spPr>
+        <p:style>
+          <a:lnRef idx="2">
+            <a:schemeClr val="accent6"/>
+          </a:lnRef>
+          <a:fillRef idx="1">
+            <a:schemeClr val="lt1"/>
+          </a:fillRef>
+          <a:effectRef idx="0">
+            <a:schemeClr val="accent6"/>
+          </a:effectRef>
+          <a:fontRef idx="minor">
+            <a:schemeClr val="dk1"/>
+          </a:fontRef>
+        </p:style>
+        <p:txBody>
+          <a:bodyPr rtlCol="0" anchor="ctr"/>
+          <a:lstStyle/>
+          <a:p>
+            <a:pPr algn="ctr"/>
+            <a:r>
+              <a:rPr lang="fr-FR" dirty="0"/>
+              <a:t>Nom du site</a:t>
             </a:r>
           </a:p>
         </p:txBody>
@@ -6867,8 +7013,8 @@
         </p:nvSpPr>
         <p:spPr>
           <a:xfrm>
-            <a:off x="3568700" y="1557652"/>
-            <a:ext cx="4184823" cy="461665"/>
+            <a:off x="2985046" y="1931774"/>
+            <a:ext cx="4730922" cy="276999"/>
           </a:xfrm>
           <a:prstGeom prst="rect">
             <a:avLst/>
@@ -6899,11 +7045,57 @@
               <a:t>NAVIGATION</a:t>
             </a:r>
           </a:p>
+        </p:txBody>
+      </p:sp>
+      <p:sp>
+        <p:nvSpPr>
+          <p:cNvPr id="19" name="Rectangle 18">
+            <a:extLst>
+              <a:ext uri="{FF2B5EF4-FFF2-40B4-BE49-F238E27FC236}">
+                <a16:creationId xmlns:a16="http://schemas.microsoft.com/office/drawing/2014/main" id="{0CC3F10D-FF92-43EE-844B-93C898353F07}"/>
+              </a:ext>
+            </a:extLst>
+          </p:cNvPr>
+          <p:cNvSpPr/>
+          <p:nvPr/>
+        </p:nvSpPr>
+        <p:spPr>
+          <a:xfrm>
+            <a:off x="2985046" y="1444638"/>
+            <a:ext cx="4730922" cy="269629"/>
+          </a:xfrm>
+          <a:prstGeom prst="rect">
+            <a:avLst/>
+          </a:prstGeom>
+          <a:ln>
+            <a:solidFill>
+              <a:schemeClr val="tx1"/>
+            </a:solidFill>
+          </a:ln>
+        </p:spPr>
+        <p:style>
+          <a:lnRef idx="2">
+            <a:schemeClr val="accent6"/>
+          </a:lnRef>
+          <a:fillRef idx="1">
+            <a:schemeClr val="lt1"/>
+          </a:fillRef>
+          <a:effectRef idx="0">
+            <a:schemeClr val="accent6"/>
+          </a:effectRef>
+          <a:fontRef idx="minor">
+            <a:schemeClr val="dk1"/>
+          </a:fontRef>
+        </p:style>
+        <p:txBody>
+          <a:bodyPr rtlCol="0" anchor="ctr"/>
+          <a:lstStyle/>
           <a:p>
             <a:pPr algn="ctr"/>
-            <a:endParaRPr lang="fr-FR" sz="1200" dirty="0">
-              <a:cs typeface="Calibri"/>
-            </a:endParaRPr>
+            <a:r>
+              <a:rPr lang="fr-FR" dirty="0"/>
+              <a:t>Nom du site</a:t>
+            </a:r>
           </a:p>
         </p:txBody>
       </p:sp>

--- a/design/wireframe/wireframe.pptx
+++ b/design/wireframe/wireframe.pptx
@@ -199,7 +199,7 @@
           <a:p>
             <a:fld id="{235E44E7-B9BB-47A4-9D1A-268690B34B29}" type="datetimeFigureOut">
               <a:rPr lang="fr-FR" smtClean="0"/>
-              <a:t>17/02/2021</a:t>
+              <a:t>19/02/2021</a:t>
             </a:fld>
             <a:endParaRPr lang="fr-FR"/>
           </a:p>
@@ -681,7 +681,7 @@
           <a:p>
             <a:fld id="{EEC62B93-04E9-4E9E-9535-BF6213439B41}" type="datetimeFigureOut">
               <a:rPr lang="fr-FR" smtClean="0"/>
-              <a:t>17/02/2021</a:t>
+              <a:t>19/02/2021</a:t>
             </a:fld>
             <a:endParaRPr lang="fr-FR"/>
           </a:p>
@@ -851,7 +851,7 @@
           <a:p>
             <a:fld id="{EEC62B93-04E9-4E9E-9535-BF6213439B41}" type="datetimeFigureOut">
               <a:rPr lang="fr-FR" smtClean="0"/>
-              <a:t>17/02/2021</a:t>
+              <a:t>19/02/2021</a:t>
             </a:fld>
             <a:endParaRPr lang="fr-FR"/>
           </a:p>
@@ -1031,7 +1031,7 @@
           <a:p>
             <a:fld id="{EEC62B93-04E9-4E9E-9535-BF6213439B41}" type="datetimeFigureOut">
               <a:rPr lang="fr-FR" smtClean="0"/>
-              <a:t>17/02/2021</a:t>
+              <a:t>19/02/2021</a:t>
             </a:fld>
             <a:endParaRPr lang="fr-FR"/>
           </a:p>
@@ -1201,7 +1201,7 @@
           <a:p>
             <a:fld id="{EEC62B93-04E9-4E9E-9535-BF6213439B41}" type="datetimeFigureOut">
               <a:rPr lang="fr-FR" smtClean="0"/>
-              <a:t>17/02/2021</a:t>
+              <a:t>19/02/2021</a:t>
             </a:fld>
             <a:endParaRPr lang="fr-FR"/>
           </a:p>
@@ -1445,7 +1445,7 @@
           <a:p>
             <a:fld id="{EEC62B93-04E9-4E9E-9535-BF6213439B41}" type="datetimeFigureOut">
               <a:rPr lang="fr-FR" smtClean="0"/>
-              <a:t>17/02/2021</a:t>
+              <a:t>19/02/2021</a:t>
             </a:fld>
             <a:endParaRPr lang="fr-FR"/>
           </a:p>
@@ -1677,7 +1677,7 @@
           <a:p>
             <a:fld id="{EEC62B93-04E9-4E9E-9535-BF6213439B41}" type="datetimeFigureOut">
               <a:rPr lang="fr-FR" smtClean="0"/>
-              <a:t>17/02/2021</a:t>
+              <a:t>19/02/2021</a:t>
             </a:fld>
             <a:endParaRPr lang="fr-FR"/>
           </a:p>
@@ -2044,7 +2044,7 @@
           <a:p>
             <a:fld id="{EEC62B93-04E9-4E9E-9535-BF6213439B41}" type="datetimeFigureOut">
               <a:rPr lang="fr-FR" smtClean="0"/>
-              <a:t>17/02/2021</a:t>
+              <a:t>19/02/2021</a:t>
             </a:fld>
             <a:endParaRPr lang="fr-FR"/>
           </a:p>
@@ -2162,7 +2162,7 @@
           <a:p>
             <a:fld id="{EEC62B93-04E9-4E9E-9535-BF6213439B41}" type="datetimeFigureOut">
               <a:rPr lang="fr-FR" smtClean="0"/>
-              <a:t>17/02/2021</a:t>
+              <a:t>19/02/2021</a:t>
             </a:fld>
             <a:endParaRPr lang="fr-FR"/>
           </a:p>
@@ -2257,7 +2257,7 @@
           <a:p>
             <a:fld id="{EEC62B93-04E9-4E9E-9535-BF6213439B41}" type="datetimeFigureOut">
               <a:rPr lang="fr-FR" smtClean="0"/>
-              <a:t>17/02/2021</a:t>
+              <a:t>19/02/2021</a:t>
             </a:fld>
             <a:endParaRPr lang="fr-FR"/>
           </a:p>
@@ -2534,7 +2534,7 @@
           <a:p>
             <a:fld id="{EEC62B93-04E9-4E9E-9535-BF6213439B41}" type="datetimeFigureOut">
               <a:rPr lang="fr-FR" smtClean="0"/>
-              <a:t>17/02/2021</a:t>
+              <a:t>19/02/2021</a:t>
             </a:fld>
             <a:endParaRPr lang="fr-FR"/>
           </a:p>
@@ -2791,7 +2791,7 @@
           <a:p>
             <a:fld id="{EEC62B93-04E9-4E9E-9535-BF6213439B41}" type="datetimeFigureOut">
               <a:rPr lang="fr-FR" smtClean="0"/>
-              <a:t>17/02/2021</a:t>
+              <a:t>19/02/2021</a:t>
             </a:fld>
             <a:endParaRPr lang="fr-FR"/>
           </a:p>
@@ -3004,7 +3004,7 @@
           <a:p>
             <a:fld id="{EEC62B93-04E9-4E9E-9535-BF6213439B41}" type="datetimeFigureOut">
               <a:rPr lang="fr-FR" smtClean="0"/>
-              <a:t>17/02/2021</a:t>
+              <a:t>19/02/2021</a:t>
             </a:fld>
             <a:endParaRPr lang="fr-FR"/>
           </a:p>
@@ -3656,7 +3656,7 @@
         </p:blipFill>
         <p:spPr>
           <a:xfrm>
-            <a:off x="1299990" y="2127227"/>
+            <a:off x="3270270" y="2127227"/>
             <a:ext cx="180324" cy="175480"/>
           </a:xfrm>
           <a:prstGeom prst="rect">
@@ -3801,7 +3801,7 @@
         </p:blipFill>
         <p:spPr>
           <a:xfrm>
-            <a:off x="5813357" y="2127227"/>
+            <a:off x="7801582" y="2127227"/>
             <a:ext cx="181384" cy="175480"/>
           </a:xfrm>
           <a:prstGeom prst="rect">
@@ -5519,7 +5519,7 @@
         </p:nvSpPr>
         <p:spPr>
           <a:xfrm>
-            <a:off x="1915925" y="1457571"/>
+            <a:off x="4159526" y="1452808"/>
             <a:ext cx="824948" cy="670538"/>
           </a:xfrm>
           <a:prstGeom prst="ellipse">
@@ -5554,7 +5554,7 @@
           <a:p>
             <a:pPr algn="ctr"/>
             <a:r>
-              <a:rPr lang="fr-FR">
+              <a:rPr lang="fr-FR" dirty="0">
                 <a:solidFill>
                   <a:schemeClr val="tx1"/>
                 </a:solidFill>
@@ -5696,8 +5696,8 @@
         </p:nvSpPr>
         <p:spPr>
           <a:xfrm>
-            <a:off x="2985560" y="1851110"/>
-            <a:ext cx="4730923" cy="276999"/>
+            <a:off x="5715009" y="1649577"/>
+            <a:ext cx="1510913" cy="276999"/>
           </a:xfrm>
           <a:prstGeom prst="rect">
             <a:avLst/>
@@ -5921,8 +5921,8 @@
         </p:nvSpPr>
         <p:spPr>
           <a:xfrm>
-            <a:off x="2985560" y="1457571"/>
-            <a:ext cx="4730922" cy="269629"/>
+            <a:off x="1922809" y="1662953"/>
+            <a:ext cx="1506182" cy="269629"/>
           </a:xfrm>
           <a:prstGeom prst="rect">
             <a:avLst/>
@@ -6942,10 +6942,10 @@
       </p:sp>
       <p:sp>
         <p:nvSpPr>
-          <p:cNvPr id="24" name="Ellipse 23">
+          <p:cNvPr id="20" name="Ellipse 19">
             <a:extLst>
               <a:ext uri="{FF2B5EF4-FFF2-40B4-BE49-F238E27FC236}">
-                <a16:creationId xmlns:a16="http://schemas.microsoft.com/office/drawing/2014/main" id="{2970E611-2B62-4A3C-B39C-DEF3D9071B08}"/>
+                <a16:creationId xmlns:a16="http://schemas.microsoft.com/office/drawing/2014/main" id="{9DB3B867-D58F-4F36-BFE7-74FB264199C9}"/>
               </a:ext>
             </a:extLst>
           </p:cNvPr>
@@ -6954,7 +6954,7 @@
         </p:nvSpPr>
         <p:spPr>
           <a:xfrm>
-            <a:off x="1915925" y="1457571"/>
+            <a:off x="4159526" y="1452808"/>
             <a:ext cx="824948" cy="670538"/>
           </a:xfrm>
           <a:prstGeom prst="ellipse">
@@ -6989,7 +6989,7 @@
           <a:p>
             <a:pPr algn="ctr"/>
             <a:r>
-              <a:rPr lang="fr-FR">
+              <a:rPr lang="fr-FR" dirty="0">
                 <a:solidFill>
                   <a:schemeClr val="tx1"/>
                 </a:solidFill>
@@ -7001,10 +7001,10 @@
       </p:sp>
       <p:sp>
         <p:nvSpPr>
-          <p:cNvPr id="27" name="ZoneTexte 26">
+          <p:cNvPr id="21" name="ZoneTexte 20">
             <a:extLst>
               <a:ext uri="{FF2B5EF4-FFF2-40B4-BE49-F238E27FC236}">
-                <a16:creationId xmlns:a16="http://schemas.microsoft.com/office/drawing/2014/main" id="{F28EB454-E1C2-474B-9485-292F6FF1BD47}"/>
+                <a16:creationId xmlns:a16="http://schemas.microsoft.com/office/drawing/2014/main" id="{9539CEAD-90F8-4066-A413-279AF6841468}"/>
               </a:ext>
             </a:extLst>
           </p:cNvPr>
@@ -7013,8 +7013,8 @@
         </p:nvSpPr>
         <p:spPr>
           <a:xfrm>
-            <a:off x="2985046" y="1931774"/>
-            <a:ext cx="4730922" cy="276999"/>
+            <a:off x="5715009" y="1649577"/>
+            <a:ext cx="1510913" cy="276999"/>
           </a:xfrm>
           <a:prstGeom prst="rect">
             <a:avLst/>
@@ -7049,10 +7049,10 @@
       </p:sp>
       <p:sp>
         <p:nvSpPr>
-          <p:cNvPr id="19" name="Rectangle 18">
+          <p:cNvPr id="22" name="Rectangle 21">
             <a:extLst>
               <a:ext uri="{FF2B5EF4-FFF2-40B4-BE49-F238E27FC236}">
-                <a16:creationId xmlns:a16="http://schemas.microsoft.com/office/drawing/2014/main" id="{0CC3F10D-FF92-43EE-844B-93C898353F07}"/>
+                <a16:creationId xmlns:a16="http://schemas.microsoft.com/office/drawing/2014/main" id="{6AB22B40-263B-4F8F-A55B-F2D8CD0FB8EB}"/>
               </a:ext>
             </a:extLst>
           </p:cNvPr>
@@ -7061,8 +7061,8 @@
         </p:nvSpPr>
         <p:spPr>
           <a:xfrm>
-            <a:off x="2985046" y="1444638"/>
-            <a:ext cx="4730922" cy="269629"/>
+            <a:off x="1922809" y="1662953"/>
+            <a:ext cx="1506182" cy="269629"/>
           </a:xfrm>
           <a:prstGeom prst="rect">
             <a:avLst/>
